--- a/Documentation/Presentation.pptx
+++ b/Documentation/Presentation.pptx
@@ -10,16 +10,18 @@
     <p:sldMasterId id="2147483697" r:id="rId6"/>
   </p:sldMasterIdLst>
   <p:notesMasterIdLst>
-    <p:notesMasterId r:id="rId11"/>
+    <p:notesMasterId r:id="rId13"/>
   </p:notesMasterIdLst>
   <p:handoutMasterIdLst>
-    <p:handoutMasterId r:id="rId12"/>
+    <p:handoutMasterId r:id="rId14"/>
   </p:handoutMasterIdLst>
   <p:sldIdLst>
     <p:sldId id="355" r:id="rId7"/>
     <p:sldId id="397" r:id="rId8"/>
     <p:sldId id="398" r:id="rId9"/>
     <p:sldId id="399" r:id="rId10"/>
+    <p:sldId id="400" r:id="rId11"/>
+    <p:sldId id="401" r:id="rId12"/>
   </p:sldIdLst>
   <p:sldSz cx="9144000" cy="6858000" type="screen4x3"/>
   <p:notesSz cx="9925050" cy="6665913"/>
@@ -290,7 +292,7 @@
               <a:pPr>
                 <a:defRPr/>
               </a:pPr>
-              <a:t>06/02/2019</a:t>
+              <a:t>07/02/2019</a:t>
             </a:fld>
             <a:endParaRPr lang="en-GB" dirty="0"/>
           </a:p>
@@ -509,7 +511,7 @@
               <a:pPr>
                 <a:defRPr/>
               </a:pPr>
-              <a:t>06/02/2019</a:t>
+              <a:t>07/02/2019</a:t>
             </a:fld>
             <a:endParaRPr lang="en-GB"/>
           </a:p>
@@ -1186,255 +1188,6 @@
 
 <file path=ppt/slideLayouts/slideLayout10.xml><?xml version="1.0" encoding="utf-8"?>
 <p:sldLayout xmlns:a="http://schemas.openxmlformats.org/drawingml/2006/main" xmlns:r="http://schemas.openxmlformats.org/officeDocument/2006/relationships" xmlns:p="http://schemas.openxmlformats.org/presentationml/2006/main" preserve="1" userDrawn="1">
-  <p:cSld name="Start">
-    <p:spTree>
-      <p:nvGrpSpPr>
-        <p:cNvPr id="1" name=""/>
-        <p:cNvGrpSpPr/>
-        <p:nvPr/>
-      </p:nvGrpSpPr>
-      <p:grpSpPr>
-        <a:xfrm>
-          <a:off x="0" y="0"/>
-          <a:ext cx="0" cy="0"/>
-          <a:chOff x="0" y="0"/>
-          <a:chExt cx="0" cy="0"/>
-        </a:xfrm>
-      </p:grpSpPr>
-      <p:sp>
-        <p:nvSpPr>
-          <p:cNvPr id="16" name="Inhaltsplatzhalter 2"/>
-          <p:cNvSpPr>
-            <a:spLocks noGrp="1"/>
-          </p:cNvSpPr>
-          <p:nvPr>
-            <p:ph idx="10" hasCustomPrompt="1"/>
-          </p:nvPr>
-        </p:nvSpPr>
-        <p:spPr>
-          <a:xfrm>
-            <a:off x="319088" y="1978720"/>
-            <a:ext cx="8508999" cy="1274125"/>
-          </a:xfrm>
-          <a:prstGeom prst="rect">
-            <a:avLst/>
-          </a:prstGeom>
-          <a:noFill/>
-          <a:ln w="9525">
-            <a:noFill/>
-            <a:miter lim="800000"/>
-            <a:headEnd/>
-            <a:tailEnd/>
-          </a:ln>
-        </p:spPr>
-        <p:txBody>
-          <a:bodyPr vert="horz" wrap="square" lIns="0" tIns="0" rIns="0" bIns="0" numCol="1" anchor="t" anchorCtr="0" compatLnSpc="1">
-            <a:prstTxWarp prst="textNoShape">
-              <a:avLst/>
-            </a:prstTxWarp>
-          </a:bodyPr>
-          <a:lstStyle>
-            <a:lvl1pPr>
-              <a:lnSpc>
-                <a:spcPct val="150000"/>
-              </a:lnSpc>
-              <a:defRPr lang="de-DE" sz="1600" baseline="0" noProof="0" dirty="0" smtClean="0"/>
-            </a:lvl1pPr>
-            <a:lvl2pPr>
-              <a:defRPr lang="de-DE" noProof="0" dirty="0" smtClean="0"/>
-            </a:lvl2pPr>
-          </a:lstStyle>
-          <a:p>
-            <a:pPr lvl="0"/>
-            <a:r>
-              <a:rPr lang="de-DE" noProof="0" dirty="0"/>
-              <a:t>Referent</a:t>
-            </a:r>
-            <a:br>
-              <a:rPr lang="de-DE" noProof="0" dirty="0"/>
-            </a:br>
-            <a:r>
-              <a:rPr lang="de-DE" noProof="0" dirty="0"/>
-              <a:t>Ort, Datum (Schreibweise: 00. Januar 2015)</a:t>
-            </a:r>
-          </a:p>
-        </p:txBody>
-      </p:sp>
-      <p:sp>
-        <p:nvSpPr>
-          <p:cNvPr id="14" name="Rechteck 13"/>
-          <p:cNvSpPr/>
-          <p:nvPr userDrawn="1"/>
-        </p:nvSpPr>
-        <p:spPr bwMode="auto">
-          <a:xfrm>
-            <a:off x="8347635" y="6408271"/>
-            <a:ext cx="575236" cy="358588"/>
-          </a:xfrm>
-          <a:prstGeom prst="rect">
-            <a:avLst/>
-          </a:prstGeom>
-          <a:solidFill>
-            <a:schemeClr val="bg1"/>
-          </a:solidFill>
-          <a:ln w="9525" cap="flat" cmpd="sng" algn="ctr">
-            <a:noFill/>
-            <a:prstDash val="solid"/>
-            <a:round/>
-            <a:headEnd type="none" w="med" len="med"/>
-            <a:tailEnd type="none" w="med" len="med"/>
-          </a:ln>
-          <a:effectLst/>
-        </p:spPr>
-        <p:txBody>
-          <a:bodyPr vert="horz" wrap="square" lIns="91440" tIns="45720" rIns="91440" bIns="45720" numCol="1" rtlCol="0" anchor="t" anchorCtr="0" compatLnSpc="1">
-            <a:prstTxWarp prst="textNoShape">
-              <a:avLst/>
-            </a:prstTxWarp>
-          </a:bodyPr>
-          <a:lstStyle/>
-          <a:p>
-            <a:pPr marL="0" marR="0" indent="0" algn="r" defTabSz="914400" rtl="0" eaLnBrk="0" fontAlgn="base" latinLnBrk="0" hangingPunct="0">
-              <a:lnSpc>
-                <a:spcPct val="100000"/>
-              </a:lnSpc>
-              <a:spcBef>
-                <a:spcPct val="0"/>
-              </a:spcBef>
-              <a:spcAft>
-                <a:spcPct val="0"/>
-              </a:spcAft>
-              <a:buClrTx/>
-              <a:buSzTx/>
-              <a:buFontTx/>
-              <a:buNone/>
-              <a:tabLst/>
-            </a:pPr>
-            <a:endParaRPr kumimoji="0" lang="de-DE" sz="2000" b="0" i="0" u="none" strike="noStrike" cap="none" normalizeH="0" baseline="0">
-              <a:ln>
-                <a:noFill/>
-              </a:ln>
-              <a:solidFill>
-                <a:schemeClr val="tx1"/>
-              </a:solidFill>
-              <a:effectLst/>
-              <a:latin typeface="Arial" pitchFamily="34" charset="0"/>
-            </a:endParaRPr>
-          </a:p>
-        </p:txBody>
-      </p:sp>
-      <p:sp>
-        <p:nvSpPr>
-          <p:cNvPr id="8" name="Foliennummernplatzhalter 7"/>
-          <p:cNvSpPr>
-            <a:spLocks noGrp="1"/>
-          </p:cNvSpPr>
-          <p:nvPr>
-            <p:ph type="sldNum" sz="quarter" idx="12"/>
-          </p:nvPr>
-        </p:nvSpPr>
-        <p:spPr/>
-        <p:txBody>
-          <a:bodyPr/>
-          <a:lstStyle/>
-          <a:p>
-            <a:fld id="{CE58CB1E-F828-4F11-99E0-327109AF9DA4}" type="slidenum">
-              <a:rPr lang="de-DE" smtClean="0"/>
-              <a:pPr/>
-              <a:t>‹Nr.›</a:t>
-            </a:fld>
-            <a:endParaRPr lang="de-DE" dirty="0"/>
-          </a:p>
-        </p:txBody>
-      </p:sp>
-      <p:sp>
-        <p:nvSpPr>
-          <p:cNvPr id="10" name="Fußzeilenplatzhalter 9"/>
-          <p:cNvSpPr>
-            <a:spLocks noGrp="1"/>
-          </p:cNvSpPr>
-          <p:nvPr>
-            <p:ph type="ftr" sz="quarter" idx="13"/>
-          </p:nvPr>
-        </p:nvSpPr>
-        <p:spPr/>
-        <p:txBody>
-          <a:bodyPr/>
-          <a:lstStyle/>
-          <a:p>
-            <a:r>
-              <a:rPr lang="de-DE"/>
-              <a:t>Dr. rer. nat. Erika Mustermann (TUM) | kann beliebig erweitert werden | Infos mit Strich trennen</a:t>
-            </a:r>
-            <a:endParaRPr lang="en-US" dirty="0"/>
-          </a:p>
-        </p:txBody>
-      </p:sp>
-      <p:sp>
-        <p:nvSpPr>
-          <p:cNvPr id="7" name="Titel 1"/>
-          <p:cNvSpPr>
-            <a:spLocks noGrp="1"/>
-          </p:cNvSpPr>
-          <p:nvPr>
-            <p:ph type="title" hasCustomPrompt="1"/>
-          </p:nvPr>
-        </p:nvSpPr>
-        <p:spPr>
-          <a:xfrm>
-            <a:off x="319090" y="994334"/>
-            <a:ext cx="8508999" cy="410369"/>
-          </a:xfrm>
-          <a:prstGeom prst="rect">
-            <a:avLst/>
-          </a:prstGeom>
-          <a:noFill/>
-          <a:ln w="9525">
-            <a:noFill/>
-            <a:miter lim="800000"/>
-            <a:headEnd/>
-            <a:tailEnd/>
-          </a:ln>
-        </p:spPr>
-        <p:txBody>
-          <a:bodyPr vert="horz" wrap="square" lIns="0" tIns="0" rIns="0" bIns="0" numCol="1" anchor="t" anchorCtr="0" compatLnSpc="1">
-            <a:prstTxWarp prst="textNoShape">
-              <a:avLst/>
-            </a:prstTxWarp>
-            <a:spAutoFit/>
-          </a:bodyPr>
-          <a:lstStyle>
-            <a:lvl1pPr>
-              <a:lnSpc>
-                <a:spcPts val="3200"/>
-              </a:lnSpc>
-              <a:defRPr lang="de-DE" sz="3000" noProof="0" dirty="0"/>
-            </a:lvl1pPr>
-          </a:lstStyle>
-          <a:p>
-            <a:pPr lvl="0"/>
-            <a:r>
-              <a:rPr lang="de-DE" noProof="0" dirty="0"/>
-              <a:t>Titel durch Klicken bearbeiten</a:t>
-            </a:r>
-          </a:p>
-        </p:txBody>
-      </p:sp>
-    </p:spTree>
-    <p:extLst>
-      <p:ext uri="{BB962C8B-B14F-4D97-AF65-F5344CB8AC3E}">
-        <p14:creationId xmlns:p14="http://schemas.microsoft.com/office/powerpoint/2010/main" val="171855092"/>
-      </p:ext>
-    </p:extLst>
-  </p:cSld>
-  <p:clrMapOvr>
-    <a:masterClrMapping/>
-  </p:clrMapOvr>
-</p:sldLayout>
-</file>
-
-<file path=ppt/slideLayouts/slideLayout11.xml><?xml version="1.0" encoding="utf-8"?>
-<p:sldLayout xmlns:a="http://schemas.openxmlformats.org/drawingml/2006/main" xmlns:r="http://schemas.openxmlformats.org/officeDocument/2006/relationships" xmlns:p="http://schemas.openxmlformats.org/presentationml/2006/main" preserve="1" userDrawn="1">
   <p:cSld name="Inhalt">
     <p:spTree>
       <p:nvGrpSpPr>
@@ -1632,7 +1385,7 @@
 </p:sldLayout>
 </file>
 
-<file path=ppt/slideLayouts/slideLayout12.xml><?xml version="1.0" encoding="utf-8"?>
+<file path=ppt/slideLayouts/slideLayout11.xml><?xml version="1.0" encoding="utf-8"?>
 <p:sldLayout xmlns:a="http://schemas.openxmlformats.org/drawingml/2006/main" xmlns:r="http://schemas.openxmlformats.org/officeDocument/2006/relationships" xmlns:p="http://schemas.openxmlformats.org/presentationml/2006/main" preserve="1" userDrawn="1">
   <p:cSld name="Inhalt + Text">
     <p:spTree>
@@ -1879,7 +1632,7 @@
 </p:sldLayout>
 </file>
 
-<file path=ppt/slideLayouts/slideLayout13.xml><?xml version="1.0" encoding="utf-8"?>
+<file path=ppt/slideLayouts/slideLayout12.xml><?xml version="1.0" encoding="utf-8"?>
 <p:sldLayout xmlns:a="http://schemas.openxmlformats.org/drawingml/2006/main" xmlns:r="http://schemas.openxmlformats.org/officeDocument/2006/relationships" xmlns:p="http://schemas.openxmlformats.org/presentationml/2006/main" preserve="1" userDrawn="1">
   <p:cSld name="zwei Inhalte">
     <p:spTree>
@@ -2152,7 +1905,7 @@
 </p:sldLayout>
 </file>
 
-<file path=ppt/slideLayouts/slideLayout14.xml><?xml version="1.0" encoding="utf-8"?>
+<file path=ppt/slideLayouts/slideLayout13.xml><?xml version="1.0" encoding="utf-8"?>
 <p:sldLayout xmlns:a="http://schemas.openxmlformats.org/drawingml/2006/main" xmlns:r="http://schemas.openxmlformats.org/officeDocument/2006/relationships" xmlns:p="http://schemas.openxmlformats.org/presentationml/2006/main" preserve="1" userDrawn="1">
   <p:cSld name="Zwei Inhalte + Text">
     <p:spTree>
@@ -2424,7 +2177,7 @@
 </p:sldLayout>
 </file>
 
-<file path=ppt/slideLayouts/slideLayout15.xml><?xml version="1.0" encoding="utf-8"?>
+<file path=ppt/slideLayouts/slideLayout14.xml><?xml version="1.0" encoding="utf-8"?>
 <p:sldLayout xmlns:a="http://schemas.openxmlformats.org/drawingml/2006/main" xmlns:r="http://schemas.openxmlformats.org/officeDocument/2006/relationships" xmlns:p="http://schemas.openxmlformats.org/presentationml/2006/main" preserve="1" userDrawn="1">
   <p:cSld name="Zwei Inhalte + Text (Hintergrund)">
     <p:spTree>
@@ -2739,7 +2492,7 @@
 </p:sldLayout>
 </file>
 
-<file path=ppt/slideLayouts/slideLayout16.xml><?xml version="1.0" encoding="utf-8"?>
+<file path=ppt/slideLayouts/slideLayout15.xml><?xml version="1.0" encoding="utf-8"?>
 <p:sldLayout xmlns:a="http://schemas.openxmlformats.org/drawingml/2006/main" xmlns:r="http://schemas.openxmlformats.org/officeDocument/2006/relationships" xmlns:p="http://schemas.openxmlformats.org/presentationml/2006/main" preserve="1" userDrawn="1">
   <p:cSld name="große Bilder">
     <p:spTree>
@@ -2941,7 +2694,7 @@
 </p:sldLayout>
 </file>
 
-<file path=ppt/slideLayouts/slideLayout17.xml><?xml version="1.0" encoding="utf-8"?>
+<file path=ppt/slideLayouts/slideLayout16.xml><?xml version="1.0" encoding="utf-8"?>
 <p:sldLayout xmlns:a="http://schemas.openxmlformats.org/drawingml/2006/main" xmlns:r="http://schemas.openxmlformats.org/officeDocument/2006/relationships" xmlns:p="http://schemas.openxmlformats.org/presentationml/2006/main" preserve="1" userDrawn="1">
   <p:cSld name="Bilder formatfüllend">
     <p:spTree>
@@ -3102,7 +2855,7 @@
 </p:sldLayout>
 </file>
 
-<file path=ppt/slideLayouts/slideLayout18.xml><?xml version="1.0" encoding="utf-8"?>
+<file path=ppt/slideLayouts/slideLayout17.xml><?xml version="1.0" encoding="utf-8"?>
 <p:sldLayout xmlns:a="http://schemas.openxmlformats.org/drawingml/2006/main" xmlns:r="http://schemas.openxmlformats.org/officeDocument/2006/relationships" xmlns:p="http://schemas.openxmlformats.org/presentationml/2006/main" preserve="1" userDrawn="1">
   <p:cSld name="Kapiteltrenner">
     <p:spTree>
@@ -3251,7 +3004,7 @@
 </p:sldLayout>
 </file>
 
-<file path=ppt/slideLayouts/slideLayout19.xml><?xml version="1.0" encoding="utf-8"?>
+<file path=ppt/slideLayouts/slideLayout18.xml><?xml version="1.0" encoding="utf-8"?>
 <p:sldLayout xmlns:a="http://schemas.openxmlformats.org/drawingml/2006/main" xmlns:r="http://schemas.openxmlformats.org/officeDocument/2006/relationships" xmlns:p="http://schemas.openxmlformats.org/presentationml/2006/main" preserve="1" userDrawn="1">
   <p:cSld name="Kapiteltrenner">
     <p:spTree>
@@ -4801,7 +4554,7 @@
 
 <file path=ppt/slideLayouts/slideLayout8.xml><?xml version="1.0" encoding="utf-8"?>
 <p:sldLayout xmlns:a="http://schemas.openxmlformats.org/drawingml/2006/main" xmlns:r="http://schemas.openxmlformats.org/officeDocument/2006/relationships" xmlns:p="http://schemas.openxmlformats.org/presentationml/2006/main" userDrawn="1">
-  <p:cSld name="Bilder formatfüllend">
+  <p:cSld name="Zwei Inhalte + Text (Hintergrund)">
     <p:spTree>
       <p:nvGrpSpPr>
         <p:cNvPr id="1" name=""/>
@@ -4818,7 +4571,208 @@
       </p:grpSpPr>
       <p:sp>
         <p:nvSpPr>
-          <p:cNvPr id="8" name="Bildplatzhalter 2"/>
+          <p:cNvPr id="9" name="Rechteck 8"/>
+          <p:cNvSpPr/>
+          <p:nvPr userDrawn="1"/>
+        </p:nvSpPr>
+        <p:spPr bwMode="auto">
+          <a:xfrm>
+            <a:off x="0" y="2477139"/>
+            <a:ext cx="9144000" cy="4380861"/>
+          </a:xfrm>
+          <a:prstGeom prst="rect">
+            <a:avLst/>
+          </a:prstGeom>
+          <a:solidFill>
+            <a:schemeClr val="bg1">
+              <a:lumMod val="95000"/>
+            </a:schemeClr>
+          </a:solidFill>
+          <a:ln w="9525" cap="flat" cmpd="sng" algn="ctr">
+            <a:noFill/>
+            <a:prstDash val="solid"/>
+            <a:round/>
+            <a:headEnd type="none" w="med" len="med"/>
+            <a:tailEnd type="none" w="med" len="med"/>
+          </a:ln>
+          <a:effectLst/>
+        </p:spPr>
+        <p:txBody>
+          <a:bodyPr vert="horz" wrap="square" lIns="91440" tIns="45720" rIns="91440" bIns="45720" numCol="1" rtlCol="0" anchor="t" anchorCtr="0" compatLnSpc="1">
+            <a:prstTxWarp prst="textNoShape">
+              <a:avLst/>
+            </a:prstTxWarp>
+          </a:bodyPr>
+          <a:lstStyle/>
+          <a:p>
+            <a:pPr algn="r" eaLnBrk="0" hangingPunct="0"/>
+            <a:endParaRPr lang="de-DE" sz="1000">
+              <a:latin typeface="Arial" pitchFamily="34" charset="0"/>
+            </a:endParaRPr>
+          </a:p>
+        </p:txBody>
+      </p:sp>
+      <p:sp>
+        <p:nvSpPr>
+          <p:cNvPr id="18" name="Textplatzhalter 7"/>
+          <p:cNvSpPr>
+            <a:spLocks noGrp="1"/>
+          </p:cNvSpPr>
+          <p:nvPr>
+            <p:ph type="body" sz="quarter" idx="13" hasCustomPrompt="1"/>
+          </p:nvPr>
+        </p:nvSpPr>
+        <p:spPr>
+          <a:xfrm>
+            <a:off x="319089" y="1762188"/>
+            <a:ext cx="8508999" cy="714951"/>
+          </a:xfrm>
+          <a:prstGeom prst="rect">
+            <a:avLst/>
+          </a:prstGeom>
+          <a:noFill/>
+          <a:ln w="9525">
+            <a:noFill/>
+            <a:miter lim="800000"/>
+            <a:headEnd/>
+            <a:tailEnd/>
+          </a:ln>
+        </p:spPr>
+        <p:txBody>
+          <a:bodyPr vert="horz" wrap="square" lIns="0" tIns="0" rIns="0" bIns="0" numCol="1" anchor="t" anchorCtr="0" compatLnSpc="1">
+            <a:prstTxWarp prst="textNoShape">
+              <a:avLst/>
+            </a:prstTxWarp>
+          </a:bodyPr>
+          <a:lstStyle>
+            <a:lvl1pPr>
+              <a:lnSpc>
+                <a:spcPct val="114000"/>
+              </a:lnSpc>
+              <a:defRPr lang="de-DE" noProof="0" dirty="0" smtClean="0"/>
+            </a:lvl1pPr>
+          </a:lstStyle>
+          <a:p>
+            <a:pPr lvl="0"/>
+            <a:r>
+              <a:rPr lang="de-DE" noProof="0" dirty="0"/>
+              <a:t>Inhalt durch Klicken bearbeiten</a:t>
+            </a:r>
+          </a:p>
+        </p:txBody>
+      </p:sp>
+      <p:sp>
+        <p:nvSpPr>
+          <p:cNvPr id="7" name="Foliennummernplatzhalter 6"/>
+          <p:cNvSpPr>
+            <a:spLocks noGrp="1"/>
+          </p:cNvSpPr>
+          <p:nvPr>
+            <p:ph type="sldNum" sz="quarter" idx="15"/>
+          </p:nvPr>
+        </p:nvSpPr>
+        <p:spPr/>
+        <p:txBody>
+          <a:bodyPr/>
+          <a:lstStyle/>
+          <a:p>
+            <a:fld id="{CE58CB1E-F828-4F11-99E0-327109AF9DA4}" type="slidenum">
+              <a:rPr lang="de-DE" smtClean="0"/>
+              <a:pPr/>
+              <a:t>‹Nr.›</a:t>
+            </a:fld>
+            <a:endParaRPr lang="de-DE" dirty="0"/>
+          </a:p>
+        </p:txBody>
+      </p:sp>
+      <p:sp>
+        <p:nvSpPr>
+          <p:cNvPr id="12" name="Fußzeilenplatzhalter 11"/>
+          <p:cNvSpPr>
+            <a:spLocks noGrp="1"/>
+          </p:cNvSpPr>
+          <p:nvPr>
+            <p:ph type="ftr" sz="quarter" idx="16"/>
+          </p:nvPr>
+        </p:nvSpPr>
+        <p:spPr/>
+        <p:txBody>
+          <a:bodyPr/>
+          <a:lstStyle/>
+          <a:p>
+            <a:r>
+              <a:rPr lang="de-DE" noProof="0"/>
+              <a:t>Dr. rer. nat. Erika Mustermann (TUM) | kann beliebig erweitert werden | Infos mit Strich trennen</a:t>
+            </a:r>
+          </a:p>
+        </p:txBody>
+      </p:sp>
+      <p:sp>
+        <p:nvSpPr>
+          <p:cNvPr id="8" name="Inhaltsplatzhalter 9"/>
+          <p:cNvSpPr>
+            <a:spLocks noGrp="1"/>
+          </p:cNvSpPr>
+          <p:nvPr>
+            <p:ph sz="quarter" idx="18"/>
+          </p:nvPr>
+        </p:nvSpPr>
+        <p:spPr>
+          <a:xfrm>
+            <a:off x="316992" y="2484000"/>
+            <a:ext cx="4242816" cy="3974655"/>
+          </a:xfrm>
+          <a:prstGeom prst="rect">
+            <a:avLst/>
+          </a:prstGeom>
+        </p:spPr>
+        <p:txBody>
+          <a:bodyPr lIns="0" rIns="0"/>
+          <a:lstStyle>
+            <a:lvl1pPr>
+              <a:defRPr lang="de-DE" sz="1600" kern="1200" noProof="0" dirty="0" smtClean="0">
+                <a:solidFill>
+                  <a:schemeClr val="tx1"/>
+                </a:solidFill>
+                <a:latin typeface="+mn-lt"/>
+                <a:ea typeface="+mn-ea"/>
+                <a:cs typeface="+mn-cs"/>
+              </a:defRPr>
+            </a:lvl1pPr>
+            <a:lvl2pPr>
+              <a:defRPr/>
+            </a:lvl2pPr>
+            <a:lvl3pPr>
+              <a:defRPr sz="1600" baseline="0"/>
+            </a:lvl3pPr>
+          </a:lstStyle>
+          <a:p>
+            <a:pPr lvl="0"/>
+            <a:r>
+              <a:rPr lang="de-DE" dirty="0"/>
+              <a:t>Textmasterformate durch Klicken bearbeiten</a:t>
+            </a:r>
+          </a:p>
+          <a:p>
+            <a:pPr lvl="1"/>
+            <a:r>
+              <a:rPr lang="de-DE" dirty="0"/>
+              <a:t>Zweite Ebene</a:t>
+            </a:r>
+          </a:p>
+          <a:p>
+            <a:pPr lvl="2"/>
+            <a:r>
+              <a:rPr lang="de-DE" sz="1600" dirty="0"/>
+              <a:t>Dritte Ebene</a:t>
+            </a:r>
+            <a:endParaRPr lang="de-DE" dirty="0"/>
+          </a:p>
+        </p:txBody>
+      </p:sp>
+      <p:sp>
+        <p:nvSpPr>
+          <p:cNvPr id="11" name="Bildplatzhalter 2"/>
           <p:cNvSpPr>
             <a:spLocks noGrp="1"/>
           </p:cNvSpPr>
@@ -4828,8 +4782,8 @@
         </p:nvSpPr>
         <p:spPr>
           <a:xfrm>
-            <a:off x="0" y="1691640"/>
-            <a:ext cx="9144000" cy="5166360"/>
+            <a:off x="4584192" y="2484120"/>
+            <a:ext cx="4244400" cy="3974400"/>
           </a:xfrm>
           <a:prstGeom prst="rect">
             <a:avLst/>
@@ -4852,12 +4806,214 @@
       </p:sp>
       <p:sp>
         <p:nvSpPr>
-          <p:cNvPr id="6" name="Foliennummernplatzhalter 5"/>
+          <p:cNvPr id="10" name="Titel 1"/>
           <p:cNvSpPr>
             <a:spLocks noGrp="1"/>
           </p:cNvSpPr>
           <p:nvPr>
-            <p:ph type="sldNum" sz="quarter" idx="15"/>
+            <p:ph type="title" hasCustomPrompt="1"/>
+          </p:nvPr>
+        </p:nvSpPr>
+        <p:spPr>
+          <a:xfrm>
+            <a:off x="319090" y="994334"/>
+            <a:ext cx="8508999" cy="410369"/>
+          </a:xfrm>
+          <a:prstGeom prst="rect">
+            <a:avLst/>
+          </a:prstGeom>
+          <a:noFill/>
+          <a:ln w="9525">
+            <a:noFill/>
+            <a:miter lim="800000"/>
+            <a:headEnd/>
+            <a:tailEnd/>
+          </a:ln>
+        </p:spPr>
+        <p:txBody>
+          <a:bodyPr vert="horz" wrap="square" lIns="0" tIns="0" rIns="0" bIns="0" numCol="1" anchor="t" anchorCtr="0" compatLnSpc="1">
+            <a:prstTxWarp prst="textNoShape">
+              <a:avLst/>
+            </a:prstTxWarp>
+            <a:spAutoFit/>
+          </a:bodyPr>
+          <a:lstStyle>
+            <a:lvl1pPr>
+              <a:lnSpc>
+                <a:spcPts val="3200"/>
+              </a:lnSpc>
+              <a:defRPr lang="de-DE" sz="3000" noProof="0" dirty="0"/>
+            </a:lvl1pPr>
+          </a:lstStyle>
+          <a:p>
+            <a:pPr lvl="0"/>
+            <a:r>
+              <a:rPr lang="de-DE" noProof="0" dirty="0"/>
+              <a:t>Titel durch Klicken bearbeiten</a:t>
+            </a:r>
+          </a:p>
+        </p:txBody>
+      </p:sp>
+    </p:spTree>
+    <p:extLst>
+      <p:ext uri="{BB962C8B-B14F-4D97-AF65-F5344CB8AC3E}">
+        <p14:creationId xmlns:p14="http://schemas.microsoft.com/office/powerpoint/2010/main" val="1790675"/>
+      </p:ext>
+    </p:extLst>
+  </p:cSld>
+  <p:clrMapOvr>
+    <a:masterClrMapping/>
+  </p:clrMapOvr>
+</p:sldLayout>
+</file>
+
+<file path=ppt/slideLayouts/slideLayout9.xml><?xml version="1.0" encoding="utf-8"?>
+<p:sldLayout xmlns:a="http://schemas.openxmlformats.org/drawingml/2006/main" xmlns:r="http://schemas.openxmlformats.org/officeDocument/2006/relationships" xmlns:p="http://schemas.openxmlformats.org/presentationml/2006/main" preserve="1" userDrawn="1">
+  <p:cSld name="Start">
+    <p:spTree>
+      <p:nvGrpSpPr>
+        <p:cNvPr id="1" name=""/>
+        <p:cNvGrpSpPr/>
+        <p:nvPr/>
+      </p:nvGrpSpPr>
+      <p:grpSpPr>
+        <a:xfrm>
+          <a:off x="0" y="0"/>
+          <a:ext cx="0" cy="0"/>
+          <a:chOff x="0" y="0"/>
+          <a:chExt cx="0" cy="0"/>
+        </a:xfrm>
+      </p:grpSpPr>
+      <p:sp>
+        <p:nvSpPr>
+          <p:cNvPr id="16" name="Inhaltsplatzhalter 2"/>
+          <p:cNvSpPr>
+            <a:spLocks noGrp="1"/>
+          </p:cNvSpPr>
+          <p:nvPr>
+            <p:ph idx="10" hasCustomPrompt="1"/>
+          </p:nvPr>
+        </p:nvSpPr>
+        <p:spPr>
+          <a:xfrm>
+            <a:off x="319088" y="1978720"/>
+            <a:ext cx="8508999" cy="1274125"/>
+          </a:xfrm>
+          <a:prstGeom prst="rect">
+            <a:avLst/>
+          </a:prstGeom>
+          <a:noFill/>
+          <a:ln w="9525">
+            <a:noFill/>
+            <a:miter lim="800000"/>
+            <a:headEnd/>
+            <a:tailEnd/>
+          </a:ln>
+        </p:spPr>
+        <p:txBody>
+          <a:bodyPr vert="horz" wrap="square" lIns="0" tIns="0" rIns="0" bIns="0" numCol="1" anchor="t" anchorCtr="0" compatLnSpc="1">
+            <a:prstTxWarp prst="textNoShape">
+              <a:avLst/>
+            </a:prstTxWarp>
+          </a:bodyPr>
+          <a:lstStyle>
+            <a:lvl1pPr>
+              <a:lnSpc>
+                <a:spcPct val="150000"/>
+              </a:lnSpc>
+              <a:defRPr lang="de-DE" sz="1600" baseline="0" noProof="0" dirty="0" smtClean="0"/>
+            </a:lvl1pPr>
+            <a:lvl2pPr>
+              <a:defRPr lang="de-DE" noProof="0" dirty="0" smtClean="0"/>
+            </a:lvl2pPr>
+          </a:lstStyle>
+          <a:p>
+            <a:pPr lvl="0"/>
+            <a:r>
+              <a:rPr lang="de-DE" noProof="0" dirty="0"/>
+              <a:t>Referent</a:t>
+            </a:r>
+            <a:br>
+              <a:rPr lang="de-DE" noProof="0" dirty="0"/>
+            </a:br>
+            <a:r>
+              <a:rPr lang="de-DE" noProof="0" dirty="0"/>
+              <a:t>Ort, Datum (Schreibweise: 00. Januar 2015)</a:t>
+            </a:r>
+          </a:p>
+        </p:txBody>
+      </p:sp>
+      <p:sp>
+        <p:nvSpPr>
+          <p:cNvPr id="14" name="Rechteck 13"/>
+          <p:cNvSpPr/>
+          <p:nvPr userDrawn="1"/>
+        </p:nvSpPr>
+        <p:spPr bwMode="auto">
+          <a:xfrm>
+            <a:off x="8347635" y="6408271"/>
+            <a:ext cx="575236" cy="358588"/>
+          </a:xfrm>
+          <a:prstGeom prst="rect">
+            <a:avLst/>
+          </a:prstGeom>
+          <a:solidFill>
+            <a:schemeClr val="bg1"/>
+          </a:solidFill>
+          <a:ln w="9525" cap="flat" cmpd="sng" algn="ctr">
+            <a:noFill/>
+            <a:prstDash val="solid"/>
+            <a:round/>
+            <a:headEnd type="none" w="med" len="med"/>
+            <a:tailEnd type="none" w="med" len="med"/>
+          </a:ln>
+          <a:effectLst/>
+        </p:spPr>
+        <p:txBody>
+          <a:bodyPr vert="horz" wrap="square" lIns="91440" tIns="45720" rIns="91440" bIns="45720" numCol="1" rtlCol="0" anchor="t" anchorCtr="0" compatLnSpc="1">
+            <a:prstTxWarp prst="textNoShape">
+              <a:avLst/>
+            </a:prstTxWarp>
+          </a:bodyPr>
+          <a:lstStyle/>
+          <a:p>
+            <a:pPr marL="0" marR="0" indent="0" algn="r" defTabSz="914400" rtl="0" eaLnBrk="0" fontAlgn="base" latinLnBrk="0" hangingPunct="0">
+              <a:lnSpc>
+                <a:spcPct val="100000"/>
+              </a:lnSpc>
+              <a:spcBef>
+                <a:spcPct val="0"/>
+              </a:spcBef>
+              <a:spcAft>
+                <a:spcPct val="0"/>
+              </a:spcAft>
+              <a:buClrTx/>
+              <a:buSzTx/>
+              <a:buFontTx/>
+              <a:buNone/>
+              <a:tabLst/>
+            </a:pPr>
+            <a:endParaRPr kumimoji="0" lang="de-DE" sz="2000" b="0" i="0" u="none" strike="noStrike" cap="none" normalizeH="0" baseline="0">
+              <a:ln>
+                <a:noFill/>
+              </a:ln>
+              <a:solidFill>
+                <a:schemeClr val="tx1"/>
+              </a:solidFill>
+              <a:effectLst/>
+              <a:latin typeface="Arial" pitchFamily="34" charset="0"/>
+            </a:endParaRPr>
+          </a:p>
+        </p:txBody>
+      </p:sp>
+      <p:sp>
+        <p:nvSpPr>
+          <p:cNvPr id="8" name="Foliennummernplatzhalter 7"/>
+          <p:cNvSpPr>
+            <a:spLocks noGrp="1"/>
+          </p:cNvSpPr>
+          <p:nvPr>
+            <p:ph type="sldNum" sz="quarter" idx="12"/>
           </p:nvPr>
         </p:nvSpPr>
         <p:spPr/>
@@ -4881,7 +5037,7 @@
             <a:spLocks noGrp="1"/>
           </p:cNvSpPr>
           <p:nvPr>
-            <p:ph type="ftr" sz="quarter" idx="16"/>
+            <p:ph type="ftr" sz="quarter" idx="13"/>
           </p:nvPr>
         </p:nvSpPr>
         <p:spPr/>
@@ -4950,322 +5106,7 @@
     </p:spTree>
     <p:extLst>
       <p:ext uri="{BB962C8B-B14F-4D97-AF65-F5344CB8AC3E}">
-        <p14:creationId xmlns:p14="http://schemas.microsoft.com/office/powerpoint/2010/main" val="2435256476"/>
-      </p:ext>
-    </p:extLst>
-  </p:cSld>
-  <p:clrMapOvr>
-    <a:masterClrMapping/>
-  </p:clrMapOvr>
-</p:sldLayout>
-</file>
-
-<file path=ppt/slideLayouts/slideLayout9.xml><?xml version="1.0" encoding="utf-8"?>
-<p:sldLayout xmlns:a="http://schemas.openxmlformats.org/drawingml/2006/main" xmlns:r="http://schemas.openxmlformats.org/officeDocument/2006/relationships" xmlns:p="http://schemas.openxmlformats.org/presentationml/2006/main" userDrawn="1">
-  <p:cSld name="Zwei Inhalte + Text (Hintergrund)">
-    <p:spTree>
-      <p:nvGrpSpPr>
-        <p:cNvPr id="1" name=""/>
-        <p:cNvGrpSpPr/>
-        <p:nvPr/>
-      </p:nvGrpSpPr>
-      <p:grpSpPr>
-        <a:xfrm>
-          <a:off x="0" y="0"/>
-          <a:ext cx="0" cy="0"/>
-          <a:chOff x="0" y="0"/>
-          <a:chExt cx="0" cy="0"/>
-        </a:xfrm>
-      </p:grpSpPr>
-      <p:sp>
-        <p:nvSpPr>
-          <p:cNvPr id="9" name="Rechteck 8"/>
-          <p:cNvSpPr/>
-          <p:nvPr userDrawn="1"/>
-        </p:nvSpPr>
-        <p:spPr bwMode="auto">
-          <a:xfrm>
-            <a:off x="0" y="2477139"/>
-            <a:ext cx="9144000" cy="4380861"/>
-          </a:xfrm>
-          <a:prstGeom prst="rect">
-            <a:avLst/>
-          </a:prstGeom>
-          <a:solidFill>
-            <a:schemeClr val="bg1">
-              <a:lumMod val="95000"/>
-            </a:schemeClr>
-          </a:solidFill>
-          <a:ln w="9525" cap="flat" cmpd="sng" algn="ctr">
-            <a:noFill/>
-            <a:prstDash val="solid"/>
-            <a:round/>
-            <a:headEnd type="none" w="med" len="med"/>
-            <a:tailEnd type="none" w="med" len="med"/>
-          </a:ln>
-          <a:effectLst/>
-        </p:spPr>
-        <p:txBody>
-          <a:bodyPr vert="horz" wrap="square" lIns="91440" tIns="45720" rIns="91440" bIns="45720" numCol="1" rtlCol="0" anchor="t" anchorCtr="0" compatLnSpc="1">
-            <a:prstTxWarp prst="textNoShape">
-              <a:avLst/>
-            </a:prstTxWarp>
-          </a:bodyPr>
-          <a:lstStyle/>
-          <a:p>
-            <a:pPr algn="r" eaLnBrk="0" hangingPunct="0"/>
-            <a:endParaRPr lang="de-DE" sz="1000">
-              <a:latin typeface="Arial" pitchFamily="34" charset="0"/>
-            </a:endParaRPr>
-          </a:p>
-        </p:txBody>
-      </p:sp>
-      <p:sp>
-        <p:nvSpPr>
-          <p:cNvPr id="18" name="Textplatzhalter 7"/>
-          <p:cNvSpPr>
-            <a:spLocks noGrp="1"/>
-          </p:cNvSpPr>
-          <p:nvPr>
-            <p:ph type="body" sz="quarter" idx="13" hasCustomPrompt="1"/>
-          </p:nvPr>
-        </p:nvSpPr>
-        <p:spPr>
-          <a:xfrm>
-            <a:off x="319089" y="1762188"/>
-            <a:ext cx="8508999" cy="714951"/>
-          </a:xfrm>
-          <a:prstGeom prst="rect">
-            <a:avLst/>
-          </a:prstGeom>
-          <a:noFill/>
-          <a:ln w="9525">
-            <a:noFill/>
-            <a:miter lim="800000"/>
-            <a:headEnd/>
-            <a:tailEnd/>
-          </a:ln>
-        </p:spPr>
-        <p:txBody>
-          <a:bodyPr vert="horz" wrap="square" lIns="0" tIns="0" rIns="0" bIns="0" numCol="1" anchor="t" anchorCtr="0" compatLnSpc="1">
-            <a:prstTxWarp prst="textNoShape">
-              <a:avLst/>
-            </a:prstTxWarp>
-          </a:bodyPr>
-          <a:lstStyle>
-            <a:lvl1pPr>
-              <a:lnSpc>
-                <a:spcPct val="114000"/>
-              </a:lnSpc>
-              <a:defRPr lang="de-DE" noProof="0" dirty="0" smtClean="0"/>
-            </a:lvl1pPr>
-          </a:lstStyle>
-          <a:p>
-            <a:pPr lvl="0"/>
-            <a:r>
-              <a:rPr lang="de-DE" noProof="0" dirty="0"/>
-              <a:t>Inhalt durch Klicken bearbeiten</a:t>
-            </a:r>
-          </a:p>
-        </p:txBody>
-      </p:sp>
-      <p:sp>
-        <p:nvSpPr>
-          <p:cNvPr id="7" name="Foliennummernplatzhalter 6"/>
-          <p:cNvSpPr>
-            <a:spLocks noGrp="1"/>
-          </p:cNvSpPr>
-          <p:nvPr>
-            <p:ph type="sldNum" sz="quarter" idx="15"/>
-          </p:nvPr>
-        </p:nvSpPr>
-        <p:spPr/>
-        <p:txBody>
-          <a:bodyPr/>
-          <a:lstStyle/>
-          <a:p>
-            <a:fld id="{CE58CB1E-F828-4F11-99E0-327109AF9DA4}" type="slidenum">
-              <a:rPr lang="de-DE" smtClean="0"/>
-              <a:pPr/>
-              <a:t>‹Nr.›</a:t>
-            </a:fld>
-            <a:endParaRPr lang="de-DE" dirty="0"/>
-          </a:p>
-        </p:txBody>
-      </p:sp>
-      <p:sp>
-        <p:nvSpPr>
-          <p:cNvPr id="12" name="Fußzeilenplatzhalter 11"/>
-          <p:cNvSpPr>
-            <a:spLocks noGrp="1"/>
-          </p:cNvSpPr>
-          <p:nvPr>
-            <p:ph type="ftr" sz="quarter" idx="16"/>
-          </p:nvPr>
-        </p:nvSpPr>
-        <p:spPr/>
-        <p:txBody>
-          <a:bodyPr/>
-          <a:lstStyle/>
-          <a:p>
-            <a:r>
-              <a:rPr lang="de-DE" noProof="0"/>
-              <a:t>Dr. rer. nat. Erika Mustermann (TUM) | kann beliebig erweitert werden | Infos mit Strich trennen</a:t>
-            </a:r>
-          </a:p>
-        </p:txBody>
-      </p:sp>
-      <p:sp>
-        <p:nvSpPr>
-          <p:cNvPr id="8" name="Inhaltsplatzhalter 9"/>
-          <p:cNvSpPr>
-            <a:spLocks noGrp="1"/>
-          </p:cNvSpPr>
-          <p:nvPr>
-            <p:ph sz="quarter" idx="18"/>
-          </p:nvPr>
-        </p:nvSpPr>
-        <p:spPr>
-          <a:xfrm>
-            <a:off x="316992" y="2484000"/>
-            <a:ext cx="4242816" cy="3974655"/>
-          </a:xfrm>
-          <a:prstGeom prst="rect">
-            <a:avLst/>
-          </a:prstGeom>
-        </p:spPr>
-        <p:txBody>
-          <a:bodyPr lIns="0" rIns="0"/>
-          <a:lstStyle>
-            <a:lvl1pPr>
-              <a:defRPr lang="de-DE" sz="1600" kern="1200" noProof="0" dirty="0" smtClean="0">
-                <a:solidFill>
-                  <a:schemeClr val="tx1"/>
-                </a:solidFill>
-                <a:latin typeface="+mn-lt"/>
-                <a:ea typeface="+mn-ea"/>
-                <a:cs typeface="+mn-cs"/>
-              </a:defRPr>
-            </a:lvl1pPr>
-            <a:lvl2pPr>
-              <a:defRPr/>
-            </a:lvl2pPr>
-            <a:lvl3pPr>
-              <a:defRPr sz="1600" baseline="0"/>
-            </a:lvl3pPr>
-          </a:lstStyle>
-          <a:p>
-            <a:pPr lvl="0"/>
-            <a:r>
-              <a:rPr lang="de-DE" dirty="0"/>
-              <a:t>Textmasterformate durch Klicken bearbeiten</a:t>
-            </a:r>
-          </a:p>
-          <a:p>
-            <a:pPr lvl="1"/>
-            <a:r>
-              <a:rPr lang="de-DE" dirty="0"/>
-              <a:t>Zweite Ebene</a:t>
-            </a:r>
-          </a:p>
-          <a:p>
-            <a:pPr lvl="2"/>
-            <a:r>
-              <a:rPr lang="de-DE" sz="1600" dirty="0"/>
-              <a:t>Dritte Ebene</a:t>
-            </a:r>
-            <a:endParaRPr lang="de-DE" dirty="0"/>
-          </a:p>
-        </p:txBody>
-      </p:sp>
-      <p:sp>
-        <p:nvSpPr>
-          <p:cNvPr id="11" name="Bildplatzhalter 2"/>
-          <p:cNvSpPr>
-            <a:spLocks noGrp="1"/>
-          </p:cNvSpPr>
-          <p:nvPr>
-            <p:ph type="pic" sz="quarter" idx="14" hasCustomPrompt="1"/>
-          </p:nvPr>
-        </p:nvSpPr>
-        <p:spPr>
-          <a:xfrm>
-            <a:off x="4584192" y="2484120"/>
-            <a:ext cx="4244400" cy="3974400"/>
-          </a:xfrm>
-          <a:prstGeom prst="rect">
-            <a:avLst/>
-          </a:prstGeom>
-        </p:spPr>
-        <p:txBody>
-          <a:bodyPr/>
-          <a:lstStyle>
-            <a:lvl1pPr>
-              <a:lnSpc>
-                <a:spcPct val="114000"/>
-              </a:lnSpc>
-              <a:defRPr/>
-            </a:lvl1pPr>
-          </a:lstStyle>
-          <a:p>
-            <a:endParaRPr lang="de-DE" dirty="0"/>
-          </a:p>
-        </p:txBody>
-      </p:sp>
-      <p:sp>
-        <p:nvSpPr>
-          <p:cNvPr id="10" name="Titel 1"/>
-          <p:cNvSpPr>
-            <a:spLocks noGrp="1"/>
-          </p:cNvSpPr>
-          <p:nvPr>
-            <p:ph type="title" hasCustomPrompt="1"/>
-          </p:nvPr>
-        </p:nvSpPr>
-        <p:spPr>
-          <a:xfrm>
-            <a:off x="319090" y="994334"/>
-            <a:ext cx="8508999" cy="410369"/>
-          </a:xfrm>
-          <a:prstGeom prst="rect">
-            <a:avLst/>
-          </a:prstGeom>
-          <a:noFill/>
-          <a:ln w="9525">
-            <a:noFill/>
-            <a:miter lim="800000"/>
-            <a:headEnd/>
-            <a:tailEnd/>
-          </a:ln>
-        </p:spPr>
-        <p:txBody>
-          <a:bodyPr vert="horz" wrap="square" lIns="0" tIns="0" rIns="0" bIns="0" numCol="1" anchor="t" anchorCtr="0" compatLnSpc="1">
-            <a:prstTxWarp prst="textNoShape">
-              <a:avLst/>
-            </a:prstTxWarp>
-            <a:spAutoFit/>
-          </a:bodyPr>
-          <a:lstStyle>
-            <a:lvl1pPr>
-              <a:lnSpc>
-                <a:spcPts val="3200"/>
-              </a:lnSpc>
-              <a:defRPr lang="de-DE" sz="3000" noProof="0" dirty="0"/>
-            </a:lvl1pPr>
-          </a:lstStyle>
-          <a:p>
-            <a:pPr lvl="0"/>
-            <a:r>
-              <a:rPr lang="de-DE" noProof="0" dirty="0"/>
-              <a:t>Titel durch Klicken bearbeiten</a:t>
-            </a:r>
-          </a:p>
-        </p:txBody>
-      </p:sp>
-    </p:spTree>
-    <p:extLst>
-      <p:ext uri="{BB962C8B-B14F-4D97-AF65-F5344CB8AC3E}">
-        <p14:creationId xmlns:p14="http://schemas.microsoft.com/office/powerpoint/2010/main" val="1790675"/>
+        <p14:creationId xmlns:p14="http://schemas.microsoft.com/office/powerpoint/2010/main" val="171855092"/>
       </p:ext>
     </p:extLst>
   </p:cSld>
@@ -6531,7 +6372,7 @@
           <p:nvPr/>
         </p:nvPicPr>
         <p:blipFill>
-          <a:blip r:embed="rId9"/>
+          <a:blip r:embed="rId8"/>
           <a:stretch>
             <a:fillRect/>
           </a:stretch>
@@ -6644,8 +6485,7 @@
     <p:sldLayoutId id="2147483714" r:id="rId3"/>
     <p:sldLayoutId id="2147483715" r:id="rId4"/>
     <p:sldLayoutId id="2147483716" r:id="rId5"/>
-    <p:sldLayoutId id="2147483717" r:id="rId6"/>
-    <p:sldLayoutId id="2147483718" r:id="rId7"/>
+    <p:sldLayoutId id="2147483718" r:id="rId6"/>
   </p:sldLayoutIdLst>
   <p:hf hdr="0" dt="0"/>
   <p:txStyles>
@@ -8943,7 +8783,7 @@
             <a:spLocks noGrp="1"/>
           </p:cNvSpPr>
           <p:nvPr>
-            <p:ph idx="14"/>
+            <p:ph idx="1"/>
           </p:nvPr>
         </p:nvSpPr>
         <p:spPr/>
@@ -9083,7 +8923,7 @@
             <a:spLocks noGrp="1"/>
           </p:cNvSpPr>
           <p:nvPr>
-            <p:ph type="sldNum" sz="quarter" idx="16"/>
+            <p:ph type="sldNum" sz="quarter" idx="11"/>
           </p:nvPr>
         </p:nvSpPr>
         <p:spPr/>
@@ -10268,121 +10108,6 @@
       </p:grpSpPr>
       <p:sp>
         <p:nvSpPr>
-          <p:cNvPr id="2" name="Inhaltsplatzhalter 1">
-            <a:extLst>
-              <a:ext uri="{FF2B5EF4-FFF2-40B4-BE49-F238E27FC236}">
-                <a16:creationId xmlns:a16="http://schemas.microsoft.com/office/drawing/2014/main" id="{3062DB69-71E8-4728-B77F-B1B7C36D3BCA}"/>
-              </a:ext>
-            </a:extLst>
-          </p:cNvPr>
-          <p:cNvSpPr>
-            <a:spLocks noGrp="1"/>
-          </p:cNvSpPr>
-          <p:nvPr>
-            <p:ph idx="1"/>
-          </p:nvPr>
-        </p:nvSpPr>
-        <p:spPr/>
-        <p:txBody>
-          <a:bodyPr/>
-          <a:lstStyle/>
-          <a:p>
-            <a:r>
-              <a:rPr lang="de-DE" dirty="0"/>
-              <a:t>Findet Weg über verschiedene Indikatoren:</a:t>
-            </a:r>
-          </a:p>
-          <a:p>
-            <a:pPr marL="285750" indent="-285750">
-              <a:buFont typeface="Arial" panose="020B0604020202020204" pitchFamily="34" charset="0"/>
-              <a:buChar char="•"/>
-            </a:pPr>
-            <a:r>
-              <a:rPr lang="de-DE" dirty="0"/>
-              <a:t>Heat </a:t>
-            </a:r>
-            <a:r>
-              <a:rPr lang="de-DE" dirty="0" err="1"/>
-              <a:t>Distortion</a:t>
-            </a:r>
-            <a:r>
-              <a:rPr lang="de-DE" dirty="0"/>
-              <a:t>: Lava</a:t>
-            </a:r>
-          </a:p>
-          <a:p>
-            <a:pPr marL="285750" indent="-285750">
-              <a:buFont typeface="Arial" panose="020B0604020202020204" pitchFamily="34" charset="0"/>
-              <a:buChar char="•"/>
-            </a:pPr>
-            <a:r>
-              <a:rPr lang="de-DE" dirty="0"/>
-              <a:t>Luftzug: Gruben</a:t>
-            </a:r>
-          </a:p>
-          <a:p>
-            <a:pPr marL="285750" indent="-285750">
-              <a:buFont typeface="Arial" panose="020B0604020202020204" pitchFamily="34" charset="0"/>
-              <a:buChar char="•"/>
-            </a:pPr>
-            <a:endParaRPr lang="de-DE" dirty="0"/>
-          </a:p>
-          <a:p>
-            <a:r>
-              <a:rPr lang="de-DE" dirty="0"/>
-              <a:t>Kann Hindernissen ausweichen:</a:t>
-            </a:r>
-          </a:p>
-          <a:p>
-            <a:pPr marL="285750" indent="-285750">
-              <a:buFont typeface="Arial" panose="020B0604020202020204" pitchFamily="34" charset="0"/>
-              <a:buChar char="•"/>
-            </a:pPr>
-            <a:r>
-              <a:rPr lang="de-DE" dirty="0"/>
-              <a:t>Flügel: Gruben</a:t>
-            </a:r>
-          </a:p>
-          <a:p>
-            <a:pPr marL="285750" indent="-285750">
-              <a:buFont typeface="Arial" panose="020B0604020202020204" pitchFamily="34" charset="0"/>
-              <a:buChar char="•"/>
-            </a:pPr>
-            <a:r>
-              <a:rPr lang="de-DE" dirty="0"/>
-              <a:t>Anti-Heat: Lava</a:t>
-            </a:r>
-          </a:p>
-          <a:p>
-            <a:pPr marL="285750" indent="-285750">
-              <a:buFont typeface="Arial" panose="020B0604020202020204" pitchFamily="34" charset="0"/>
-              <a:buChar char="•"/>
-            </a:pPr>
-            <a:r>
-              <a:rPr lang="de-DE" dirty="0" err="1"/>
-              <a:t>Wumpus</a:t>
-            </a:r>
-            <a:r>
-              <a:rPr lang="de-DE" dirty="0"/>
-              <a:t> Slayer: </a:t>
-            </a:r>
-            <a:r>
-              <a:rPr lang="de-DE" dirty="0" err="1"/>
-              <a:t>Wumpus</a:t>
-            </a:r>
-            <a:endParaRPr lang="de-DE" dirty="0"/>
-          </a:p>
-          <a:p>
-            <a:pPr marL="285750" indent="-285750">
-              <a:buFont typeface="Arial" panose="020B0604020202020204" pitchFamily="34" charset="0"/>
-              <a:buChar char="•"/>
-            </a:pPr>
-            <a:endParaRPr lang="de-DE" dirty="0"/>
-          </a:p>
-        </p:txBody>
-      </p:sp>
-      <p:sp>
-        <p:nvSpPr>
           <p:cNvPr id="3" name="Foliennummernplatzhalter 2">
             <a:extLst>
               <a:ext uri="{FF2B5EF4-FFF2-40B4-BE49-F238E27FC236}">
@@ -10394,7 +10119,7 @@
             <a:spLocks noGrp="1"/>
           </p:cNvSpPr>
           <p:nvPr>
-            <p:ph type="sldNum" sz="quarter" idx="11"/>
+            <p:ph type="sldNum" sz="quarter" idx="15"/>
           </p:nvPr>
         </p:nvSpPr>
         <p:spPr/>
@@ -10408,35 +10133,6 @@
               <a:t>3</a:t>
             </a:fld>
             <a:endParaRPr lang="de-DE" dirty="0"/>
-          </a:p>
-        </p:txBody>
-      </p:sp>
-      <p:sp>
-        <p:nvSpPr>
-          <p:cNvPr id="4" name="Fußzeilenplatzhalter 3">
-            <a:extLst>
-              <a:ext uri="{FF2B5EF4-FFF2-40B4-BE49-F238E27FC236}">
-                <a16:creationId xmlns:a16="http://schemas.microsoft.com/office/drawing/2014/main" id="{FA8D2A42-40AB-482F-A132-F7E5C65FB361}"/>
-              </a:ext>
-            </a:extLst>
-          </p:cNvPr>
-          <p:cNvSpPr>
-            <a:spLocks noGrp="1"/>
-          </p:cNvSpPr>
-          <p:nvPr>
-            <p:ph type="ftr" sz="quarter" idx="12"/>
-          </p:nvPr>
-        </p:nvSpPr>
-        <p:spPr/>
-        <p:txBody>
-          <a:bodyPr/>
-          <a:lstStyle/>
-          <a:p>
-            <a:r>
-              <a:rPr lang="de-DE"/>
-              <a:t>Dr. rer. nat. Erika Mustermann (TUM) | kann beliebig erweitert werden | Infos mit Strich trennen</a:t>
-            </a:r>
-            <a:endParaRPr lang="en-US" dirty="0"/>
           </a:p>
         </p:txBody>
       </p:sp>
@@ -10465,6 +10161,129 @@
               <a:rPr lang="de-DE" dirty="0"/>
               <a:t>Spieler</a:t>
             </a:r>
+          </a:p>
+        </p:txBody>
+      </p:sp>
+      <p:sp>
+        <p:nvSpPr>
+          <p:cNvPr id="2" name="Inhaltsplatzhalter 1">
+            <a:extLst>
+              <a:ext uri="{FF2B5EF4-FFF2-40B4-BE49-F238E27FC236}">
+                <a16:creationId xmlns:a16="http://schemas.microsoft.com/office/drawing/2014/main" id="{3062DB69-71E8-4728-B77F-B1B7C36D3BCA}"/>
+              </a:ext>
+            </a:extLst>
+          </p:cNvPr>
+          <p:cNvSpPr>
+            <a:spLocks noGrp="1"/>
+          </p:cNvSpPr>
+          <p:nvPr>
+            <p:ph idx="4294967295"/>
+          </p:nvPr>
+        </p:nvSpPr>
+        <p:spPr>
+          <a:xfrm>
+            <a:off x="635000" y="1762125"/>
+            <a:ext cx="8509000" cy="4699000"/>
+          </a:xfrm>
+          <a:prstGeom prst="rect">
+            <a:avLst/>
+          </a:prstGeom>
+        </p:spPr>
+        <p:txBody>
+          <a:bodyPr/>
+          <a:lstStyle/>
+          <a:p>
+            <a:r>
+              <a:rPr lang="de-DE" dirty="0"/>
+              <a:t>Findet Weg über verschiedene Indikatoren:</a:t>
+            </a:r>
+          </a:p>
+          <a:p>
+            <a:pPr marL="285750" indent="-285750">
+              <a:buFont typeface="Arial" panose="020B0604020202020204" pitchFamily="34" charset="0"/>
+              <a:buChar char="•"/>
+            </a:pPr>
+            <a:r>
+              <a:rPr lang="de-DE" dirty="0"/>
+              <a:t>Heat </a:t>
+            </a:r>
+            <a:r>
+              <a:rPr lang="de-DE" dirty="0" err="1"/>
+              <a:t>Distortion</a:t>
+            </a:r>
+            <a:r>
+              <a:rPr lang="de-DE" dirty="0"/>
+              <a:t>: Lava</a:t>
+            </a:r>
+          </a:p>
+          <a:p>
+            <a:pPr marL="285750" indent="-285750">
+              <a:buFont typeface="Arial" panose="020B0604020202020204" pitchFamily="34" charset="0"/>
+              <a:buChar char="•"/>
+            </a:pPr>
+            <a:r>
+              <a:rPr lang="de-DE" dirty="0"/>
+              <a:t>Luftzug: Gruben</a:t>
+            </a:r>
+          </a:p>
+          <a:p>
+            <a:pPr marL="285750" indent="-285750">
+              <a:buFont typeface="Arial" panose="020B0604020202020204" pitchFamily="34" charset="0"/>
+              <a:buChar char="•"/>
+            </a:pPr>
+            <a:endParaRPr lang="de-DE" dirty="0"/>
+          </a:p>
+          <a:p>
+            <a:r>
+              <a:rPr lang="de-DE" dirty="0"/>
+              <a:t>Kann Hindernissen ausweichen:</a:t>
+            </a:r>
+          </a:p>
+          <a:p>
+            <a:pPr marL="285750" indent="-285750">
+              <a:buFont typeface="Arial" panose="020B0604020202020204" pitchFamily="34" charset="0"/>
+              <a:buChar char="•"/>
+            </a:pPr>
+            <a:r>
+              <a:rPr lang="de-DE" dirty="0"/>
+              <a:t>Flügel: Gruben</a:t>
+            </a:r>
+          </a:p>
+          <a:p>
+            <a:pPr marL="285750" indent="-285750">
+              <a:buFont typeface="Arial" panose="020B0604020202020204" pitchFamily="34" charset="0"/>
+              <a:buChar char="•"/>
+            </a:pPr>
+            <a:r>
+              <a:rPr lang="de-DE" dirty="0"/>
+              <a:t>Anti-Heat: Lava</a:t>
+            </a:r>
+          </a:p>
+          <a:p>
+            <a:pPr marL="285750" indent="-285750">
+              <a:buFont typeface="Arial" panose="020B0604020202020204" pitchFamily="34" charset="0"/>
+              <a:buChar char="•"/>
+            </a:pPr>
+            <a:r>
+              <a:rPr lang="de-DE" dirty="0" err="1"/>
+              <a:t>Wumpus</a:t>
+            </a:r>
+            <a:r>
+              <a:rPr lang="de-DE" dirty="0"/>
+              <a:t> Slayer: </a:t>
+            </a:r>
+            <a:r>
+              <a:rPr lang="de-DE" dirty="0" err="1"/>
+              <a:t>Wumpus</a:t>
+            </a:r>
+            <a:endParaRPr lang="de-DE" dirty="0"/>
+          </a:p>
+          <a:p>
+            <a:pPr marL="285750" indent="-285750">
+              <a:buFont typeface="Arial" panose="020B0604020202020204" pitchFamily="34" charset="0"/>
+              <a:buChar char="•"/>
+            </a:pPr>
+            <a:endParaRPr lang="de-DE" dirty="0"/>
           </a:p>
         </p:txBody>
       </p:sp>
@@ -11360,7 +11179,7 @@
               <a:t>Heat </a:t>
             </a:r>
             <a:r>
-              <a:rPr lang="de-DE"/>
+              <a:rPr lang="de-DE" dirty="0" err="1"/>
               <a:t>Distortion</a:t>
             </a:r>
             <a:endParaRPr lang="de-DE" dirty="0"/>
@@ -11397,6 +11216,17 @@
               <a:rPr lang="de-DE" dirty="0"/>
               <a:t>Gras</a:t>
             </a:r>
+          </a:p>
+          <a:p>
+            <a:pPr marL="285750" indent="-285750">
+              <a:buFont typeface="Arial" panose="020B0604020202020204" pitchFamily="34" charset="0"/>
+              <a:buChar char="•"/>
+            </a:pPr>
+            <a:r>
+              <a:rPr lang="de-DE" dirty="0" err="1"/>
+              <a:t>Dissolve</a:t>
+            </a:r>
+            <a:endParaRPr lang="de-DE" dirty="0"/>
           </a:p>
           <a:p>
             <a:pPr marL="285750" indent="-285750">
@@ -11439,35 +11269,6 @@
       </p:sp>
       <p:sp>
         <p:nvSpPr>
-          <p:cNvPr id="4" name="Fußzeilenplatzhalter 3">
-            <a:extLst>
-              <a:ext uri="{FF2B5EF4-FFF2-40B4-BE49-F238E27FC236}">
-                <a16:creationId xmlns:a16="http://schemas.microsoft.com/office/drawing/2014/main" id="{6A5DE039-052D-4949-9BC1-3DD92567C12E}"/>
-              </a:ext>
-            </a:extLst>
-          </p:cNvPr>
-          <p:cNvSpPr>
-            <a:spLocks noGrp="1"/>
-          </p:cNvSpPr>
-          <p:nvPr>
-            <p:ph type="ftr" sz="quarter" idx="12"/>
-          </p:nvPr>
-        </p:nvSpPr>
-        <p:spPr/>
-        <p:txBody>
-          <a:bodyPr/>
-          <a:lstStyle/>
-          <a:p>
-            <a:r>
-              <a:rPr lang="de-DE"/>
-              <a:t>Dr. rer. nat. Erika Mustermann (TUM) | kann beliebig erweitert werden | Infos mit Strich trennen</a:t>
-            </a:r>
-            <a:endParaRPr lang="en-US" dirty="0"/>
-          </a:p>
-        </p:txBody>
-      </p:sp>
-      <p:sp>
-        <p:nvSpPr>
           <p:cNvPr id="5" name="Titel 4">
             <a:extLst>
               <a:ext uri="{FF2B5EF4-FFF2-40B4-BE49-F238E27FC236}">
@@ -11499,6 +11300,348 @@
     <p:extLst>
       <p:ext uri="{BB962C8B-B14F-4D97-AF65-F5344CB8AC3E}">
         <p14:creationId xmlns:p14="http://schemas.microsoft.com/office/powerpoint/2010/main" val="1721190281"/>
+      </p:ext>
+    </p:extLst>
+  </p:cSld>
+  <p:clrMapOvr>
+    <a:masterClrMapping/>
+  </p:clrMapOvr>
+</p:sld>
+</file>
+
+<file path=ppt/slides/slide5.xml><?xml version="1.0" encoding="utf-8"?>
+<p:sld xmlns:a="http://schemas.openxmlformats.org/drawingml/2006/main" xmlns:r="http://schemas.openxmlformats.org/officeDocument/2006/relationships" xmlns:p="http://schemas.openxmlformats.org/presentationml/2006/main">
+  <p:cSld>
+    <p:spTree>
+      <p:nvGrpSpPr>
+        <p:cNvPr id="1" name=""/>
+        <p:cNvGrpSpPr/>
+        <p:nvPr/>
+      </p:nvGrpSpPr>
+      <p:grpSpPr>
+        <a:xfrm>
+          <a:off x="0" y="0"/>
+          <a:ext cx="0" cy="0"/>
+          <a:chOff x="0" y="0"/>
+          <a:chExt cx="0" cy="0"/>
+        </a:xfrm>
+      </p:grpSpPr>
+      <p:sp>
+        <p:nvSpPr>
+          <p:cNvPr id="2" name="Inhaltsplatzhalter 1">
+            <a:extLst>
+              <a:ext uri="{FF2B5EF4-FFF2-40B4-BE49-F238E27FC236}">
+                <a16:creationId xmlns:a16="http://schemas.microsoft.com/office/drawing/2014/main" id="{A715C718-F13A-40D7-8E78-B048411D4408}"/>
+              </a:ext>
+            </a:extLst>
+          </p:cNvPr>
+          <p:cNvSpPr>
+            <a:spLocks noGrp="1"/>
+          </p:cNvSpPr>
+          <p:nvPr>
+            <p:ph idx="1"/>
+          </p:nvPr>
+        </p:nvSpPr>
+        <p:spPr/>
+        <p:txBody>
+          <a:bodyPr/>
+          <a:lstStyle/>
+          <a:p>
+            <a:r>
+              <a:rPr lang="de-DE" dirty="0"/>
+              <a:t>Surface </a:t>
+            </a:r>
+            <a:r>
+              <a:rPr lang="de-DE" dirty="0" err="1"/>
+              <a:t>Shader</a:t>
+            </a:r>
+            <a:endParaRPr lang="de-DE" dirty="0"/>
+          </a:p>
+          <a:p>
+            <a:pPr marL="285750" indent="-285750">
+              <a:buFont typeface="Arial" panose="020B0604020202020204" pitchFamily="34" charset="0"/>
+              <a:buChar char="•"/>
+            </a:pPr>
+            <a:r>
+              <a:rPr lang="de-DE" dirty="0"/>
+              <a:t>Vertices werden nach außen gezogen</a:t>
+            </a:r>
+          </a:p>
+        </p:txBody>
+      </p:sp>
+      <p:sp>
+        <p:nvSpPr>
+          <p:cNvPr id="3" name="Foliennummernplatzhalter 2">
+            <a:extLst>
+              <a:ext uri="{FF2B5EF4-FFF2-40B4-BE49-F238E27FC236}">
+                <a16:creationId xmlns:a16="http://schemas.microsoft.com/office/drawing/2014/main" id="{C37B53D1-E61F-4DC6-B0F5-3E21CEAA3A26}"/>
+              </a:ext>
+            </a:extLst>
+          </p:cNvPr>
+          <p:cNvSpPr>
+            <a:spLocks noGrp="1"/>
+          </p:cNvSpPr>
+          <p:nvPr>
+            <p:ph type="sldNum" sz="quarter" idx="11"/>
+          </p:nvPr>
+        </p:nvSpPr>
+        <p:spPr/>
+        <p:txBody>
+          <a:bodyPr/>
+          <a:lstStyle/>
+          <a:p>
+            <a:fld id="{CE58CB1E-F828-4F11-99E0-327109AF9DA4}" type="slidenum">
+              <a:rPr lang="de-DE" smtClean="0"/>
+              <a:pPr/>
+              <a:t>5</a:t>
+            </a:fld>
+            <a:endParaRPr lang="de-DE" dirty="0"/>
+          </a:p>
+        </p:txBody>
+      </p:sp>
+      <p:sp>
+        <p:nvSpPr>
+          <p:cNvPr id="5" name="Titel 4">
+            <a:extLst>
+              <a:ext uri="{FF2B5EF4-FFF2-40B4-BE49-F238E27FC236}">
+                <a16:creationId xmlns:a16="http://schemas.microsoft.com/office/drawing/2014/main" id="{4287EF26-A734-4871-875C-F50CA04DC08B}"/>
+              </a:ext>
+            </a:extLst>
+          </p:cNvPr>
+          <p:cNvSpPr>
+            <a:spLocks noGrp="1"/>
+          </p:cNvSpPr>
+          <p:nvPr>
+            <p:ph type="title"/>
+          </p:nvPr>
+        </p:nvSpPr>
+        <p:spPr/>
+        <p:txBody>
+          <a:bodyPr/>
+          <a:lstStyle/>
+          <a:p>
+            <a:r>
+              <a:rPr lang="de-DE" dirty="0"/>
+              <a:t>Anti-Heat</a:t>
+            </a:r>
+          </a:p>
+        </p:txBody>
+      </p:sp>
+    </p:spTree>
+    <p:extLst>
+      <p:ext uri="{BB962C8B-B14F-4D97-AF65-F5344CB8AC3E}">
+        <p14:creationId xmlns:p14="http://schemas.microsoft.com/office/powerpoint/2010/main" val="848087771"/>
+      </p:ext>
+    </p:extLst>
+  </p:cSld>
+  <p:clrMapOvr>
+    <a:masterClrMapping/>
+  </p:clrMapOvr>
+</p:sld>
+</file>
+
+<file path=ppt/slides/slide6.xml><?xml version="1.0" encoding="utf-8"?>
+<p:sld xmlns:a="http://schemas.openxmlformats.org/drawingml/2006/main" xmlns:r="http://schemas.openxmlformats.org/officeDocument/2006/relationships" xmlns:p="http://schemas.openxmlformats.org/presentationml/2006/main">
+  <p:cSld>
+    <p:spTree>
+      <p:nvGrpSpPr>
+        <p:cNvPr id="1" name=""/>
+        <p:cNvGrpSpPr/>
+        <p:nvPr/>
+      </p:nvGrpSpPr>
+      <p:grpSpPr>
+        <a:xfrm>
+          <a:off x="0" y="0"/>
+          <a:ext cx="0" cy="0"/>
+          <a:chOff x="0" y="0"/>
+          <a:chExt cx="0" cy="0"/>
+        </a:xfrm>
+      </p:grpSpPr>
+      <p:sp>
+        <p:nvSpPr>
+          <p:cNvPr id="2" name="Inhaltsplatzhalter 1">
+            <a:extLst>
+              <a:ext uri="{FF2B5EF4-FFF2-40B4-BE49-F238E27FC236}">
+                <a16:creationId xmlns:a16="http://schemas.microsoft.com/office/drawing/2014/main" id="{712D11AD-0612-46E3-91B2-5372D05DBCF9}"/>
+              </a:ext>
+            </a:extLst>
+          </p:cNvPr>
+          <p:cNvSpPr>
+            <a:spLocks noGrp="1"/>
+          </p:cNvSpPr>
+          <p:nvPr>
+            <p:ph idx="1"/>
+          </p:nvPr>
+        </p:nvSpPr>
+        <p:spPr/>
+        <p:txBody>
+          <a:bodyPr/>
+          <a:lstStyle/>
+          <a:p>
+            <a:r>
+              <a:rPr lang="de-DE" dirty="0" err="1"/>
+              <a:t>Geometry</a:t>
+            </a:r>
+            <a:r>
+              <a:rPr lang="de-DE" dirty="0"/>
+              <a:t> </a:t>
+            </a:r>
+            <a:r>
+              <a:rPr lang="de-DE" dirty="0" err="1"/>
+              <a:t>Shader</a:t>
+            </a:r>
+            <a:endParaRPr lang="de-DE" dirty="0"/>
+          </a:p>
+          <a:p>
+            <a:pPr marL="285750" indent="-285750">
+              <a:buFont typeface="Arial" panose="020B0604020202020204" pitchFamily="34" charset="0"/>
+              <a:buChar char="•"/>
+            </a:pPr>
+            <a:r>
+              <a:rPr lang="de-DE" dirty="0"/>
+              <a:t>Vertices werden von </a:t>
+            </a:r>
+            <a:r>
+              <a:rPr lang="de-DE" dirty="0" err="1"/>
+              <a:t>GrassVertexGenerator</a:t>
+            </a:r>
+            <a:r>
+              <a:rPr lang="de-DE" dirty="0"/>
+              <a:t> übergeben</a:t>
+            </a:r>
+          </a:p>
+          <a:p>
+            <a:pPr marL="461963" lvl="1" indent="-285750">
+              <a:buFont typeface="Arial" panose="020B0604020202020204" pitchFamily="34" charset="0"/>
+              <a:buChar char="•"/>
+            </a:pPr>
+            <a:r>
+              <a:rPr lang="de-DE" dirty="0" err="1"/>
+              <a:t>Raycast</a:t>
+            </a:r>
+            <a:r>
+              <a:rPr lang="de-DE" dirty="0"/>
+              <a:t> um Terrain abzufragen</a:t>
+            </a:r>
+          </a:p>
+          <a:p>
+            <a:pPr marL="461963" lvl="1" indent="-285750">
+              <a:buFont typeface="Arial" panose="020B0604020202020204" pitchFamily="34" charset="0"/>
+              <a:buChar char="•"/>
+            </a:pPr>
+            <a:r>
+              <a:rPr lang="de-DE" dirty="0"/>
+              <a:t>Verteilung über </a:t>
+            </a:r>
+            <a:r>
+              <a:rPr lang="de-DE" dirty="0" err="1"/>
+              <a:t>PerlinNoise</a:t>
+            </a:r>
+            <a:endParaRPr lang="de-DE" dirty="0"/>
+          </a:p>
+          <a:p>
+            <a:pPr marL="461963" lvl="1" indent="-285750">
+              <a:buFont typeface="Arial" panose="020B0604020202020204" pitchFamily="34" charset="0"/>
+              <a:buChar char="•"/>
+            </a:pPr>
+            <a:r>
+              <a:rPr lang="de-DE" dirty="0"/>
+              <a:t>Random Color</a:t>
+            </a:r>
+          </a:p>
+          <a:p>
+            <a:pPr marL="285750" indent="-285750">
+              <a:buFont typeface="Arial" panose="020B0604020202020204" pitchFamily="34" charset="0"/>
+              <a:buChar char="•"/>
+            </a:pPr>
+            <a:r>
+              <a:rPr lang="de-DE" dirty="0"/>
+              <a:t>Quad wird anhand von v0 und v1 gezeichnet</a:t>
+            </a:r>
+          </a:p>
+          <a:p>
+            <a:pPr marL="461963" lvl="1" indent="-285750">
+              <a:buFont typeface="Arial" panose="020B0604020202020204" pitchFamily="34" charset="0"/>
+              <a:buChar char="•"/>
+            </a:pPr>
+            <a:r>
+              <a:rPr lang="de-DE" dirty="0"/>
+              <a:t>V1 wird passend zu </a:t>
+            </a:r>
+            <a:r>
+              <a:rPr lang="de-DE" dirty="0" err="1"/>
+              <a:t>Camera</a:t>
+            </a:r>
+            <a:r>
+              <a:rPr lang="de-DE"/>
+              <a:t> berechnet</a:t>
+            </a:r>
+            <a:endParaRPr lang="de-DE" dirty="0"/>
+          </a:p>
+        </p:txBody>
+      </p:sp>
+      <p:sp>
+        <p:nvSpPr>
+          <p:cNvPr id="3" name="Foliennummernplatzhalter 2">
+            <a:extLst>
+              <a:ext uri="{FF2B5EF4-FFF2-40B4-BE49-F238E27FC236}">
+                <a16:creationId xmlns:a16="http://schemas.microsoft.com/office/drawing/2014/main" id="{59B5BB3F-3DA7-4BC2-8D1A-BA7D88C93ACB}"/>
+              </a:ext>
+            </a:extLst>
+          </p:cNvPr>
+          <p:cNvSpPr>
+            <a:spLocks noGrp="1"/>
+          </p:cNvSpPr>
+          <p:nvPr>
+            <p:ph type="sldNum" sz="quarter" idx="11"/>
+          </p:nvPr>
+        </p:nvSpPr>
+        <p:spPr/>
+        <p:txBody>
+          <a:bodyPr/>
+          <a:lstStyle/>
+          <a:p>
+            <a:fld id="{CE58CB1E-F828-4F11-99E0-327109AF9DA4}" type="slidenum">
+              <a:rPr lang="de-DE" smtClean="0"/>
+              <a:pPr/>
+              <a:t>6</a:t>
+            </a:fld>
+            <a:endParaRPr lang="de-DE" dirty="0"/>
+          </a:p>
+        </p:txBody>
+      </p:sp>
+      <p:sp>
+        <p:nvSpPr>
+          <p:cNvPr id="5" name="Titel 4">
+            <a:extLst>
+              <a:ext uri="{FF2B5EF4-FFF2-40B4-BE49-F238E27FC236}">
+                <a16:creationId xmlns:a16="http://schemas.microsoft.com/office/drawing/2014/main" id="{49C4DF13-8B61-4A43-AFA9-B97A0BAA61CD}"/>
+              </a:ext>
+            </a:extLst>
+          </p:cNvPr>
+          <p:cNvSpPr>
+            <a:spLocks noGrp="1"/>
+          </p:cNvSpPr>
+          <p:nvPr>
+            <p:ph type="title"/>
+          </p:nvPr>
+        </p:nvSpPr>
+        <p:spPr/>
+        <p:txBody>
+          <a:bodyPr/>
+          <a:lstStyle/>
+          <a:p>
+            <a:r>
+              <a:rPr lang="de-DE" dirty="0"/>
+              <a:t>Grass</a:t>
+            </a:r>
+          </a:p>
+        </p:txBody>
+      </p:sp>
+    </p:spTree>
+    <p:extLst>
+      <p:ext uri="{BB962C8B-B14F-4D97-AF65-F5344CB8AC3E}">
+        <p14:creationId xmlns:p14="http://schemas.microsoft.com/office/powerpoint/2010/main" val="1854650698"/>
       </p:ext>
     </p:extLst>
   </p:cSld>

--- a/Documentation/Presentation.pptx
+++ b/Documentation/Presentation.pptx
@@ -10,10 +10,10 @@
     <p:sldMasterId id="2147483697" r:id="rId6"/>
   </p:sldMasterIdLst>
   <p:notesMasterIdLst>
-    <p:notesMasterId r:id="rId13"/>
+    <p:notesMasterId r:id="rId18"/>
   </p:notesMasterIdLst>
   <p:handoutMasterIdLst>
-    <p:handoutMasterId r:id="rId14"/>
+    <p:handoutMasterId r:id="rId19"/>
   </p:handoutMasterIdLst>
   <p:sldIdLst>
     <p:sldId id="355" r:id="rId7"/>
@@ -22,6 +22,11 @@
     <p:sldId id="399" r:id="rId10"/>
     <p:sldId id="400" r:id="rId11"/>
     <p:sldId id="401" r:id="rId12"/>
+    <p:sldId id="260" r:id="rId13"/>
+    <p:sldId id="261" r:id="rId14"/>
+    <p:sldId id="262" r:id="rId15"/>
+    <p:sldId id="263" r:id="rId16"/>
+    <p:sldId id="264" r:id="rId17"/>
   </p:sldIdLst>
   <p:sldSz cx="9144000" cy="6858000" type="screen4x3"/>
   <p:notesSz cx="9925050" cy="6665913"/>
@@ -937,6 +942,616 @@
 </p:notes>
 </file>
 
+<file path=ppt/notesSlides/notesSlide2.xml><?xml version="1.0" encoding="utf-8"?>
+<p:notes xmlns:a="http://schemas.openxmlformats.org/drawingml/2006/main" xmlns:r="http://schemas.openxmlformats.org/officeDocument/2006/relationships" xmlns:p="http://schemas.openxmlformats.org/presentationml/2006/main">
+  <p:cSld>
+    <p:spTree>
+      <p:nvGrpSpPr>
+        <p:cNvPr id="1" name=""/>
+        <p:cNvGrpSpPr/>
+        <p:nvPr/>
+      </p:nvGrpSpPr>
+      <p:grpSpPr>
+        <a:xfrm>
+          <a:off x="0" y="0"/>
+          <a:ext cx="0" cy="0"/>
+          <a:chOff x="0" y="0"/>
+          <a:chExt cx="0" cy="0"/>
+        </a:xfrm>
+      </p:grpSpPr>
+      <p:sp>
+        <p:nvSpPr>
+          <p:cNvPr id="7" name="Foliennummernplatzhalter 6">
+            <a:extLst>
+              <a:ext uri="{FF2B5EF4-FFF2-40B4-BE49-F238E27FC236}">
+                <a16:creationId xmlns:a16="http://schemas.microsoft.com/office/drawing/2014/main" id="{7303B696-DC61-4230-8F27-2708EFBA2DBD}"/>
+              </a:ext>
+            </a:extLst>
+          </p:cNvPr>
+          <p:cNvSpPr txBox="1">
+            <a:spLocks noGrp="1"/>
+          </p:cNvSpPr>
+          <p:nvPr>
+            <p:ph type="sldNum" sz="quarter" idx="5"/>
+          </p:nvPr>
+        </p:nvSpPr>
+        <p:spPr>
+          <a:ln/>
+        </p:spPr>
+        <p:txBody>
+          <a:bodyPr lIns="0" tIns="0" rIns="0" bIns="0" anchor="b" anchorCtr="0">
+            <a:noAutofit/>
+          </a:bodyPr>
+          <a:lstStyle/>
+          <a:p>
+            <a:pPr lvl="0"/>
+            <a:fld id="{DE2D377B-F460-44A8-987E-B33A9937D242}" type="slidenum">
+              <a:t>7</a:t>
+            </a:fld>
+            <a:endParaRPr lang="none-none"/>
+          </a:p>
+        </p:txBody>
+      </p:sp>
+      <p:sp>
+        <p:nvSpPr>
+          <p:cNvPr id="2" name="Folienbildplatzhalter 1">
+            <a:extLst>
+              <a:ext uri="{FF2B5EF4-FFF2-40B4-BE49-F238E27FC236}">
+                <a16:creationId xmlns:a16="http://schemas.microsoft.com/office/drawing/2014/main" id="{023333A1-BCBD-4119-85AA-01D694AE53ED}"/>
+              </a:ext>
+            </a:extLst>
+          </p:cNvPr>
+          <p:cNvSpPr>
+            <a:spLocks noGrp="1" noRot="1" noChangeAspect="1" noResize="1"/>
+          </p:cNvSpPr>
+          <p:nvPr>
+            <p:ph type="sldImg"/>
+          </p:nvPr>
+        </p:nvSpPr>
+        <p:spPr>
+          <a:xfrm>
+            <a:off x="3295650" y="506413"/>
+            <a:ext cx="3332163" cy="2498725"/>
+          </a:xfrm>
+          <a:solidFill>
+            <a:schemeClr val="accent1"/>
+          </a:solidFill>
+          <a:ln w="25400">
+            <a:solidFill>
+              <a:schemeClr val="accent1">
+                <a:shade val="50000"/>
+              </a:schemeClr>
+            </a:solidFill>
+            <a:prstDash val="solid"/>
+          </a:ln>
+        </p:spPr>
+      </p:sp>
+      <p:sp>
+        <p:nvSpPr>
+          <p:cNvPr id="3" name="Notizenplatzhalter 2">
+            <a:extLst>
+              <a:ext uri="{FF2B5EF4-FFF2-40B4-BE49-F238E27FC236}">
+                <a16:creationId xmlns:a16="http://schemas.microsoft.com/office/drawing/2014/main" id="{8FF08B56-0AFE-443F-BCA5-EBA25B618E85}"/>
+              </a:ext>
+            </a:extLst>
+          </p:cNvPr>
+          <p:cNvSpPr txBox="1">
+            <a:spLocks noGrp="1"/>
+          </p:cNvSpPr>
+          <p:nvPr>
+            <p:ph type="body" sz="quarter" idx="1"/>
+          </p:nvPr>
+        </p:nvSpPr>
+        <p:spPr>
+          <a:xfrm>
+            <a:off x="992520" y="3166200"/>
+            <a:ext cx="7939800" cy="2999160"/>
+          </a:xfrm>
+        </p:spPr>
+        <p:txBody>
+          <a:bodyPr/>
+          <a:lstStyle/>
+          <a:p>
+            <a:endParaRPr lang="none-none"/>
+          </a:p>
+        </p:txBody>
+      </p:sp>
+    </p:spTree>
+  </p:cSld>
+  <p:clrMapOvr>
+    <a:masterClrMapping/>
+  </p:clrMapOvr>
+</p:notes>
+</file>
+
+<file path=ppt/notesSlides/notesSlide3.xml><?xml version="1.0" encoding="utf-8"?>
+<p:notes xmlns:a="http://schemas.openxmlformats.org/drawingml/2006/main" xmlns:r="http://schemas.openxmlformats.org/officeDocument/2006/relationships" xmlns:p="http://schemas.openxmlformats.org/presentationml/2006/main">
+  <p:cSld>
+    <p:spTree>
+      <p:nvGrpSpPr>
+        <p:cNvPr id="1" name=""/>
+        <p:cNvGrpSpPr/>
+        <p:nvPr/>
+      </p:nvGrpSpPr>
+      <p:grpSpPr>
+        <a:xfrm>
+          <a:off x="0" y="0"/>
+          <a:ext cx="0" cy="0"/>
+          <a:chOff x="0" y="0"/>
+          <a:chExt cx="0" cy="0"/>
+        </a:xfrm>
+      </p:grpSpPr>
+      <p:sp>
+        <p:nvSpPr>
+          <p:cNvPr id="7" name="Foliennummernplatzhalter 6">
+            <a:extLst>
+              <a:ext uri="{FF2B5EF4-FFF2-40B4-BE49-F238E27FC236}">
+                <a16:creationId xmlns:a16="http://schemas.microsoft.com/office/drawing/2014/main" id="{2EC8BD8C-EB0C-4460-BCEE-4F1DA739CBC1}"/>
+              </a:ext>
+            </a:extLst>
+          </p:cNvPr>
+          <p:cNvSpPr txBox="1">
+            <a:spLocks noGrp="1"/>
+          </p:cNvSpPr>
+          <p:nvPr>
+            <p:ph type="sldNum" sz="quarter" idx="5"/>
+          </p:nvPr>
+        </p:nvSpPr>
+        <p:spPr>
+          <a:ln/>
+        </p:spPr>
+        <p:txBody>
+          <a:bodyPr lIns="0" tIns="0" rIns="0" bIns="0" anchor="b" anchorCtr="0">
+            <a:noAutofit/>
+          </a:bodyPr>
+          <a:lstStyle/>
+          <a:p>
+            <a:pPr lvl="0"/>
+            <a:fld id="{93A0EA35-EDD3-4081-84D2-EAFEC62597AE}" type="slidenum">
+              <a:t>8</a:t>
+            </a:fld>
+            <a:endParaRPr lang="none-none"/>
+          </a:p>
+        </p:txBody>
+      </p:sp>
+      <p:sp>
+        <p:nvSpPr>
+          <p:cNvPr id="2" name="Folienbildplatzhalter 1">
+            <a:extLst>
+              <a:ext uri="{FF2B5EF4-FFF2-40B4-BE49-F238E27FC236}">
+                <a16:creationId xmlns:a16="http://schemas.microsoft.com/office/drawing/2014/main" id="{B144BE3A-CE1E-4E68-B4B7-03C676F170D4}"/>
+              </a:ext>
+            </a:extLst>
+          </p:cNvPr>
+          <p:cNvSpPr>
+            <a:spLocks noGrp="1" noRot="1" noChangeAspect="1" noResize="1"/>
+          </p:cNvSpPr>
+          <p:nvPr>
+            <p:ph type="sldImg"/>
+          </p:nvPr>
+        </p:nvSpPr>
+        <p:spPr>
+          <a:xfrm>
+            <a:off x="3295650" y="506413"/>
+            <a:ext cx="3332163" cy="2498725"/>
+          </a:xfrm>
+          <a:solidFill>
+            <a:schemeClr val="accent1"/>
+          </a:solidFill>
+          <a:ln w="25400">
+            <a:solidFill>
+              <a:schemeClr val="accent1">
+                <a:shade val="50000"/>
+              </a:schemeClr>
+            </a:solidFill>
+            <a:prstDash val="solid"/>
+          </a:ln>
+        </p:spPr>
+      </p:sp>
+      <p:sp>
+        <p:nvSpPr>
+          <p:cNvPr id="3" name="Notizenplatzhalter 2">
+            <a:extLst>
+              <a:ext uri="{FF2B5EF4-FFF2-40B4-BE49-F238E27FC236}">
+                <a16:creationId xmlns:a16="http://schemas.microsoft.com/office/drawing/2014/main" id="{B6962B74-7393-44BB-9F6C-C74BC80F1C71}"/>
+              </a:ext>
+            </a:extLst>
+          </p:cNvPr>
+          <p:cNvSpPr txBox="1">
+            <a:spLocks noGrp="1"/>
+          </p:cNvSpPr>
+          <p:nvPr>
+            <p:ph type="body" sz="quarter" idx="1"/>
+          </p:nvPr>
+        </p:nvSpPr>
+        <p:spPr>
+          <a:xfrm>
+            <a:off x="992520" y="3166200"/>
+            <a:ext cx="7939800" cy="2999160"/>
+          </a:xfrm>
+        </p:spPr>
+        <p:txBody>
+          <a:bodyPr/>
+          <a:lstStyle/>
+          <a:p>
+            <a:endParaRPr lang="none-none"/>
+          </a:p>
+        </p:txBody>
+      </p:sp>
+    </p:spTree>
+  </p:cSld>
+  <p:clrMapOvr>
+    <a:masterClrMapping/>
+  </p:clrMapOvr>
+</p:notes>
+</file>
+
+<file path=ppt/notesSlides/notesSlide4.xml><?xml version="1.0" encoding="utf-8"?>
+<p:notes xmlns:a="http://schemas.openxmlformats.org/drawingml/2006/main" xmlns:r="http://schemas.openxmlformats.org/officeDocument/2006/relationships" xmlns:p="http://schemas.openxmlformats.org/presentationml/2006/main">
+  <p:cSld>
+    <p:spTree>
+      <p:nvGrpSpPr>
+        <p:cNvPr id="1" name=""/>
+        <p:cNvGrpSpPr/>
+        <p:nvPr/>
+      </p:nvGrpSpPr>
+      <p:grpSpPr>
+        <a:xfrm>
+          <a:off x="0" y="0"/>
+          <a:ext cx="0" cy="0"/>
+          <a:chOff x="0" y="0"/>
+          <a:chExt cx="0" cy="0"/>
+        </a:xfrm>
+      </p:grpSpPr>
+      <p:sp>
+        <p:nvSpPr>
+          <p:cNvPr id="7" name="Foliennummernplatzhalter 6">
+            <a:extLst>
+              <a:ext uri="{FF2B5EF4-FFF2-40B4-BE49-F238E27FC236}">
+                <a16:creationId xmlns:a16="http://schemas.microsoft.com/office/drawing/2014/main" id="{66285CF4-5340-4D4F-BC40-4F248A8C7262}"/>
+              </a:ext>
+            </a:extLst>
+          </p:cNvPr>
+          <p:cNvSpPr txBox="1">
+            <a:spLocks noGrp="1"/>
+          </p:cNvSpPr>
+          <p:nvPr>
+            <p:ph type="sldNum" sz="quarter" idx="5"/>
+          </p:nvPr>
+        </p:nvSpPr>
+        <p:spPr>
+          <a:ln/>
+        </p:spPr>
+        <p:txBody>
+          <a:bodyPr lIns="0" tIns="0" rIns="0" bIns="0" anchor="b" anchorCtr="0">
+            <a:noAutofit/>
+          </a:bodyPr>
+          <a:lstStyle/>
+          <a:p>
+            <a:pPr lvl="0"/>
+            <a:fld id="{9D5ECC6C-20E7-4C13-B701-3B5335E533AF}" type="slidenum">
+              <a:t>9</a:t>
+            </a:fld>
+            <a:endParaRPr lang="none-none"/>
+          </a:p>
+        </p:txBody>
+      </p:sp>
+      <p:sp>
+        <p:nvSpPr>
+          <p:cNvPr id="2" name="Folienbildplatzhalter 1">
+            <a:extLst>
+              <a:ext uri="{FF2B5EF4-FFF2-40B4-BE49-F238E27FC236}">
+                <a16:creationId xmlns:a16="http://schemas.microsoft.com/office/drawing/2014/main" id="{D3977E71-7536-4A58-8D1C-E490223EE7D5}"/>
+              </a:ext>
+            </a:extLst>
+          </p:cNvPr>
+          <p:cNvSpPr>
+            <a:spLocks noGrp="1" noRot="1" noChangeAspect="1" noResize="1"/>
+          </p:cNvSpPr>
+          <p:nvPr>
+            <p:ph type="sldImg"/>
+          </p:nvPr>
+        </p:nvSpPr>
+        <p:spPr>
+          <a:xfrm>
+            <a:off x="3295650" y="506413"/>
+            <a:ext cx="3332163" cy="2498725"/>
+          </a:xfrm>
+          <a:solidFill>
+            <a:schemeClr val="accent1"/>
+          </a:solidFill>
+          <a:ln w="25400">
+            <a:solidFill>
+              <a:schemeClr val="accent1">
+                <a:shade val="50000"/>
+              </a:schemeClr>
+            </a:solidFill>
+            <a:prstDash val="solid"/>
+          </a:ln>
+        </p:spPr>
+      </p:sp>
+      <p:sp>
+        <p:nvSpPr>
+          <p:cNvPr id="3" name="Notizenplatzhalter 2">
+            <a:extLst>
+              <a:ext uri="{FF2B5EF4-FFF2-40B4-BE49-F238E27FC236}">
+                <a16:creationId xmlns:a16="http://schemas.microsoft.com/office/drawing/2014/main" id="{CB4FC0DD-49D2-4C0B-A0A6-ACA06ED453D0}"/>
+              </a:ext>
+            </a:extLst>
+          </p:cNvPr>
+          <p:cNvSpPr txBox="1">
+            <a:spLocks noGrp="1"/>
+          </p:cNvSpPr>
+          <p:nvPr>
+            <p:ph type="body" sz="quarter" idx="1"/>
+          </p:nvPr>
+        </p:nvSpPr>
+        <p:spPr>
+          <a:xfrm>
+            <a:off x="992520" y="3166200"/>
+            <a:ext cx="7939800" cy="2999160"/>
+          </a:xfrm>
+        </p:spPr>
+        <p:txBody>
+          <a:bodyPr/>
+          <a:lstStyle/>
+          <a:p>
+            <a:endParaRPr lang="none-none"/>
+          </a:p>
+        </p:txBody>
+      </p:sp>
+    </p:spTree>
+  </p:cSld>
+  <p:clrMapOvr>
+    <a:masterClrMapping/>
+  </p:clrMapOvr>
+</p:notes>
+</file>
+
+<file path=ppt/notesSlides/notesSlide5.xml><?xml version="1.0" encoding="utf-8"?>
+<p:notes xmlns:a="http://schemas.openxmlformats.org/drawingml/2006/main" xmlns:r="http://schemas.openxmlformats.org/officeDocument/2006/relationships" xmlns:p="http://schemas.openxmlformats.org/presentationml/2006/main">
+  <p:cSld>
+    <p:spTree>
+      <p:nvGrpSpPr>
+        <p:cNvPr id="1" name=""/>
+        <p:cNvGrpSpPr/>
+        <p:nvPr/>
+      </p:nvGrpSpPr>
+      <p:grpSpPr>
+        <a:xfrm>
+          <a:off x="0" y="0"/>
+          <a:ext cx="0" cy="0"/>
+          <a:chOff x="0" y="0"/>
+          <a:chExt cx="0" cy="0"/>
+        </a:xfrm>
+      </p:grpSpPr>
+      <p:sp>
+        <p:nvSpPr>
+          <p:cNvPr id="7" name="Foliennummernplatzhalter 6">
+            <a:extLst>
+              <a:ext uri="{FF2B5EF4-FFF2-40B4-BE49-F238E27FC236}">
+                <a16:creationId xmlns:a16="http://schemas.microsoft.com/office/drawing/2014/main" id="{6E35F4FB-FA1F-415B-9924-028A6B742193}"/>
+              </a:ext>
+            </a:extLst>
+          </p:cNvPr>
+          <p:cNvSpPr txBox="1">
+            <a:spLocks noGrp="1"/>
+          </p:cNvSpPr>
+          <p:nvPr>
+            <p:ph type="sldNum" sz="quarter" idx="5"/>
+          </p:nvPr>
+        </p:nvSpPr>
+        <p:spPr>
+          <a:ln/>
+        </p:spPr>
+        <p:txBody>
+          <a:bodyPr lIns="0" tIns="0" rIns="0" bIns="0" anchor="b" anchorCtr="0">
+            <a:noAutofit/>
+          </a:bodyPr>
+          <a:lstStyle/>
+          <a:p>
+            <a:pPr lvl="0"/>
+            <a:fld id="{474D7F75-77BE-44A5-BB98-0CE60B34F77D}" type="slidenum">
+              <a:t>10</a:t>
+            </a:fld>
+            <a:endParaRPr lang="none-none"/>
+          </a:p>
+        </p:txBody>
+      </p:sp>
+      <p:sp>
+        <p:nvSpPr>
+          <p:cNvPr id="2" name="Folienbildplatzhalter 1">
+            <a:extLst>
+              <a:ext uri="{FF2B5EF4-FFF2-40B4-BE49-F238E27FC236}">
+                <a16:creationId xmlns:a16="http://schemas.microsoft.com/office/drawing/2014/main" id="{52E63E4B-FA3B-420C-A4E5-3480266AEBC7}"/>
+              </a:ext>
+            </a:extLst>
+          </p:cNvPr>
+          <p:cNvSpPr>
+            <a:spLocks noGrp="1" noRot="1" noChangeAspect="1" noResize="1"/>
+          </p:cNvSpPr>
+          <p:nvPr>
+            <p:ph type="sldImg"/>
+          </p:nvPr>
+        </p:nvSpPr>
+        <p:spPr>
+          <a:xfrm>
+            <a:off x="3295650" y="506413"/>
+            <a:ext cx="3332163" cy="2498725"/>
+          </a:xfrm>
+          <a:solidFill>
+            <a:schemeClr val="accent1"/>
+          </a:solidFill>
+          <a:ln w="25400">
+            <a:solidFill>
+              <a:schemeClr val="accent1">
+                <a:shade val="50000"/>
+              </a:schemeClr>
+            </a:solidFill>
+            <a:prstDash val="solid"/>
+          </a:ln>
+        </p:spPr>
+      </p:sp>
+      <p:sp>
+        <p:nvSpPr>
+          <p:cNvPr id="3" name="Notizenplatzhalter 2">
+            <a:extLst>
+              <a:ext uri="{FF2B5EF4-FFF2-40B4-BE49-F238E27FC236}">
+                <a16:creationId xmlns:a16="http://schemas.microsoft.com/office/drawing/2014/main" id="{DC62B930-EAD1-4823-9587-EEF2F23169FB}"/>
+              </a:ext>
+            </a:extLst>
+          </p:cNvPr>
+          <p:cNvSpPr txBox="1">
+            <a:spLocks noGrp="1"/>
+          </p:cNvSpPr>
+          <p:nvPr>
+            <p:ph type="body" sz="quarter" idx="1"/>
+          </p:nvPr>
+        </p:nvSpPr>
+        <p:spPr>
+          <a:xfrm>
+            <a:off x="992520" y="3166200"/>
+            <a:ext cx="7939800" cy="2999160"/>
+          </a:xfrm>
+        </p:spPr>
+        <p:txBody>
+          <a:bodyPr/>
+          <a:lstStyle/>
+          <a:p>
+            <a:endParaRPr lang="none-none"/>
+          </a:p>
+        </p:txBody>
+      </p:sp>
+    </p:spTree>
+  </p:cSld>
+  <p:clrMapOvr>
+    <a:masterClrMapping/>
+  </p:clrMapOvr>
+</p:notes>
+</file>
+
+<file path=ppt/notesSlides/notesSlide6.xml><?xml version="1.0" encoding="utf-8"?>
+<p:notes xmlns:a="http://schemas.openxmlformats.org/drawingml/2006/main" xmlns:r="http://schemas.openxmlformats.org/officeDocument/2006/relationships" xmlns:p="http://schemas.openxmlformats.org/presentationml/2006/main">
+  <p:cSld>
+    <p:spTree>
+      <p:nvGrpSpPr>
+        <p:cNvPr id="1" name=""/>
+        <p:cNvGrpSpPr/>
+        <p:nvPr/>
+      </p:nvGrpSpPr>
+      <p:grpSpPr>
+        <a:xfrm>
+          <a:off x="0" y="0"/>
+          <a:ext cx="0" cy="0"/>
+          <a:chOff x="0" y="0"/>
+          <a:chExt cx="0" cy="0"/>
+        </a:xfrm>
+      </p:grpSpPr>
+      <p:sp>
+        <p:nvSpPr>
+          <p:cNvPr id="7" name="Foliennummernplatzhalter 6">
+            <a:extLst>
+              <a:ext uri="{FF2B5EF4-FFF2-40B4-BE49-F238E27FC236}">
+                <a16:creationId xmlns:a16="http://schemas.microsoft.com/office/drawing/2014/main" id="{DA1492F9-1F64-47BA-8AC9-C13D298B55C1}"/>
+              </a:ext>
+            </a:extLst>
+          </p:cNvPr>
+          <p:cNvSpPr txBox="1">
+            <a:spLocks noGrp="1"/>
+          </p:cNvSpPr>
+          <p:nvPr>
+            <p:ph type="sldNum" sz="quarter" idx="5"/>
+          </p:nvPr>
+        </p:nvSpPr>
+        <p:spPr>
+          <a:ln/>
+        </p:spPr>
+        <p:txBody>
+          <a:bodyPr lIns="0" tIns="0" rIns="0" bIns="0" anchor="b" anchorCtr="0">
+            <a:noAutofit/>
+          </a:bodyPr>
+          <a:lstStyle/>
+          <a:p>
+            <a:pPr lvl="0"/>
+            <a:fld id="{A772DD62-7F0A-4E7F-9EE2-7FB5735726B1}" type="slidenum">
+              <a:t>11</a:t>
+            </a:fld>
+            <a:endParaRPr lang="none-none"/>
+          </a:p>
+        </p:txBody>
+      </p:sp>
+      <p:sp>
+        <p:nvSpPr>
+          <p:cNvPr id="2" name="Folienbildplatzhalter 1">
+            <a:extLst>
+              <a:ext uri="{FF2B5EF4-FFF2-40B4-BE49-F238E27FC236}">
+                <a16:creationId xmlns:a16="http://schemas.microsoft.com/office/drawing/2014/main" id="{5C7729DD-D59A-4C86-A214-06DCA404D170}"/>
+              </a:ext>
+            </a:extLst>
+          </p:cNvPr>
+          <p:cNvSpPr>
+            <a:spLocks noGrp="1" noRot="1" noChangeAspect="1" noResize="1"/>
+          </p:cNvSpPr>
+          <p:nvPr>
+            <p:ph type="sldImg"/>
+          </p:nvPr>
+        </p:nvSpPr>
+        <p:spPr>
+          <a:xfrm>
+            <a:off x="3295650" y="506413"/>
+            <a:ext cx="3332163" cy="2498725"/>
+          </a:xfrm>
+          <a:solidFill>
+            <a:schemeClr val="accent1"/>
+          </a:solidFill>
+          <a:ln w="25400">
+            <a:solidFill>
+              <a:schemeClr val="accent1">
+                <a:shade val="50000"/>
+              </a:schemeClr>
+            </a:solidFill>
+            <a:prstDash val="solid"/>
+          </a:ln>
+        </p:spPr>
+      </p:sp>
+      <p:sp>
+        <p:nvSpPr>
+          <p:cNvPr id="3" name="Notizenplatzhalter 2">
+            <a:extLst>
+              <a:ext uri="{FF2B5EF4-FFF2-40B4-BE49-F238E27FC236}">
+                <a16:creationId xmlns:a16="http://schemas.microsoft.com/office/drawing/2014/main" id="{1439FFD6-5154-4AC8-B86A-3FC636D52A57}"/>
+              </a:ext>
+            </a:extLst>
+          </p:cNvPr>
+          <p:cNvSpPr txBox="1">
+            <a:spLocks noGrp="1"/>
+          </p:cNvSpPr>
+          <p:nvPr>
+            <p:ph type="body" sz="quarter" idx="1"/>
+          </p:nvPr>
+        </p:nvSpPr>
+        <p:spPr>
+          <a:xfrm>
+            <a:off x="992520" y="3166200"/>
+            <a:ext cx="7939800" cy="2999160"/>
+          </a:xfrm>
+        </p:spPr>
+        <p:txBody>
+          <a:bodyPr/>
+          <a:lstStyle/>
+          <a:p>
+            <a:endParaRPr lang="none-none"/>
+          </a:p>
+        </p:txBody>
+      </p:sp>
+    </p:spTree>
+  </p:cSld>
+  <p:clrMapOvr>
+    <a:masterClrMapping/>
+  </p:clrMapOvr>
+</p:notes>
+</file>
+
 <file path=ppt/slideLayouts/slideLayout1.xml><?xml version="1.0" encoding="utf-8"?>
 <p:sldLayout xmlns:a="http://schemas.openxmlformats.org/drawingml/2006/main" xmlns:r="http://schemas.openxmlformats.org/officeDocument/2006/relationships" xmlns:p="http://schemas.openxmlformats.org/presentationml/2006/main" preserve="1" userDrawn="1">
   <p:cSld name="Start">
@@ -2856,6 +3471,211 @@
 </file>
 
 <file path=ppt/slideLayouts/slideLayout17.xml><?xml version="1.0" encoding="utf-8"?>
+<p:sldLayout xmlns:a="http://schemas.openxmlformats.org/drawingml/2006/main" xmlns:r="http://schemas.openxmlformats.org/officeDocument/2006/relationships" xmlns:p="http://schemas.openxmlformats.org/presentationml/2006/main" type="titleOnly">
+  <p:cSld name="Nur Titel">
+    <p:spTree>
+      <p:nvGrpSpPr>
+        <p:cNvPr id="1" name=""/>
+        <p:cNvGrpSpPr/>
+        <p:nvPr/>
+      </p:nvGrpSpPr>
+      <p:grpSpPr>
+        <a:xfrm>
+          <a:off x="0" y="0"/>
+          <a:ext cx="0" cy="0"/>
+          <a:chOff x="0" y="0"/>
+          <a:chExt cx="0" cy="0"/>
+        </a:xfrm>
+      </p:grpSpPr>
+      <p:sp>
+        <p:nvSpPr>
+          <p:cNvPr id="2" name="Titel 1">
+            <a:extLst>
+              <a:ext uri="{FF2B5EF4-FFF2-40B4-BE49-F238E27FC236}">
+                <a16:creationId xmlns:a16="http://schemas.microsoft.com/office/drawing/2014/main" id="{E605B041-162E-4998-8EBC-46455715238B}"/>
+              </a:ext>
+            </a:extLst>
+          </p:cNvPr>
+          <p:cNvSpPr>
+            <a:spLocks noGrp="1"/>
+          </p:cNvSpPr>
+          <p:nvPr>
+            <p:ph type="title"/>
+          </p:nvPr>
+        </p:nvSpPr>
+        <p:spPr/>
+        <p:txBody>
+          <a:bodyPr/>
+          <a:lstStyle/>
+          <a:p>
+            <a:r>
+              <a:rPr lang="de-DE"/>
+              <a:t>Mastertitelformat bearbeiten</a:t>
+            </a:r>
+          </a:p>
+        </p:txBody>
+      </p:sp>
+      <p:sp>
+        <p:nvSpPr>
+          <p:cNvPr id="3" name="Foliennummernplatzhalter 2">
+            <a:extLst>
+              <a:ext uri="{FF2B5EF4-FFF2-40B4-BE49-F238E27FC236}">
+                <a16:creationId xmlns:a16="http://schemas.microsoft.com/office/drawing/2014/main" id="{331344B2-D095-4262-9C6A-A903BB341F4E}"/>
+              </a:ext>
+            </a:extLst>
+          </p:cNvPr>
+          <p:cNvSpPr>
+            <a:spLocks noGrp="1"/>
+          </p:cNvSpPr>
+          <p:nvPr>
+            <p:ph type="sldNum" sz="quarter" idx="10"/>
+          </p:nvPr>
+        </p:nvSpPr>
+        <p:spPr/>
+        <p:txBody>
+          <a:bodyPr/>
+          <a:lstStyle/>
+          <a:p>
+            <a:pPr lvl="0"/>
+            <a:fld id="{B88219F3-DB81-4688-80D1-DF2E45C37056}" type="slidenum">
+              <a:t>‹Nr.›</a:t>
+            </a:fld>
+            <a:endParaRPr lang="none-none"/>
+          </a:p>
+        </p:txBody>
+      </p:sp>
+      <p:sp>
+        <p:nvSpPr>
+          <p:cNvPr id="4" name="Fußzeilenplatzhalter 3">
+            <a:extLst>
+              <a:ext uri="{FF2B5EF4-FFF2-40B4-BE49-F238E27FC236}">
+                <a16:creationId xmlns:a16="http://schemas.microsoft.com/office/drawing/2014/main" id="{06B1B2E1-80E5-45C5-999F-953F7ECC9D5E}"/>
+              </a:ext>
+            </a:extLst>
+          </p:cNvPr>
+          <p:cNvSpPr>
+            <a:spLocks noGrp="1"/>
+          </p:cNvSpPr>
+          <p:nvPr>
+            <p:ph type="ftr" sz="quarter" idx="11"/>
+          </p:nvPr>
+        </p:nvSpPr>
+        <p:spPr/>
+        <p:txBody>
+          <a:bodyPr/>
+          <a:lstStyle/>
+          <a:p>
+            <a:pPr lvl="0"/>
+            <a:r>
+              <a:rPr lang="none-none"/>
+              <a:t>Dr. rer. nat. Erika Mustermann (TUM) | kann beliebig erweitert werden | Infos mit Strich trennen</a:t>
+            </a:r>
+          </a:p>
+        </p:txBody>
+      </p:sp>
+    </p:spTree>
+    <p:extLst>
+      <p:ext uri="{BB962C8B-B14F-4D97-AF65-F5344CB8AC3E}">
+        <p14:creationId xmlns:p14="http://schemas.microsoft.com/office/powerpoint/2010/main" val="3017010650"/>
+      </p:ext>
+    </p:extLst>
+  </p:cSld>
+  <p:clrMapOvr>
+    <a:masterClrMapping/>
+  </p:clrMapOvr>
+</p:sldLayout>
+</file>
+
+<file path=ppt/slideLayouts/slideLayout18.xml><?xml version="1.0" encoding="utf-8"?>
+<p:sldLayout xmlns:a="http://schemas.openxmlformats.org/drawingml/2006/main" xmlns:r="http://schemas.openxmlformats.org/officeDocument/2006/relationships" xmlns:p="http://schemas.openxmlformats.org/presentationml/2006/main" type="blank">
+  <p:cSld name="Leer">
+    <p:spTree>
+      <p:nvGrpSpPr>
+        <p:cNvPr id="1" name=""/>
+        <p:cNvGrpSpPr/>
+        <p:nvPr/>
+      </p:nvGrpSpPr>
+      <p:grpSpPr>
+        <a:xfrm>
+          <a:off x="0" y="0"/>
+          <a:ext cx="0" cy="0"/>
+          <a:chOff x="0" y="0"/>
+          <a:chExt cx="0" cy="0"/>
+        </a:xfrm>
+      </p:grpSpPr>
+      <p:sp>
+        <p:nvSpPr>
+          <p:cNvPr id="2" name="Foliennummernplatzhalter 1">
+            <a:extLst>
+              <a:ext uri="{FF2B5EF4-FFF2-40B4-BE49-F238E27FC236}">
+                <a16:creationId xmlns:a16="http://schemas.microsoft.com/office/drawing/2014/main" id="{57609551-BAEB-44A7-8092-B0C6A7D32242}"/>
+              </a:ext>
+            </a:extLst>
+          </p:cNvPr>
+          <p:cNvSpPr>
+            <a:spLocks noGrp="1"/>
+          </p:cNvSpPr>
+          <p:nvPr>
+            <p:ph type="sldNum" sz="quarter" idx="10"/>
+          </p:nvPr>
+        </p:nvSpPr>
+        <p:spPr/>
+        <p:txBody>
+          <a:bodyPr/>
+          <a:lstStyle/>
+          <a:p>
+            <a:pPr lvl="0"/>
+            <a:fld id="{B3DD8DED-02AB-4B17-9F43-0177FD149418}" type="slidenum">
+              <a:t>‹Nr.›</a:t>
+            </a:fld>
+            <a:endParaRPr lang="none-none"/>
+          </a:p>
+        </p:txBody>
+      </p:sp>
+      <p:sp>
+        <p:nvSpPr>
+          <p:cNvPr id="3" name="Fußzeilenplatzhalter 2">
+            <a:extLst>
+              <a:ext uri="{FF2B5EF4-FFF2-40B4-BE49-F238E27FC236}">
+                <a16:creationId xmlns:a16="http://schemas.microsoft.com/office/drawing/2014/main" id="{5903DD0E-C6CB-486C-9E16-CA7ABA0DF012}"/>
+              </a:ext>
+            </a:extLst>
+          </p:cNvPr>
+          <p:cNvSpPr>
+            <a:spLocks noGrp="1"/>
+          </p:cNvSpPr>
+          <p:nvPr>
+            <p:ph type="ftr" sz="quarter" idx="11"/>
+          </p:nvPr>
+        </p:nvSpPr>
+        <p:spPr/>
+        <p:txBody>
+          <a:bodyPr/>
+          <a:lstStyle/>
+          <a:p>
+            <a:pPr lvl="0"/>
+            <a:r>
+              <a:rPr lang="none-none"/>
+              <a:t>Dr. rer. nat. Erika Mustermann (TUM) | kann beliebig erweitert werden | Infos mit Strich trennen</a:t>
+            </a:r>
+          </a:p>
+        </p:txBody>
+      </p:sp>
+    </p:spTree>
+    <p:extLst>
+      <p:ext uri="{BB962C8B-B14F-4D97-AF65-F5344CB8AC3E}">
+        <p14:creationId xmlns:p14="http://schemas.microsoft.com/office/powerpoint/2010/main" val="2710622853"/>
+      </p:ext>
+    </p:extLst>
+  </p:cSld>
+  <p:clrMapOvr>
+    <a:masterClrMapping/>
+  </p:clrMapOvr>
+  <p:hf sldNum="0" hdr="0" ftr="0" dt="0"/>
+</p:sldLayout>
+</file>
+
+<file path=ppt/slideLayouts/slideLayout19.xml><?xml version="1.0" encoding="utf-8"?>
 <p:sldLayout xmlns:a="http://schemas.openxmlformats.org/drawingml/2006/main" xmlns:r="http://schemas.openxmlformats.org/officeDocument/2006/relationships" xmlns:p="http://schemas.openxmlformats.org/presentationml/2006/main" preserve="1" userDrawn="1">
   <p:cSld name="Kapiteltrenner">
     <p:spTree>
@@ -2988,171 +3808,6 @@
               <a:t>Dr. rer. nat. Erika Mustermann (TUM) | kann beliebig erweitert werden | Infos mit Strich trennen</a:t>
             </a:r>
             <a:endParaRPr lang="en-US" dirty="0"/>
-          </a:p>
-        </p:txBody>
-      </p:sp>
-    </p:spTree>
-    <p:extLst>
-      <p:ext uri="{BB962C8B-B14F-4D97-AF65-F5344CB8AC3E}">
-        <p14:creationId xmlns:p14="http://schemas.microsoft.com/office/powerpoint/2010/main" val="171855092"/>
-      </p:ext>
-    </p:extLst>
-  </p:cSld>
-  <p:clrMapOvr>
-    <a:masterClrMapping/>
-  </p:clrMapOvr>
-</p:sldLayout>
-</file>
-
-<file path=ppt/slideLayouts/slideLayout18.xml><?xml version="1.0" encoding="utf-8"?>
-<p:sldLayout xmlns:a="http://schemas.openxmlformats.org/drawingml/2006/main" xmlns:r="http://schemas.openxmlformats.org/officeDocument/2006/relationships" xmlns:p="http://schemas.openxmlformats.org/presentationml/2006/main" preserve="1" userDrawn="1">
-  <p:cSld name="Kapiteltrenner">
-    <p:spTree>
-      <p:nvGrpSpPr>
-        <p:cNvPr id="1" name=""/>
-        <p:cNvGrpSpPr/>
-        <p:nvPr/>
-      </p:nvGrpSpPr>
-      <p:grpSpPr>
-        <a:xfrm>
-          <a:off x="0" y="0"/>
-          <a:ext cx="0" cy="0"/>
-          <a:chOff x="0" y="0"/>
-          <a:chExt cx="0" cy="0"/>
-        </a:xfrm>
-      </p:grpSpPr>
-      <p:sp>
-        <p:nvSpPr>
-          <p:cNvPr id="6" name="Foliennummernplatzhalter 5"/>
-          <p:cNvSpPr>
-            <a:spLocks noGrp="1"/>
-          </p:cNvSpPr>
-          <p:nvPr>
-            <p:ph type="sldNum" sz="quarter" idx="11"/>
-          </p:nvPr>
-        </p:nvSpPr>
-        <p:spPr/>
-        <p:txBody>
-          <a:bodyPr/>
-          <a:lstStyle>
-            <a:lvl1pPr>
-              <a:defRPr>
-                <a:solidFill>
-                  <a:schemeClr val="bg1"/>
-                </a:solidFill>
-              </a:defRPr>
-            </a:lvl1pPr>
-          </a:lstStyle>
-          <a:p>
-            <a:fld id="{CE58CB1E-F828-4F11-99E0-327109AF9DA4}" type="slidenum">
-              <a:rPr lang="de-DE" smtClean="0"/>
-              <a:pPr/>
-              <a:t>‹Nr.›</a:t>
-            </a:fld>
-            <a:endParaRPr lang="de-DE" dirty="0"/>
-          </a:p>
-        </p:txBody>
-      </p:sp>
-      <p:sp>
-        <p:nvSpPr>
-          <p:cNvPr id="8" name="Fußzeilenplatzhalter 7"/>
-          <p:cNvSpPr>
-            <a:spLocks noGrp="1"/>
-          </p:cNvSpPr>
-          <p:nvPr>
-            <p:ph type="ftr" sz="quarter" idx="12"/>
-          </p:nvPr>
-        </p:nvSpPr>
-        <p:spPr/>
-        <p:txBody>
-          <a:bodyPr/>
-          <a:lstStyle>
-            <a:lvl1pPr>
-              <a:defRPr>
-                <a:solidFill>
-                  <a:schemeClr val="bg1"/>
-                </a:solidFill>
-              </a:defRPr>
-            </a:lvl1pPr>
-          </a:lstStyle>
-          <a:p>
-            <a:r>
-              <a:rPr lang="de-DE"/>
-              <a:t>Dr. rer. nat. Erika Mustermann (TUM) | kann beliebig erweitert werden | Infos mit Strich trennen</a:t>
-            </a:r>
-            <a:endParaRPr lang="en-US" dirty="0"/>
-          </a:p>
-        </p:txBody>
-      </p:sp>
-      <p:sp>
-        <p:nvSpPr>
-          <p:cNvPr id="5" name="Titel 1"/>
-          <p:cNvSpPr>
-            <a:spLocks noGrp="1"/>
-          </p:cNvSpPr>
-          <p:nvPr>
-            <p:ph type="title" hasCustomPrompt="1"/>
-          </p:nvPr>
-        </p:nvSpPr>
-        <p:spPr>
-          <a:xfrm>
-            <a:off x="319090" y="994334"/>
-            <a:ext cx="8508999" cy="1231106"/>
-          </a:xfrm>
-          <a:prstGeom prst="rect">
-            <a:avLst/>
-          </a:prstGeom>
-          <a:noFill/>
-          <a:ln w="9525">
-            <a:noFill/>
-            <a:miter lim="800000"/>
-            <a:headEnd/>
-            <a:tailEnd/>
-          </a:ln>
-        </p:spPr>
-        <p:txBody>
-          <a:bodyPr vert="horz" wrap="square" lIns="0" tIns="0" rIns="0" bIns="0" numCol="1" anchor="t" anchorCtr="0" compatLnSpc="1">
-            <a:prstTxWarp prst="textNoShape">
-              <a:avLst/>
-            </a:prstTxWarp>
-            <a:spAutoFit/>
-          </a:bodyPr>
-          <a:lstStyle>
-            <a:lvl1pPr>
-              <a:lnSpc>
-                <a:spcPts val="3200"/>
-              </a:lnSpc>
-              <a:defRPr lang="de-DE" sz="3000" baseline="0" noProof="0" dirty="0">
-                <a:solidFill>
-                  <a:schemeClr val="bg1"/>
-                </a:solidFill>
-              </a:defRPr>
-            </a:lvl1pPr>
-          </a:lstStyle>
-          <a:p>
-            <a:pPr lvl="0"/>
-            <a:r>
-              <a:rPr lang="de-DE" noProof="0" dirty="0"/>
-              <a:t>Präsentationsmuster</a:t>
-            </a:r>
-            <a:br>
-              <a:rPr lang="de-DE" noProof="0" dirty="0"/>
-            </a:br>
-            <a:br>
-              <a:rPr lang="de-DE" noProof="0" dirty="0"/>
-            </a:br>
-            <a:r>
-              <a:rPr lang="de-DE" noProof="0" dirty="0"/>
-              <a:t>kann auch als </a:t>
-            </a:r>
-            <a:r>
-              <a:rPr lang="de-DE" noProof="0" dirty="0" err="1"/>
-              <a:t>Kapiteltrenner</a:t>
-            </a:r>
-            <a:r>
-              <a:rPr lang="de-DE" noProof="0" dirty="0"/>
-              <a:t> verwendet werden</a:t>
-            </a:r>
           </a:p>
         </p:txBody>
       </p:sp>
@@ -3362,6 +4017,171 @@
               <a:t>Dr. rer. nat. Erika Mustermann (TUM) | kann beliebig erweitert werden | Infos mit Strich trennen</a:t>
             </a:r>
             <a:endParaRPr lang="en-US" dirty="0"/>
+          </a:p>
+        </p:txBody>
+      </p:sp>
+    </p:spTree>
+    <p:extLst>
+      <p:ext uri="{BB962C8B-B14F-4D97-AF65-F5344CB8AC3E}">
+        <p14:creationId xmlns:p14="http://schemas.microsoft.com/office/powerpoint/2010/main" val="171855092"/>
+      </p:ext>
+    </p:extLst>
+  </p:cSld>
+  <p:clrMapOvr>
+    <a:masterClrMapping/>
+  </p:clrMapOvr>
+</p:sldLayout>
+</file>
+
+<file path=ppt/slideLayouts/slideLayout20.xml><?xml version="1.0" encoding="utf-8"?>
+<p:sldLayout xmlns:a="http://schemas.openxmlformats.org/drawingml/2006/main" xmlns:r="http://schemas.openxmlformats.org/officeDocument/2006/relationships" xmlns:p="http://schemas.openxmlformats.org/presentationml/2006/main" preserve="1" userDrawn="1">
+  <p:cSld name="Kapiteltrenner">
+    <p:spTree>
+      <p:nvGrpSpPr>
+        <p:cNvPr id="1" name=""/>
+        <p:cNvGrpSpPr/>
+        <p:nvPr/>
+      </p:nvGrpSpPr>
+      <p:grpSpPr>
+        <a:xfrm>
+          <a:off x="0" y="0"/>
+          <a:ext cx="0" cy="0"/>
+          <a:chOff x="0" y="0"/>
+          <a:chExt cx="0" cy="0"/>
+        </a:xfrm>
+      </p:grpSpPr>
+      <p:sp>
+        <p:nvSpPr>
+          <p:cNvPr id="6" name="Foliennummernplatzhalter 5"/>
+          <p:cNvSpPr>
+            <a:spLocks noGrp="1"/>
+          </p:cNvSpPr>
+          <p:nvPr>
+            <p:ph type="sldNum" sz="quarter" idx="11"/>
+          </p:nvPr>
+        </p:nvSpPr>
+        <p:spPr/>
+        <p:txBody>
+          <a:bodyPr/>
+          <a:lstStyle>
+            <a:lvl1pPr>
+              <a:defRPr>
+                <a:solidFill>
+                  <a:schemeClr val="bg1"/>
+                </a:solidFill>
+              </a:defRPr>
+            </a:lvl1pPr>
+          </a:lstStyle>
+          <a:p>
+            <a:fld id="{CE58CB1E-F828-4F11-99E0-327109AF9DA4}" type="slidenum">
+              <a:rPr lang="de-DE" smtClean="0"/>
+              <a:pPr/>
+              <a:t>‹Nr.›</a:t>
+            </a:fld>
+            <a:endParaRPr lang="de-DE" dirty="0"/>
+          </a:p>
+        </p:txBody>
+      </p:sp>
+      <p:sp>
+        <p:nvSpPr>
+          <p:cNvPr id="8" name="Fußzeilenplatzhalter 7"/>
+          <p:cNvSpPr>
+            <a:spLocks noGrp="1"/>
+          </p:cNvSpPr>
+          <p:nvPr>
+            <p:ph type="ftr" sz="quarter" idx="12"/>
+          </p:nvPr>
+        </p:nvSpPr>
+        <p:spPr/>
+        <p:txBody>
+          <a:bodyPr/>
+          <a:lstStyle>
+            <a:lvl1pPr>
+              <a:defRPr>
+                <a:solidFill>
+                  <a:schemeClr val="bg1"/>
+                </a:solidFill>
+              </a:defRPr>
+            </a:lvl1pPr>
+          </a:lstStyle>
+          <a:p>
+            <a:r>
+              <a:rPr lang="de-DE"/>
+              <a:t>Dr. rer. nat. Erika Mustermann (TUM) | kann beliebig erweitert werden | Infos mit Strich trennen</a:t>
+            </a:r>
+            <a:endParaRPr lang="en-US" dirty="0"/>
+          </a:p>
+        </p:txBody>
+      </p:sp>
+      <p:sp>
+        <p:nvSpPr>
+          <p:cNvPr id="5" name="Titel 1"/>
+          <p:cNvSpPr>
+            <a:spLocks noGrp="1"/>
+          </p:cNvSpPr>
+          <p:nvPr>
+            <p:ph type="title" hasCustomPrompt="1"/>
+          </p:nvPr>
+        </p:nvSpPr>
+        <p:spPr>
+          <a:xfrm>
+            <a:off x="319090" y="994334"/>
+            <a:ext cx="8508999" cy="1231106"/>
+          </a:xfrm>
+          <a:prstGeom prst="rect">
+            <a:avLst/>
+          </a:prstGeom>
+          <a:noFill/>
+          <a:ln w="9525">
+            <a:noFill/>
+            <a:miter lim="800000"/>
+            <a:headEnd/>
+            <a:tailEnd/>
+          </a:ln>
+        </p:spPr>
+        <p:txBody>
+          <a:bodyPr vert="horz" wrap="square" lIns="0" tIns="0" rIns="0" bIns="0" numCol="1" anchor="t" anchorCtr="0" compatLnSpc="1">
+            <a:prstTxWarp prst="textNoShape">
+              <a:avLst/>
+            </a:prstTxWarp>
+            <a:spAutoFit/>
+          </a:bodyPr>
+          <a:lstStyle>
+            <a:lvl1pPr>
+              <a:lnSpc>
+                <a:spcPts val="3200"/>
+              </a:lnSpc>
+              <a:defRPr lang="de-DE" sz="3000" baseline="0" noProof="0" dirty="0">
+                <a:solidFill>
+                  <a:schemeClr val="bg1"/>
+                </a:solidFill>
+              </a:defRPr>
+            </a:lvl1pPr>
+          </a:lstStyle>
+          <a:p>
+            <a:pPr lvl="0"/>
+            <a:r>
+              <a:rPr lang="de-DE" noProof="0" dirty="0"/>
+              <a:t>Präsentationsmuster</a:t>
+            </a:r>
+            <a:br>
+              <a:rPr lang="de-DE" noProof="0" dirty="0"/>
+            </a:br>
+            <a:br>
+              <a:rPr lang="de-DE" noProof="0" dirty="0"/>
+            </a:br>
+            <a:r>
+              <a:rPr lang="de-DE" noProof="0" dirty="0"/>
+              <a:t>kann auch als </a:t>
+            </a:r>
+            <a:r>
+              <a:rPr lang="de-DE" noProof="0" dirty="0" err="1"/>
+              <a:t>Kapiteltrenner</a:t>
+            </a:r>
+            <a:r>
+              <a:rPr lang="de-DE" noProof="0" dirty="0"/>
+              <a:t> verwendet werden</a:t>
+            </a:r>
           </a:p>
         </p:txBody>
       </p:sp>
@@ -6925,7 +7745,7 @@
           <p:nvPr/>
         </p:nvPicPr>
         <p:blipFill>
-          <a:blip r:embed="rId10"/>
+          <a:blip r:embed="rId12"/>
           <a:stretch>
             <a:fillRect/>
           </a:stretch>
@@ -7031,6 +7851,8 @@
     <p:sldLayoutId id="2147483703" r:id="rId6"/>
     <p:sldLayoutId id="2147483653" r:id="rId7"/>
     <p:sldLayoutId id="2147483656" r:id="rId8"/>
+    <p:sldLayoutId id="2147483719" r:id="rId9"/>
+    <p:sldLayoutId id="2147483720" r:id="rId10"/>
   </p:sldLayoutIdLst>
   <p:hf hdr="0" dt="0"/>
   <p:txStyles>
@@ -8743,6 +9565,519 @@
           <a:prstGeom prst="rect">
             <a:avLst/>
           </a:prstGeom>
+        </p:spPr>
+      </p:pic>
+    </p:spTree>
+  </p:cSld>
+  <p:clrMapOvr>
+    <a:masterClrMapping/>
+  </p:clrMapOvr>
+</p:sld>
+</file>
+
+<file path=ppt/slides/slide10.xml><?xml version="1.0" encoding="utf-8"?>
+<p:sld xmlns:a="http://schemas.openxmlformats.org/drawingml/2006/main" xmlns:r="http://schemas.openxmlformats.org/officeDocument/2006/relationships" xmlns:p="http://schemas.openxmlformats.org/presentationml/2006/main">
+  <p:cSld>
+    <p:spTree>
+      <p:nvGrpSpPr>
+        <p:cNvPr id="1" name=""/>
+        <p:cNvGrpSpPr/>
+        <p:nvPr/>
+      </p:nvGrpSpPr>
+      <p:grpSpPr>
+        <a:xfrm>
+          <a:off x="0" y="0"/>
+          <a:ext cx="0" cy="0"/>
+          <a:chOff x="0" y="0"/>
+          <a:chExt cx="0" cy="0"/>
+        </a:xfrm>
+      </p:grpSpPr>
+      <p:sp>
+        <p:nvSpPr>
+          <p:cNvPr id="2" name="Foliennummernplatzhalter 2">
+            <a:extLst>
+              <a:ext uri="{FF2B5EF4-FFF2-40B4-BE49-F238E27FC236}">
+                <a16:creationId xmlns:a16="http://schemas.microsoft.com/office/drawing/2014/main" id="{88869AAB-E3FA-4901-9D2C-E32FB1477814}"/>
+              </a:ext>
+            </a:extLst>
+          </p:cNvPr>
+          <p:cNvSpPr txBox="1">
+            <a:spLocks noGrp="1"/>
+          </p:cNvSpPr>
+          <p:nvPr>
+            <p:ph type="sldNum" sz="quarter" idx="12"/>
+          </p:nvPr>
+        </p:nvSpPr>
+        <p:spPr>
+          <a:prstGeom prst="rect">
+            <a:avLst/>
+          </a:prstGeom>
+          <a:noFill/>
+          <a:ln>
+            <a:noFill/>
+          </a:ln>
+        </p:spPr>
+        <p:txBody>
+          <a:bodyPr wrap="square" lIns="90000" tIns="45000" rIns="90000" bIns="45000" anchor="t" anchorCtr="0">
+            <a:noAutofit/>
+          </a:bodyPr>
+          <a:lstStyle/>
+          <a:p>
+            <a:pPr lvl="0"/>
+            <a:fld id="{1DD370DC-7811-4802-A910-6C30BB82CA9F}" type="slidenum">
+              <a:t>10</a:t>
+            </a:fld>
+            <a:endParaRPr lang="none-none">
+              <a:solidFill>
+                <a:srgbClr val="000000"/>
+              </a:solidFill>
+              <a:latin typeface="Arial" pitchFamily="18"/>
+              <a:cs typeface="Tahoma" pitchFamily="2"/>
+            </a:endParaRPr>
+          </a:p>
+        </p:txBody>
+      </p:sp>
+      <p:sp>
+        <p:nvSpPr>
+          <p:cNvPr id="4" name="Titel 4">
+            <a:extLst>
+              <a:ext uri="{FF2B5EF4-FFF2-40B4-BE49-F238E27FC236}">
+                <a16:creationId xmlns:a16="http://schemas.microsoft.com/office/drawing/2014/main" id="{3D0AADF0-11E3-472F-8934-D66387E37953}"/>
+              </a:ext>
+            </a:extLst>
+          </p:cNvPr>
+          <p:cNvSpPr txBox="1">
+            <a:spLocks noGrp="1"/>
+          </p:cNvSpPr>
+          <p:nvPr>
+            <p:ph type="title"/>
+          </p:nvPr>
+        </p:nvSpPr>
+        <p:spPr/>
+        <p:txBody>
+          <a:bodyPr lIns="90000" tIns="45000" rIns="90000" bIns="45000">
+            <a:noAutofit/>
+          </a:bodyPr>
+          <a:lstStyle/>
+          <a:p>
+            <a:pPr lvl="0"/>
+            <a:r>
+              <a:rPr lang="de-DE" dirty="0">
+                <a:solidFill>
+                  <a:srgbClr val="000000"/>
+                </a:solidFill>
+                <a:latin typeface="Arial" pitchFamily="18"/>
+                <a:ea typeface="Microsoft YaHei" pitchFamily="2"/>
+                <a:cs typeface="Arial" pitchFamily="2"/>
+              </a:rPr>
+              <a:t>Hex &amp; Spotlight</a:t>
+            </a:r>
+          </a:p>
+        </p:txBody>
+      </p:sp>
+      <p:pic>
+        <p:nvPicPr>
+          <p:cNvPr id="5" name="">
+            <a:extLst>
+              <a:ext uri="{FF2B5EF4-FFF2-40B4-BE49-F238E27FC236}">
+                <a16:creationId xmlns:a16="http://schemas.microsoft.com/office/drawing/2014/main" id="{63EF6FA5-FB0E-491B-9167-480CD4F13640}"/>
+              </a:ext>
+            </a:extLst>
+          </p:cNvPr>
+          <p:cNvPicPr>
+            <a:picLocks noChangeAspect="1"/>
+          </p:cNvPicPr>
+          <p:nvPr/>
+        </p:nvPicPr>
+        <p:blipFill>
+          <a:blip r:embed="rId3">
+            <a:lum/>
+            <a:alphaModFix/>
+          </a:blip>
+          <a:srcRect/>
+          <a:stretch>
+            <a:fillRect/>
+          </a:stretch>
+        </p:blipFill>
+        <p:spPr>
+          <a:xfrm>
+            <a:off x="365760" y="1737359"/>
+            <a:ext cx="3773880" cy="1952639"/>
+          </a:xfrm>
+          <a:prstGeom prst="rect">
+            <a:avLst/>
+          </a:prstGeom>
+          <a:noFill/>
+          <a:ln>
+            <a:noFill/>
+          </a:ln>
+        </p:spPr>
+      </p:pic>
+      <p:pic>
+        <p:nvPicPr>
+          <p:cNvPr id="6" name="">
+            <a:extLst>
+              <a:ext uri="{FF2B5EF4-FFF2-40B4-BE49-F238E27FC236}">
+                <a16:creationId xmlns:a16="http://schemas.microsoft.com/office/drawing/2014/main" id="{072DC461-C7AD-48C5-A766-9466809DB368}"/>
+              </a:ext>
+            </a:extLst>
+          </p:cNvPr>
+          <p:cNvPicPr>
+            <a:picLocks noChangeAspect="1"/>
+          </p:cNvPicPr>
+          <p:nvPr/>
+        </p:nvPicPr>
+        <p:blipFill>
+          <a:blip r:embed="rId4">
+            <a:lum/>
+            <a:alphaModFix/>
+          </a:blip>
+          <a:srcRect/>
+          <a:stretch>
+            <a:fillRect/>
+          </a:stretch>
+        </p:blipFill>
+        <p:spPr>
+          <a:xfrm>
+            <a:off x="4952880" y="1020959"/>
+            <a:ext cx="2819520" cy="1905120"/>
+          </a:xfrm>
+          <a:prstGeom prst="rect">
+            <a:avLst/>
+          </a:prstGeom>
+          <a:noFill/>
+          <a:ln>
+            <a:noFill/>
+          </a:ln>
+        </p:spPr>
+      </p:pic>
+      <p:pic>
+        <p:nvPicPr>
+          <p:cNvPr id="7" name="">
+            <a:extLst>
+              <a:ext uri="{FF2B5EF4-FFF2-40B4-BE49-F238E27FC236}">
+                <a16:creationId xmlns:a16="http://schemas.microsoft.com/office/drawing/2014/main" id="{F75EA2A3-A48F-4D1E-8054-0E7C6F30838D}"/>
+              </a:ext>
+            </a:extLst>
+          </p:cNvPr>
+          <p:cNvPicPr>
+            <a:picLocks noChangeAspect="1"/>
+          </p:cNvPicPr>
+          <p:nvPr/>
+        </p:nvPicPr>
+        <p:blipFill>
+          <a:blip r:embed="rId5">
+            <a:lum/>
+            <a:alphaModFix/>
+          </a:blip>
+          <a:srcRect/>
+          <a:stretch>
+            <a:fillRect/>
+          </a:stretch>
+        </p:blipFill>
+        <p:spPr>
+          <a:xfrm>
+            <a:off x="457200" y="3931920"/>
+            <a:ext cx="3610079" cy="923759"/>
+          </a:xfrm>
+          <a:prstGeom prst="rect">
+            <a:avLst/>
+          </a:prstGeom>
+          <a:noFill/>
+          <a:ln>
+            <a:noFill/>
+          </a:ln>
+        </p:spPr>
+      </p:pic>
+      <p:pic>
+        <p:nvPicPr>
+          <p:cNvPr id="8" name="">
+            <a:extLst>
+              <a:ext uri="{FF2B5EF4-FFF2-40B4-BE49-F238E27FC236}">
+                <a16:creationId xmlns:a16="http://schemas.microsoft.com/office/drawing/2014/main" id="{B1F61D88-E1ED-4F30-B573-E9595DBA511F}"/>
+              </a:ext>
+            </a:extLst>
+          </p:cNvPr>
+          <p:cNvPicPr>
+            <a:picLocks noChangeAspect="1"/>
+          </p:cNvPicPr>
+          <p:nvPr/>
+        </p:nvPicPr>
+        <p:blipFill>
+          <a:blip r:embed="rId6">
+            <a:lum/>
+            <a:alphaModFix/>
+          </a:blip>
+          <a:srcRect/>
+          <a:stretch>
+            <a:fillRect/>
+          </a:stretch>
+        </p:blipFill>
+        <p:spPr>
+          <a:xfrm>
+            <a:off x="4223520" y="3114720"/>
+            <a:ext cx="4829040" cy="3286079"/>
+          </a:xfrm>
+          <a:prstGeom prst="rect">
+            <a:avLst/>
+          </a:prstGeom>
+          <a:noFill/>
+          <a:ln>
+            <a:noFill/>
+          </a:ln>
+        </p:spPr>
+      </p:pic>
+      <p:pic>
+        <p:nvPicPr>
+          <p:cNvPr id="9" name="">
+            <a:extLst>
+              <a:ext uri="{FF2B5EF4-FFF2-40B4-BE49-F238E27FC236}">
+                <a16:creationId xmlns:a16="http://schemas.microsoft.com/office/drawing/2014/main" id="{E1845835-1804-4B79-BA3D-C2935ABDFCE7}"/>
+              </a:ext>
+            </a:extLst>
+          </p:cNvPr>
+          <p:cNvPicPr>
+            <a:picLocks noChangeAspect="1"/>
+          </p:cNvPicPr>
+          <p:nvPr/>
+        </p:nvPicPr>
+        <p:blipFill>
+          <a:blip r:embed="rId7">
+            <a:lum/>
+            <a:alphaModFix/>
+          </a:blip>
+          <a:srcRect/>
+          <a:stretch>
+            <a:fillRect/>
+          </a:stretch>
+        </p:blipFill>
+        <p:spPr>
+          <a:xfrm>
+            <a:off x="182880" y="4937760"/>
+            <a:ext cx="3918600" cy="1448999"/>
+          </a:xfrm>
+          <a:prstGeom prst="rect">
+            <a:avLst/>
+          </a:prstGeom>
+          <a:noFill/>
+          <a:ln>
+            <a:noFill/>
+          </a:ln>
+        </p:spPr>
+      </p:pic>
+    </p:spTree>
+  </p:cSld>
+  <p:clrMapOvr>
+    <a:masterClrMapping/>
+  </p:clrMapOvr>
+</p:sld>
+</file>
+
+<file path=ppt/slides/slide11.xml><?xml version="1.0" encoding="utf-8"?>
+<p:sld xmlns:a="http://schemas.openxmlformats.org/drawingml/2006/main" xmlns:r="http://schemas.openxmlformats.org/officeDocument/2006/relationships" xmlns:p="http://schemas.openxmlformats.org/presentationml/2006/main">
+  <p:cSld>
+    <p:spTree>
+      <p:nvGrpSpPr>
+        <p:cNvPr id="1" name=""/>
+        <p:cNvGrpSpPr/>
+        <p:nvPr/>
+      </p:nvGrpSpPr>
+      <p:grpSpPr>
+        <a:xfrm>
+          <a:off x="0" y="0"/>
+          <a:ext cx="0" cy="0"/>
+          <a:chOff x="0" y="0"/>
+          <a:chExt cx="0" cy="0"/>
+        </a:xfrm>
+      </p:grpSpPr>
+      <p:sp>
+        <p:nvSpPr>
+          <p:cNvPr id="2" name="Foliennummernplatzhalter 2">
+            <a:extLst>
+              <a:ext uri="{FF2B5EF4-FFF2-40B4-BE49-F238E27FC236}">
+                <a16:creationId xmlns:a16="http://schemas.microsoft.com/office/drawing/2014/main" id="{631AAABF-53A2-4E26-B566-A06B6FA358CB}"/>
+              </a:ext>
+            </a:extLst>
+          </p:cNvPr>
+          <p:cNvSpPr txBox="1">
+            <a:spLocks noGrp="1"/>
+          </p:cNvSpPr>
+          <p:nvPr>
+            <p:ph type="sldNum" sz="quarter" idx="12"/>
+          </p:nvPr>
+        </p:nvSpPr>
+        <p:spPr>
+          <a:prstGeom prst="rect">
+            <a:avLst/>
+          </a:prstGeom>
+          <a:noFill/>
+          <a:ln>
+            <a:noFill/>
+          </a:ln>
+        </p:spPr>
+        <p:txBody>
+          <a:bodyPr wrap="square" lIns="90000" tIns="45000" rIns="90000" bIns="45000" anchor="t" anchorCtr="0">
+            <a:noAutofit/>
+          </a:bodyPr>
+          <a:lstStyle/>
+          <a:p>
+            <a:pPr lvl="0"/>
+            <a:fld id="{ABBF954C-602B-485D-AC6A-17177249C0E2}" type="slidenum">
+              <a:t>11</a:t>
+            </a:fld>
+            <a:endParaRPr lang="none-none">
+              <a:solidFill>
+                <a:srgbClr val="000000"/>
+              </a:solidFill>
+              <a:latin typeface="Arial" pitchFamily="18"/>
+              <a:cs typeface="Tahoma" pitchFamily="2"/>
+            </a:endParaRPr>
+          </a:p>
+        </p:txBody>
+      </p:sp>
+      <p:sp>
+        <p:nvSpPr>
+          <p:cNvPr id="4" name="Titel 4">
+            <a:extLst>
+              <a:ext uri="{FF2B5EF4-FFF2-40B4-BE49-F238E27FC236}">
+                <a16:creationId xmlns:a16="http://schemas.microsoft.com/office/drawing/2014/main" id="{2A05C983-65FB-4EE6-93EC-E4052F202E4C}"/>
+              </a:ext>
+            </a:extLst>
+          </p:cNvPr>
+          <p:cNvSpPr txBox="1">
+            <a:spLocks noGrp="1"/>
+          </p:cNvSpPr>
+          <p:nvPr>
+            <p:ph type="title"/>
+          </p:nvPr>
+        </p:nvSpPr>
+        <p:spPr>
+          <a:xfrm>
+            <a:off x="319090" y="994334"/>
+            <a:ext cx="8508999" cy="520335"/>
+          </a:xfrm>
+          <a:prstGeom prst="rect">
+            <a:avLst/>
+          </a:prstGeom>
+          <a:noFill/>
+          <a:ln>
+            <a:noFill/>
+          </a:ln>
+        </p:spPr>
+        <p:txBody>
+          <a:bodyPr vert="horz" wrap="square" lIns="0" tIns="0" rIns="0" bIns="0" anchor="t">
+            <a:spAutoFit/>
+          </a:bodyPr>
+          <a:lstStyle>
+            <a:lvl1pPr lvl="0" algn="l" rtl="0" hangingPunct="0">
+              <a:lnSpc>
+                <a:spcPct val="125000"/>
+              </a:lnSpc>
+              <a:spcBef>
+                <a:spcPts val="0"/>
+              </a:spcBef>
+              <a:spcAft>
+                <a:spcPts val="0"/>
+              </a:spcAft>
+              <a:buNone/>
+              <a:tabLst/>
+              <a:defRPr lang="de-DE" sz="3000" b="0" i="0" u="none" strike="noStrike" kern="1200" spc="0">
+                <a:ln>
+                  <a:noFill/>
+                </a:ln>
+                <a:solidFill>
+                  <a:srgbClr val="000000"/>
+                </a:solidFill>
+                <a:latin typeface="Arial" pitchFamily="18"/>
+                <a:ea typeface="Microsoft YaHei" pitchFamily="2"/>
+                <a:cs typeface="Arial" pitchFamily="2"/>
+              </a:defRPr>
+            </a:lvl1pPr>
+          </a:lstStyle>
+          <a:p>
+            <a:pPr lvl="0"/>
+            <a:r>
+              <a:rPr lang="de-DE" dirty="0"/>
+              <a:t>Vortex aka Gruben</a:t>
+            </a:r>
+            <a:endParaRPr lang="de-DE" sz="2200" b="1" dirty="0"/>
+          </a:p>
+        </p:txBody>
+      </p:sp>
+      <p:pic>
+        <p:nvPicPr>
+          <p:cNvPr id="5" name="">
+            <a:extLst>
+              <a:ext uri="{FF2B5EF4-FFF2-40B4-BE49-F238E27FC236}">
+                <a16:creationId xmlns:a16="http://schemas.microsoft.com/office/drawing/2014/main" id="{22191A56-91E7-4C29-9BFD-916049392C7B}"/>
+              </a:ext>
+            </a:extLst>
+          </p:cNvPr>
+          <p:cNvPicPr>
+            <a:picLocks noChangeAspect="1"/>
+          </p:cNvPicPr>
+          <p:nvPr/>
+        </p:nvPicPr>
+        <p:blipFill>
+          <a:blip r:embed="rId3">
+            <a:lum/>
+            <a:alphaModFix/>
+          </a:blip>
+          <a:srcRect/>
+          <a:stretch>
+            <a:fillRect/>
+          </a:stretch>
+        </p:blipFill>
+        <p:spPr>
+          <a:xfrm>
+            <a:off x="731519" y="1737359"/>
+            <a:ext cx="1695600" cy="1581119"/>
+          </a:xfrm>
+          <a:prstGeom prst="rect">
+            <a:avLst/>
+          </a:prstGeom>
+          <a:noFill/>
+          <a:ln>
+            <a:noFill/>
+          </a:ln>
+        </p:spPr>
+      </p:pic>
+      <p:pic>
+        <p:nvPicPr>
+          <p:cNvPr id="6" name="">
+            <a:extLst>
+              <a:ext uri="{FF2B5EF4-FFF2-40B4-BE49-F238E27FC236}">
+                <a16:creationId xmlns:a16="http://schemas.microsoft.com/office/drawing/2014/main" id="{DF3BC955-2D57-4515-A0CB-A6E4A367CBCD}"/>
+              </a:ext>
+            </a:extLst>
+          </p:cNvPr>
+          <p:cNvPicPr>
+            <a:picLocks noChangeAspect="1"/>
+          </p:cNvPicPr>
+          <p:nvPr/>
+        </p:nvPicPr>
+        <p:blipFill>
+          <a:blip r:embed="rId4">
+            <a:lum/>
+            <a:alphaModFix/>
+          </a:blip>
+          <a:srcRect/>
+          <a:stretch>
+            <a:fillRect/>
+          </a:stretch>
+        </p:blipFill>
+        <p:spPr>
+          <a:xfrm>
+            <a:off x="640080" y="3474720"/>
+            <a:ext cx="7589519" cy="2468880"/>
+          </a:xfrm>
+          <a:prstGeom prst="rect">
+            <a:avLst/>
+          </a:prstGeom>
+          <a:noFill/>
+          <a:ln>
+            <a:noFill/>
+          </a:ln>
         </p:spPr>
       </p:pic>
     </p:spTree>
@@ -11342,7 +12677,12 @@
             <p:ph idx="1"/>
           </p:nvPr>
         </p:nvSpPr>
-        <p:spPr/>
+        <p:spPr>
+          <a:xfrm>
+            <a:off x="319090" y="1762188"/>
+            <a:ext cx="3979525" cy="4699572"/>
+          </a:xfrm>
+        </p:spPr>
         <p:txBody>
           <a:bodyPr/>
           <a:lstStyle/>
@@ -11358,14 +12698,52 @@
             <a:endParaRPr lang="de-DE" dirty="0"/>
           </a:p>
           <a:p>
-            <a:pPr marL="285750" indent="-285750">
-              <a:buFont typeface="Arial" panose="020B0604020202020204" pitchFamily="34" charset="0"/>
-              <a:buChar char="•"/>
-            </a:pPr>
             <a:r>
               <a:rPr lang="de-DE" dirty="0"/>
-              <a:t>Vertices werden nach außen gezogen</a:t>
-            </a:r>
+              <a:t>→ Vertices werden nach außen gezogen</a:t>
+            </a:r>
+          </a:p>
+          <a:p>
+            <a:endParaRPr lang="de-DE" dirty="0"/>
+          </a:p>
+          <a:p>
+            <a:endParaRPr lang="de-DE" dirty="0"/>
+          </a:p>
+          <a:p>
+            <a:endParaRPr lang="de-DE" dirty="0"/>
+          </a:p>
+          <a:p>
+            <a:endParaRPr lang="de-DE" dirty="0"/>
+          </a:p>
+          <a:p>
+            <a:endParaRPr lang="de-DE" dirty="0"/>
+          </a:p>
+          <a:p>
+            <a:endParaRPr lang="de-DE" dirty="0"/>
+          </a:p>
+          <a:p>
+            <a:endParaRPr lang="de-DE" dirty="0"/>
+          </a:p>
+          <a:p>
+            <a:endParaRPr lang="de-DE" dirty="0"/>
+          </a:p>
+          <a:p>
+            <a:r>
+              <a:rPr lang="de-DE"/>
+              <a:t>→ </a:t>
+            </a:r>
+            <a:r>
+              <a:rPr lang="de-DE" dirty="0"/>
+              <a:t>Rest ähnlich zum </a:t>
+            </a:r>
+            <a:r>
+              <a:rPr lang="de-DE" dirty="0" err="1"/>
+              <a:t>ShieldShader</a:t>
+            </a:r>
+            <a:endParaRPr lang="de-DE" dirty="0"/>
+          </a:p>
+          <a:p>
+            <a:endParaRPr lang="de-DE" dirty="0"/>
           </a:p>
         </p:txBody>
       </p:sp>
@@ -11427,6 +12805,96 @@
           </a:p>
         </p:txBody>
       </p:sp>
+      <p:pic>
+        <p:nvPicPr>
+          <p:cNvPr id="6" name="Grafik 5">
+            <a:extLst>
+              <a:ext uri="{FF2B5EF4-FFF2-40B4-BE49-F238E27FC236}">
+                <a16:creationId xmlns:a16="http://schemas.microsoft.com/office/drawing/2014/main" id="{445C3DC1-5573-4121-9769-F542539B8F7D}"/>
+              </a:ext>
+            </a:extLst>
+          </p:cNvPr>
+          <p:cNvPicPr>
+            <a:picLocks noChangeAspect="1"/>
+          </p:cNvPicPr>
+          <p:nvPr/>
+        </p:nvPicPr>
+        <p:blipFill>
+          <a:blip r:embed="rId2"/>
+          <a:stretch>
+            <a:fillRect/>
+          </a:stretch>
+        </p:blipFill>
+        <p:spPr>
+          <a:xfrm>
+            <a:off x="79379" y="2402159"/>
+            <a:ext cx="4219236" cy="2053681"/>
+          </a:xfrm>
+          <a:prstGeom prst="rect">
+            <a:avLst/>
+          </a:prstGeom>
+        </p:spPr>
+      </p:pic>
+      <p:pic>
+        <p:nvPicPr>
+          <p:cNvPr id="7" name="Grafik 6">
+            <a:extLst>
+              <a:ext uri="{FF2B5EF4-FFF2-40B4-BE49-F238E27FC236}">
+                <a16:creationId xmlns:a16="http://schemas.microsoft.com/office/drawing/2014/main" id="{20586562-A5DF-41B5-8D47-53F8090CBAED}"/>
+              </a:ext>
+            </a:extLst>
+          </p:cNvPr>
+          <p:cNvPicPr>
+            <a:picLocks noChangeAspect="1"/>
+          </p:cNvPicPr>
+          <p:nvPr/>
+        </p:nvPicPr>
+        <p:blipFill>
+          <a:blip r:embed="rId2"/>
+          <a:stretch>
+            <a:fillRect/>
+          </a:stretch>
+        </p:blipFill>
+        <p:spPr>
+          <a:xfrm>
+            <a:off x="135526" y="2402159"/>
+            <a:ext cx="4219236" cy="2053681"/>
+          </a:xfrm>
+          <a:prstGeom prst="rect">
+            <a:avLst/>
+          </a:prstGeom>
+        </p:spPr>
+      </p:pic>
+      <p:pic>
+        <p:nvPicPr>
+          <p:cNvPr id="4" name="Grafik 3">
+            <a:extLst>
+              <a:ext uri="{FF2B5EF4-FFF2-40B4-BE49-F238E27FC236}">
+                <a16:creationId xmlns:a16="http://schemas.microsoft.com/office/drawing/2014/main" id="{690E1030-278C-411D-A092-B68302BF2598}"/>
+              </a:ext>
+            </a:extLst>
+          </p:cNvPr>
+          <p:cNvPicPr>
+            <a:picLocks noChangeAspect="1"/>
+          </p:cNvPicPr>
+          <p:nvPr/>
+        </p:nvPicPr>
+        <p:blipFill>
+          <a:blip r:embed="rId3"/>
+          <a:stretch>
+            <a:fillRect/>
+          </a:stretch>
+        </p:blipFill>
+        <p:spPr>
+          <a:xfrm>
+            <a:off x="4298615" y="1762188"/>
+            <a:ext cx="4526295" cy="3042130"/>
+          </a:xfrm>
+          <a:prstGeom prst="rect">
+            <a:avLst/>
+          </a:prstGeom>
+        </p:spPr>
+      </p:pic>
     </p:spTree>
     <p:extLst>
       <p:ext uri="{BB962C8B-B14F-4D97-AF65-F5344CB8AC3E}">
@@ -11473,11 +12941,21 @@
             <p:ph idx="1"/>
           </p:nvPr>
         </p:nvSpPr>
-        <p:spPr/>
+        <p:spPr>
+          <a:xfrm>
+            <a:off x="319091" y="1762188"/>
+            <a:ext cx="4004256" cy="4699572"/>
+          </a:xfrm>
+        </p:spPr>
         <p:txBody>
           <a:bodyPr/>
           <a:lstStyle/>
           <a:p>
+            <a:pPr>
+              <a:lnSpc>
+                <a:spcPct val="150000"/>
+              </a:lnSpc>
+            </a:pPr>
             <a:r>
               <a:rPr lang="de-DE" dirty="0" err="1"/>
               <a:t>Geometry</a:t>
@@ -11494,6 +12972,9 @@
           </a:p>
           <a:p>
             <a:pPr marL="285750" indent="-285750">
+              <a:lnSpc>
+                <a:spcPct val="100000"/>
+              </a:lnSpc>
               <a:buFont typeface="Arial" panose="020B0604020202020204" pitchFamily="34" charset="0"/>
               <a:buChar char="•"/>
             </a:pPr>
@@ -11512,6 +12993,9 @@
           </a:p>
           <a:p>
             <a:pPr marL="461963" lvl="1" indent="-285750">
+              <a:lnSpc>
+                <a:spcPct val="150000"/>
+              </a:lnSpc>
               <a:buFont typeface="Arial" panose="020B0604020202020204" pitchFamily="34" charset="0"/>
               <a:buChar char="•"/>
             </a:pPr>
@@ -11526,6 +13010,9 @@
           </a:p>
           <a:p>
             <a:pPr marL="461963" lvl="1" indent="-285750">
+              <a:lnSpc>
+                <a:spcPct val="150000"/>
+              </a:lnSpc>
               <a:buFont typeface="Arial" panose="020B0604020202020204" pitchFamily="34" charset="0"/>
               <a:buChar char="•"/>
             </a:pPr>
@@ -11541,6 +13028,9 @@
           </a:p>
           <a:p>
             <a:pPr marL="461963" lvl="1" indent="-285750">
+              <a:lnSpc>
+                <a:spcPct val="150000"/>
+              </a:lnSpc>
               <a:buFont typeface="Arial" panose="020B0604020202020204" pitchFamily="34" charset="0"/>
               <a:buChar char="•"/>
             </a:pPr>
@@ -11550,20 +13040,56 @@
             </a:r>
           </a:p>
           <a:p>
-            <a:pPr marL="285750" indent="-285750">
+            <a:pPr marL="461963" lvl="1" indent="-285750">
+              <a:lnSpc>
+                <a:spcPct val="150000"/>
+              </a:lnSpc>
               <a:buFont typeface="Arial" panose="020B0604020202020204" pitchFamily="34" charset="0"/>
               <a:buChar char="•"/>
             </a:pPr>
-            <a:r>
-              <a:rPr lang="de-DE" dirty="0"/>
-              <a:t>Quad wird anhand von v0 und v1 gezeichnet</a:t>
-            </a:r>
+            <a:endParaRPr lang="de-DE" dirty="0"/>
           </a:p>
           <a:p>
             <a:pPr marL="461963" lvl="1" indent="-285750">
+              <a:lnSpc>
+                <a:spcPct val="150000"/>
+              </a:lnSpc>
               <a:buFont typeface="Arial" panose="020B0604020202020204" pitchFamily="34" charset="0"/>
               <a:buChar char="•"/>
             </a:pPr>
+            <a:endParaRPr lang="de-DE" dirty="0"/>
+          </a:p>
+          <a:p>
+            <a:pPr marL="461963" lvl="1" indent="-285750">
+              <a:lnSpc>
+                <a:spcPct val="150000"/>
+              </a:lnSpc>
+              <a:buFont typeface="Arial" panose="020B0604020202020204" pitchFamily="34" charset="0"/>
+              <a:buChar char="•"/>
+            </a:pPr>
+            <a:endParaRPr lang="de-DE" dirty="0"/>
+          </a:p>
+          <a:p>
+            <a:pPr marL="285750" indent="-285750">
+              <a:lnSpc>
+                <a:spcPct val="100000"/>
+              </a:lnSpc>
+              <a:buFont typeface="Arial" panose="020B0604020202020204" pitchFamily="34" charset="0"/>
+              <a:buChar char="•"/>
+            </a:pPr>
+            <a:r>
+              <a:rPr lang="de-DE" dirty="0"/>
+              <a:t>Quad wird anhand von v0 und v1 gezeichnet</a:t>
+            </a:r>
+          </a:p>
+          <a:p>
+            <a:pPr marL="461963" lvl="1" indent="-285750">
+              <a:lnSpc>
+                <a:spcPct val="150000"/>
+              </a:lnSpc>
+              <a:buFont typeface="Arial" panose="020B0604020202020204" pitchFamily="34" charset="0"/>
+              <a:buChar char="•"/>
+            </a:pPr>
             <a:r>
               <a:rPr lang="de-DE" dirty="0"/>
               <a:t>V1 wird passend zu </a:t>
@@ -11573,10 +13099,9 @@
               <a:t>Camera</a:t>
             </a:r>
             <a:r>
-              <a:rPr lang="de-DE"/>
+              <a:rPr lang="de-DE" dirty="0"/>
               <a:t> berechnet</a:t>
             </a:r>
-            <a:endParaRPr lang="de-DE" dirty="0"/>
           </a:p>
         </p:txBody>
       </p:sp>
@@ -11638,12 +13163,735 @@
           </a:p>
         </p:txBody>
       </p:sp>
+      <p:pic>
+        <p:nvPicPr>
+          <p:cNvPr id="4" name="Grafik 3">
+            <a:extLst>
+              <a:ext uri="{FF2B5EF4-FFF2-40B4-BE49-F238E27FC236}">
+                <a16:creationId xmlns:a16="http://schemas.microsoft.com/office/drawing/2014/main" id="{AD95D628-D518-499D-AABC-6A8E32AFB125}"/>
+              </a:ext>
+            </a:extLst>
+          </p:cNvPr>
+          <p:cNvPicPr>
+            <a:picLocks noChangeAspect="1"/>
+          </p:cNvPicPr>
+          <p:nvPr/>
+        </p:nvPicPr>
+        <p:blipFill>
+          <a:blip r:embed="rId2"/>
+          <a:stretch>
+            <a:fillRect/>
+          </a:stretch>
+        </p:blipFill>
+        <p:spPr>
+          <a:xfrm>
+            <a:off x="4379495" y="1404704"/>
+            <a:ext cx="4276972" cy="2838434"/>
+          </a:xfrm>
+          <a:prstGeom prst="rect">
+            <a:avLst/>
+          </a:prstGeom>
+        </p:spPr>
+      </p:pic>
+      <p:pic>
+        <p:nvPicPr>
+          <p:cNvPr id="7" name="Grafik 6">
+            <a:extLst>
+              <a:ext uri="{FF2B5EF4-FFF2-40B4-BE49-F238E27FC236}">
+                <a16:creationId xmlns:a16="http://schemas.microsoft.com/office/drawing/2014/main" id="{D065628F-F340-42C7-9C53-F8FF78A361D3}"/>
+              </a:ext>
+            </a:extLst>
+          </p:cNvPr>
+          <p:cNvPicPr>
+            <a:picLocks noChangeAspect="1"/>
+          </p:cNvPicPr>
+          <p:nvPr/>
+        </p:nvPicPr>
+        <p:blipFill>
+          <a:blip r:embed="rId3"/>
+          <a:stretch>
+            <a:fillRect/>
+          </a:stretch>
+        </p:blipFill>
+        <p:spPr>
+          <a:xfrm>
+            <a:off x="3756379" y="4090737"/>
+            <a:ext cx="3477011" cy="3477011"/>
+          </a:xfrm>
+          <a:prstGeom prst="rect">
+            <a:avLst/>
+          </a:prstGeom>
+        </p:spPr>
+      </p:pic>
+      <p:pic>
+        <p:nvPicPr>
+          <p:cNvPr id="9" name="Grafik 8">
+            <a:extLst>
+              <a:ext uri="{FF2B5EF4-FFF2-40B4-BE49-F238E27FC236}">
+                <a16:creationId xmlns:a16="http://schemas.microsoft.com/office/drawing/2014/main" id="{AC3A69E8-E176-49D5-B252-1B3C1713AA0F}"/>
+              </a:ext>
+            </a:extLst>
+          </p:cNvPr>
+          <p:cNvPicPr>
+            <a:picLocks noChangeAspect="1"/>
+          </p:cNvPicPr>
+          <p:nvPr/>
+        </p:nvPicPr>
+        <p:blipFill>
+          <a:blip r:embed="rId4"/>
+          <a:stretch>
+            <a:fillRect/>
+          </a:stretch>
+        </p:blipFill>
+        <p:spPr>
+          <a:xfrm>
+            <a:off x="6671643" y="4311429"/>
+            <a:ext cx="2546571" cy="2546571"/>
+          </a:xfrm>
+          <a:prstGeom prst="rect">
+            <a:avLst/>
+          </a:prstGeom>
+        </p:spPr>
+      </p:pic>
     </p:spTree>
     <p:extLst>
       <p:ext uri="{BB962C8B-B14F-4D97-AF65-F5344CB8AC3E}">
         <p14:creationId xmlns:p14="http://schemas.microsoft.com/office/powerpoint/2010/main" val="1854650698"/>
       </p:ext>
     </p:extLst>
+  </p:cSld>
+  <p:clrMapOvr>
+    <a:masterClrMapping/>
+  </p:clrMapOvr>
+</p:sld>
+</file>
+
+<file path=ppt/slides/slide7.xml><?xml version="1.0" encoding="utf-8"?>
+<p:sld xmlns:a="http://schemas.openxmlformats.org/drawingml/2006/main" xmlns:r="http://schemas.openxmlformats.org/officeDocument/2006/relationships" xmlns:p="http://schemas.openxmlformats.org/presentationml/2006/main">
+  <p:cSld>
+    <p:spTree>
+      <p:nvGrpSpPr>
+        <p:cNvPr id="1" name=""/>
+        <p:cNvGrpSpPr/>
+        <p:nvPr/>
+      </p:nvGrpSpPr>
+      <p:grpSpPr>
+        <a:xfrm>
+          <a:off x="0" y="0"/>
+          <a:ext cx="0" cy="0"/>
+          <a:chOff x="0" y="0"/>
+          <a:chExt cx="0" cy="0"/>
+        </a:xfrm>
+      </p:grpSpPr>
+      <p:sp>
+        <p:nvSpPr>
+          <p:cNvPr id="2" name="Foliennummernplatzhalter 2">
+            <a:extLst>
+              <a:ext uri="{FF2B5EF4-FFF2-40B4-BE49-F238E27FC236}">
+                <a16:creationId xmlns:a16="http://schemas.microsoft.com/office/drawing/2014/main" id="{AEE0C5CF-B5C0-421E-92E8-AABDD747FDEB}"/>
+              </a:ext>
+            </a:extLst>
+          </p:cNvPr>
+          <p:cNvSpPr txBox="1">
+            <a:spLocks noGrp="1"/>
+          </p:cNvSpPr>
+          <p:nvPr>
+            <p:ph type="sldNum" sz="quarter" idx="12"/>
+          </p:nvPr>
+        </p:nvSpPr>
+        <p:spPr>
+          <a:prstGeom prst="rect">
+            <a:avLst/>
+          </a:prstGeom>
+          <a:noFill/>
+          <a:ln>
+            <a:noFill/>
+          </a:ln>
+        </p:spPr>
+        <p:txBody>
+          <a:bodyPr wrap="square" lIns="90000" tIns="45000" rIns="90000" bIns="45000" anchor="t" anchorCtr="0">
+            <a:noAutofit/>
+          </a:bodyPr>
+          <a:lstStyle/>
+          <a:p>
+            <a:pPr lvl="0"/>
+            <a:fld id="{5E4BFB7E-DC8F-447B-AB91-323925233CBD}" type="slidenum">
+              <a:t>7</a:t>
+            </a:fld>
+            <a:endParaRPr lang="none-none">
+              <a:solidFill>
+                <a:srgbClr val="000000"/>
+              </a:solidFill>
+              <a:latin typeface="Arial" pitchFamily="18"/>
+              <a:cs typeface="Tahoma" pitchFamily="2"/>
+            </a:endParaRPr>
+          </a:p>
+        </p:txBody>
+      </p:sp>
+      <p:sp>
+        <p:nvSpPr>
+          <p:cNvPr id="4" name="Titel 4">
+            <a:extLst>
+              <a:ext uri="{FF2B5EF4-FFF2-40B4-BE49-F238E27FC236}">
+                <a16:creationId xmlns:a16="http://schemas.microsoft.com/office/drawing/2014/main" id="{E29480DF-C9AF-4063-A5FB-99673CBB9E0C}"/>
+              </a:ext>
+            </a:extLst>
+          </p:cNvPr>
+          <p:cNvSpPr txBox="1">
+            <a:spLocks noGrp="1"/>
+          </p:cNvSpPr>
+          <p:nvPr>
+            <p:ph type="title"/>
+          </p:nvPr>
+        </p:nvSpPr>
+        <p:spPr>
+          <a:xfrm>
+            <a:off x="420840" y="966990"/>
+            <a:ext cx="8508999" cy="410369"/>
+          </a:xfrm>
+        </p:spPr>
+        <p:txBody>
+          <a:bodyPr lIns="90000" tIns="45000" rIns="90000" bIns="45000">
+            <a:noAutofit/>
+          </a:bodyPr>
+          <a:lstStyle/>
+          <a:p>
+            <a:pPr lvl="0"/>
+            <a:r>
+              <a:rPr lang="de-DE" dirty="0" err="1"/>
+              <a:t>Flag</a:t>
+            </a:r>
+            <a:endParaRPr lang="de-DE" dirty="0"/>
+          </a:p>
+        </p:txBody>
+      </p:sp>
+      <p:pic>
+        <p:nvPicPr>
+          <p:cNvPr id="5" name="">
+            <a:extLst>
+              <a:ext uri="{FF2B5EF4-FFF2-40B4-BE49-F238E27FC236}">
+                <a16:creationId xmlns:a16="http://schemas.microsoft.com/office/drawing/2014/main" id="{61444C70-F080-4CD9-A4B0-2529E462B853}"/>
+              </a:ext>
+            </a:extLst>
+          </p:cNvPr>
+          <p:cNvPicPr>
+            <a:picLocks noChangeAspect="1"/>
+          </p:cNvPicPr>
+          <p:nvPr/>
+        </p:nvPicPr>
+        <p:blipFill>
+          <a:blip r:embed="rId3">
+            <a:lum/>
+            <a:alphaModFix/>
+          </a:blip>
+          <a:srcRect/>
+          <a:stretch>
+            <a:fillRect/>
+          </a:stretch>
+        </p:blipFill>
+        <p:spPr>
+          <a:xfrm>
+            <a:off x="420840" y="1813680"/>
+            <a:ext cx="2048040" cy="1843919"/>
+          </a:xfrm>
+          <a:prstGeom prst="rect">
+            <a:avLst/>
+          </a:prstGeom>
+          <a:noFill/>
+          <a:ln>
+            <a:noFill/>
+          </a:ln>
+        </p:spPr>
+      </p:pic>
+      <p:pic>
+        <p:nvPicPr>
+          <p:cNvPr id="6" name="">
+            <a:extLst>
+              <a:ext uri="{FF2B5EF4-FFF2-40B4-BE49-F238E27FC236}">
+                <a16:creationId xmlns:a16="http://schemas.microsoft.com/office/drawing/2014/main" id="{42A223C0-AAE9-4AB9-A37D-FE2AF07A4A4C}"/>
+              </a:ext>
+            </a:extLst>
+          </p:cNvPr>
+          <p:cNvPicPr>
+            <a:picLocks noChangeAspect="1"/>
+          </p:cNvPicPr>
+          <p:nvPr/>
+        </p:nvPicPr>
+        <p:blipFill>
+          <a:blip r:embed="rId4">
+            <a:lum/>
+            <a:alphaModFix/>
+          </a:blip>
+          <a:srcRect/>
+          <a:stretch>
+            <a:fillRect/>
+          </a:stretch>
+        </p:blipFill>
+        <p:spPr>
+          <a:xfrm>
+            <a:off x="420840" y="4344510"/>
+            <a:ext cx="8540280" cy="410370"/>
+          </a:xfrm>
+          <a:prstGeom prst="rect">
+            <a:avLst/>
+          </a:prstGeom>
+          <a:noFill/>
+          <a:ln>
+            <a:noFill/>
+          </a:ln>
+        </p:spPr>
+      </p:pic>
+    </p:spTree>
+  </p:cSld>
+  <p:clrMapOvr>
+    <a:masterClrMapping/>
+  </p:clrMapOvr>
+</p:sld>
+</file>
+
+<file path=ppt/slides/slide8.xml><?xml version="1.0" encoding="utf-8"?>
+<p:sld xmlns:a="http://schemas.openxmlformats.org/drawingml/2006/main" xmlns:r="http://schemas.openxmlformats.org/officeDocument/2006/relationships" xmlns:p="http://schemas.openxmlformats.org/presentationml/2006/main">
+  <p:cSld>
+    <p:spTree>
+      <p:nvGrpSpPr>
+        <p:cNvPr id="1" name=""/>
+        <p:cNvGrpSpPr/>
+        <p:nvPr/>
+      </p:nvGrpSpPr>
+      <p:grpSpPr>
+        <a:xfrm>
+          <a:off x="0" y="0"/>
+          <a:ext cx="0" cy="0"/>
+          <a:chOff x="0" y="0"/>
+          <a:chExt cx="0" cy="0"/>
+        </a:xfrm>
+      </p:grpSpPr>
+      <p:sp>
+        <p:nvSpPr>
+          <p:cNvPr id="2" name="Foliennummernplatzhalter 2">
+            <a:extLst>
+              <a:ext uri="{FF2B5EF4-FFF2-40B4-BE49-F238E27FC236}">
+                <a16:creationId xmlns:a16="http://schemas.microsoft.com/office/drawing/2014/main" id="{4B48CBF6-87BF-46E7-8C10-E78C791EE48E}"/>
+              </a:ext>
+            </a:extLst>
+          </p:cNvPr>
+          <p:cNvSpPr txBox="1">
+            <a:spLocks noGrp="1"/>
+          </p:cNvSpPr>
+          <p:nvPr>
+            <p:ph type="sldNum" sz="quarter" idx="12"/>
+          </p:nvPr>
+        </p:nvSpPr>
+        <p:spPr>
+          <a:prstGeom prst="rect">
+            <a:avLst/>
+          </a:prstGeom>
+          <a:noFill/>
+          <a:ln>
+            <a:noFill/>
+          </a:ln>
+        </p:spPr>
+        <p:txBody>
+          <a:bodyPr wrap="square" lIns="90000" tIns="45000" rIns="90000" bIns="45000" anchor="t" anchorCtr="0">
+            <a:noAutofit/>
+          </a:bodyPr>
+          <a:lstStyle/>
+          <a:p>
+            <a:pPr lvl="0"/>
+            <a:fld id="{3BAE5786-FAF1-4DBC-83AF-E77719AE2823}" type="slidenum">
+              <a:t>8</a:t>
+            </a:fld>
+            <a:endParaRPr lang="none-none">
+              <a:solidFill>
+                <a:srgbClr val="000000"/>
+              </a:solidFill>
+              <a:latin typeface="Arial" pitchFamily="18"/>
+              <a:cs typeface="Tahoma" pitchFamily="2"/>
+            </a:endParaRPr>
+          </a:p>
+        </p:txBody>
+      </p:sp>
+      <p:sp>
+        <p:nvSpPr>
+          <p:cNvPr id="4" name="Titel 4">
+            <a:extLst>
+              <a:ext uri="{FF2B5EF4-FFF2-40B4-BE49-F238E27FC236}">
+                <a16:creationId xmlns:a16="http://schemas.microsoft.com/office/drawing/2014/main" id="{61E0B7C6-6452-460B-B309-3A3FFBFBBDB2}"/>
+              </a:ext>
+            </a:extLst>
+          </p:cNvPr>
+          <p:cNvSpPr txBox="1">
+            <a:spLocks noGrp="1"/>
+          </p:cNvSpPr>
+          <p:nvPr>
+            <p:ph type="title"/>
+          </p:nvPr>
+        </p:nvSpPr>
+        <p:spPr/>
+        <p:txBody>
+          <a:bodyPr lIns="90000" tIns="45000" rIns="90000" bIns="45000">
+            <a:noAutofit/>
+          </a:bodyPr>
+          <a:lstStyle/>
+          <a:p>
+            <a:pPr lvl="0"/>
+            <a:r>
+              <a:rPr lang="de-DE" dirty="0"/>
+              <a:t>Holographic </a:t>
+            </a:r>
+            <a:r>
+              <a:rPr lang="de-DE" dirty="0" err="1"/>
+              <a:t>Shader</a:t>
+            </a:r>
+            <a:endParaRPr lang="de-DE" dirty="0"/>
+          </a:p>
+        </p:txBody>
+      </p:sp>
+      <p:pic>
+        <p:nvPicPr>
+          <p:cNvPr id="5" name="">
+            <a:extLst>
+              <a:ext uri="{FF2B5EF4-FFF2-40B4-BE49-F238E27FC236}">
+                <a16:creationId xmlns:a16="http://schemas.microsoft.com/office/drawing/2014/main" id="{B2232699-8043-4E08-9173-88D5F1886D30}"/>
+              </a:ext>
+            </a:extLst>
+          </p:cNvPr>
+          <p:cNvPicPr>
+            <a:picLocks noChangeAspect="1"/>
+          </p:cNvPicPr>
+          <p:nvPr/>
+        </p:nvPicPr>
+        <p:blipFill>
+          <a:blip r:embed="rId3">
+            <a:lum/>
+            <a:alphaModFix/>
+          </a:blip>
+          <a:srcRect/>
+          <a:stretch>
+            <a:fillRect/>
+          </a:stretch>
+        </p:blipFill>
+        <p:spPr>
+          <a:xfrm>
+            <a:off x="457200" y="1746719"/>
+            <a:ext cx="2286000" cy="2276639"/>
+          </a:xfrm>
+          <a:prstGeom prst="rect">
+            <a:avLst/>
+          </a:prstGeom>
+          <a:noFill/>
+          <a:ln>
+            <a:noFill/>
+          </a:ln>
+        </p:spPr>
+      </p:pic>
+      <p:pic>
+        <p:nvPicPr>
+          <p:cNvPr id="6" name="">
+            <a:extLst>
+              <a:ext uri="{FF2B5EF4-FFF2-40B4-BE49-F238E27FC236}">
+                <a16:creationId xmlns:a16="http://schemas.microsoft.com/office/drawing/2014/main" id="{EF3B85CA-167A-48C5-B47F-9559DDA66A28}"/>
+              </a:ext>
+            </a:extLst>
+          </p:cNvPr>
+          <p:cNvPicPr>
+            <a:picLocks noChangeAspect="1"/>
+          </p:cNvPicPr>
+          <p:nvPr/>
+        </p:nvPicPr>
+        <p:blipFill>
+          <a:blip r:embed="rId4">
+            <a:lum/>
+            <a:alphaModFix/>
+          </a:blip>
+          <a:srcRect/>
+          <a:stretch>
+            <a:fillRect/>
+          </a:stretch>
+        </p:blipFill>
+        <p:spPr>
+          <a:xfrm>
+            <a:off x="2926079" y="1828800"/>
+            <a:ext cx="6157080" cy="822960"/>
+          </a:xfrm>
+          <a:prstGeom prst="rect">
+            <a:avLst/>
+          </a:prstGeom>
+          <a:noFill/>
+          <a:ln>
+            <a:noFill/>
+          </a:ln>
+        </p:spPr>
+      </p:pic>
+      <p:pic>
+        <p:nvPicPr>
+          <p:cNvPr id="7" name="">
+            <a:extLst>
+              <a:ext uri="{FF2B5EF4-FFF2-40B4-BE49-F238E27FC236}">
+                <a16:creationId xmlns:a16="http://schemas.microsoft.com/office/drawing/2014/main" id="{1EF0078F-3D7C-4368-8010-3C6C8DBE6A86}"/>
+              </a:ext>
+            </a:extLst>
+          </p:cNvPr>
+          <p:cNvPicPr>
+            <a:picLocks noChangeAspect="1"/>
+          </p:cNvPicPr>
+          <p:nvPr/>
+        </p:nvPicPr>
+        <p:blipFill>
+          <a:blip r:embed="rId5">
+            <a:lum/>
+            <a:alphaModFix/>
+          </a:blip>
+          <a:srcRect/>
+          <a:stretch>
+            <a:fillRect/>
+          </a:stretch>
+        </p:blipFill>
+        <p:spPr>
+          <a:xfrm>
+            <a:off x="2926079" y="2908800"/>
+            <a:ext cx="5916960" cy="1937519"/>
+          </a:xfrm>
+          <a:prstGeom prst="rect">
+            <a:avLst/>
+          </a:prstGeom>
+          <a:noFill/>
+          <a:ln>
+            <a:noFill/>
+          </a:ln>
+        </p:spPr>
+      </p:pic>
+    </p:spTree>
+  </p:cSld>
+  <p:clrMapOvr>
+    <a:masterClrMapping/>
+  </p:clrMapOvr>
+</p:sld>
+</file>
+
+<file path=ppt/slides/slide9.xml><?xml version="1.0" encoding="utf-8"?>
+<p:sld xmlns:a="http://schemas.openxmlformats.org/drawingml/2006/main" xmlns:r="http://schemas.openxmlformats.org/officeDocument/2006/relationships" xmlns:p="http://schemas.openxmlformats.org/presentationml/2006/main">
+  <p:cSld>
+    <p:spTree>
+      <p:nvGrpSpPr>
+        <p:cNvPr id="1" name=""/>
+        <p:cNvGrpSpPr/>
+        <p:nvPr/>
+      </p:nvGrpSpPr>
+      <p:grpSpPr>
+        <a:xfrm>
+          <a:off x="0" y="0"/>
+          <a:ext cx="0" cy="0"/>
+          <a:chOff x="0" y="0"/>
+          <a:chExt cx="0" cy="0"/>
+        </a:xfrm>
+      </p:grpSpPr>
+      <p:sp>
+        <p:nvSpPr>
+          <p:cNvPr id="2" name="Foliennummernplatzhalter 2">
+            <a:extLst>
+              <a:ext uri="{FF2B5EF4-FFF2-40B4-BE49-F238E27FC236}">
+                <a16:creationId xmlns:a16="http://schemas.microsoft.com/office/drawing/2014/main" id="{D9AA65BD-6D3B-42B9-86FF-9BA20951644B}"/>
+              </a:ext>
+            </a:extLst>
+          </p:cNvPr>
+          <p:cNvSpPr txBox="1">
+            <a:spLocks noGrp="1"/>
+          </p:cNvSpPr>
+          <p:nvPr>
+            <p:ph type="sldNum" sz="quarter" idx="12"/>
+          </p:nvPr>
+        </p:nvSpPr>
+        <p:spPr>
+          <a:prstGeom prst="rect">
+            <a:avLst/>
+          </a:prstGeom>
+          <a:noFill/>
+          <a:ln>
+            <a:noFill/>
+          </a:ln>
+        </p:spPr>
+        <p:txBody>
+          <a:bodyPr wrap="square" lIns="90000" tIns="45000" rIns="90000" bIns="45000" anchor="t" anchorCtr="0">
+            <a:noAutofit/>
+          </a:bodyPr>
+          <a:lstStyle/>
+          <a:p>
+            <a:pPr lvl="0"/>
+            <a:fld id="{75A70DF3-6748-4725-82E0-50422E157570}" type="slidenum">
+              <a:t>9</a:t>
+            </a:fld>
+            <a:endParaRPr lang="none-none">
+              <a:solidFill>
+                <a:srgbClr val="000000"/>
+              </a:solidFill>
+              <a:latin typeface="Arial" pitchFamily="18"/>
+              <a:cs typeface="Tahoma" pitchFamily="2"/>
+            </a:endParaRPr>
+          </a:p>
+        </p:txBody>
+      </p:sp>
+      <p:sp>
+        <p:nvSpPr>
+          <p:cNvPr id="4" name="Titel 4">
+            <a:extLst>
+              <a:ext uri="{FF2B5EF4-FFF2-40B4-BE49-F238E27FC236}">
+                <a16:creationId xmlns:a16="http://schemas.microsoft.com/office/drawing/2014/main" id="{15C0E491-37A7-4657-A815-5F8E390E3ED5}"/>
+              </a:ext>
+            </a:extLst>
+          </p:cNvPr>
+          <p:cNvSpPr txBox="1">
+            <a:spLocks noGrp="1"/>
+          </p:cNvSpPr>
+          <p:nvPr>
+            <p:ph type="title"/>
+          </p:nvPr>
+        </p:nvSpPr>
+        <p:spPr>
+          <a:xfrm>
+            <a:off x="319090" y="994334"/>
+            <a:ext cx="8508999" cy="520335"/>
+          </a:xfrm>
+          <a:prstGeom prst="rect">
+            <a:avLst/>
+          </a:prstGeom>
+          <a:noFill/>
+          <a:ln>
+            <a:noFill/>
+          </a:ln>
+        </p:spPr>
+        <p:txBody>
+          <a:bodyPr vert="horz" wrap="square" lIns="0" tIns="0" rIns="0" bIns="0" anchor="t">
+            <a:spAutoFit/>
+          </a:bodyPr>
+          <a:lstStyle>
+            <a:lvl1pPr lvl="0" algn="l" rtl="0" hangingPunct="0">
+              <a:lnSpc>
+                <a:spcPct val="125000"/>
+              </a:lnSpc>
+              <a:spcBef>
+                <a:spcPts val="0"/>
+              </a:spcBef>
+              <a:spcAft>
+                <a:spcPts val="0"/>
+              </a:spcAft>
+              <a:buNone/>
+              <a:tabLst/>
+              <a:defRPr lang="de-DE" sz="3000" b="0" i="0" u="none" strike="noStrike" kern="1200" spc="0">
+                <a:ln>
+                  <a:noFill/>
+                </a:ln>
+                <a:solidFill>
+                  <a:srgbClr val="000000"/>
+                </a:solidFill>
+                <a:latin typeface="Arial" pitchFamily="18"/>
+                <a:ea typeface="Microsoft YaHei" pitchFamily="2"/>
+                <a:cs typeface="Arial" pitchFamily="2"/>
+              </a:defRPr>
+            </a:lvl1pPr>
+          </a:lstStyle>
+          <a:p>
+            <a:pPr lvl="0"/>
+            <a:r>
+              <a:rPr lang="de-DE" dirty="0"/>
+              <a:t>L</a:t>
+            </a:r>
+            <a:r>
+              <a:rPr lang="de-DE" dirty="0">
+                <a:solidFill>
+                  <a:schemeClr val="tx1"/>
+                </a:solidFill>
+                <a:latin typeface="+mj-lt"/>
+                <a:ea typeface="+mj-ea"/>
+                <a:cs typeface="+mj-cs"/>
+              </a:rPr>
+              <a:t>a</a:t>
+            </a:r>
+            <a:r>
+              <a:rPr lang="de-DE" dirty="0"/>
+              <a:t>va</a:t>
+            </a:r>
+            <a:endParaRPr lang="de-DE" sz="2200" b="1" dirty="0"/>
+          </a:p>
+        </p:txBody>
+      </p:sp>
+      <p:pic>
+        <p:nvPicPr>
+          <p:cNvPr id="5" name="">
+            <a:extLst>
+              <a:ext uri="{FF2B5EF4-FFF2-40B4-BE49-F238E27FC236}">
+                <a16:creationId xmlns:a16="http://schemas.microsoft.com/office/drawing/2014/main" id="{D1CEA47F-BF0A-47DB-95E3-8154689B0236}"/>
+              </a:ext>
+            </a:extLst>
+          </p:cNvPr>
+          <p:cNvPicPr>
+            <a:picLocks noChangeAspect="1"/>
+          </p:cNvPicPr>
+          <p:nvPr/>
+        </p:nvPicPr>
+        <p:blipFill>
+          <a:blip r:embed="rId3">
+            <a:lum/>
+            <a:alphaModFix/>
+          </a:blip>
+          <a:srcRect/>
+          <a:stretch>
+            <a:fillRect/>
+          </a:stretch>
+        </p:blipFill>
+        <p:spPr>
+          <a:xfrm>
+            <a:off x="182880" y="3200400"/>
+            <a:ext cx="5896080" cy="3191040"/>
+          </a:xfrm>
+          <a:prstGeom prst="rect">
+            <a:avLst/>
+          </a:prstGeom>
+          <a:noFill/>
+          <a:ln>
+            <a:noFill/>
+          </a:ln>
+        </p:spPr>
+      </p:pic>
+      <p:pic>
+        <p:nvPicPr>
+          <p:cNvPr id="6" name="">
+            <a:extLst>
+              <a:ext uri="{FF2B5EF4-FFF2-40B4-BE49-F238E27FC236}">
+                <a16:creationId xmlns:a16="http://schemas.microsoft.com/office/drawing/2014/main" id="{CB708244-BF67-4E40-B103-FA388513E5D6}"/>
+              </a:ext>
+            </a:extLst>
+          </p:cNvPr>
+          <p:cNvPicPr>
+            <a:picLocks noChangeAspect="1"/>
+          </p:cNvPicPr>
+          <p:nvPr/>
+        </p:nvPicPr>
+        <p:blipFill>
+          <a:blip r:embed="rId4">
+            <a:lum/>
+            <a:alphaModFix/>
+          </a:blip>
+          <a:srcRect/>
+          <a:stretch>
+            <a:fillRect/>
+          </a:stretch>
+        </p:blipFill>
+        <p:spPr>
+          <a:xfrm>
+            <a:off x="4206240" y="1188719"/>
+            <a:ext cx="3566160" cy="2384999"/>
+          </a:xfrm>
+          <a:prstGeom prst="rect">
+            <a:avLst/>
+          </a:prstGeom>
+          <a:noFill/>
+          <a:ln>
+            <a:noFill/>
+          </a:ln>
+        </p:spPr>
+      </p:pic>
+    </p:spTree>
   </p:cSld>
   <p:clrMapOvr>
     <a:masterClrMapping/>

--- a/Documentation/Presentation.pptx
+++ b/Documentation/Presentation.pptx
@@ -9702,45 +9702,7 @@
         <p:spPr>
           <a:xfrm>
             <a:off x="365760" y="1737359"/>
-            <a:ext cx="3773880" cy="1952639"/>
-          </a:xfrm>
-          <a:prstGeom prst="rect">
-            <a:avLst/>
-          </a:prstGeom>
-          <a:noFill/>
-          <a:ln>
-            <a:noFill/>
-          </a:ln>
-        </p:spPr>
-      </p:pic>
-      <p:pic>
-        <p:nvPicPr>
-          <p:cNvPr id="6" name="">
-            <a:extLst>
-              <a:ext uri="{FF2B5EF4-FFF2-40B4-BE49-F238E27FC236}">
-                <a16:creationId xmlns:a16="http://schemas.microsoft.com/office/drawing/2014/main" id="{072DC461-C7AD-48C5-A766-9466809DB368}"/>
-              </a:ext>
-            </a:extLst>
-          </p:cNvPr>
-          <p:cNvPicPr>
-            <a:picLocks noChangeAspect="1"/>
-          </p:cNvPicPr>
-          <p:nvPr/>
-        </p:nvPicPr>
-        <p:blipFill>
-          <a:blip r:embed="rId4">
-            <a:lum/>
-            <a:alphaModFix/>
-          </a:blip>
-          <a:srcRect/>
-          <a:stretch>
-            <a:fillRect/>
-          </a:stretch>
-        </p:blipFill>
-        <p:spPr>
-          <a:xfrm>
-            <a:off x="4952880" y="1020959"/>
-            <a:ext cx="2819520" cy="1905120"/>
+            <a:ext cx="3735720" cy="1932895"/>
           </a:xfrm>
           <a:prstGeom prst="rect">
             <a:avLst/>
@@ -9766,7 +9728,7 @@
           <p:nvPr/>
         </p:nvPicPr>
         <p:blipFill>
-          <a:blip r:embed="rId5">
+          <a:blip r:embed="rId4">
             <a:lum/>
             <a:alphaModFix/>
           </a:blip>
@@ -9777,7 +9739,7 @@
         </p:blipFill>
         <p:spPr>
           <a:xfrm>
-            <a:off x="457200" y="3931920"/>
+            <a:off x="491401" y="3851999"/>
             <a:ext cx="3610079" cy="923759"/>
           </a:xfrm>
           <a:prstGeom prst="rect">
@@ -9804,7 +9766,7 @@
           <p:nvPr/>
         </p:nvPicPr>
         <p:blipFill>
-          <a:blip r:embed="rId6">
+          <a:blip r:embed="rId5">
             <a:lum/>
             <a:alphaModFix/>
           </a:blip>
@@ -9815,8 +9777,8 @@
         </p:blipFill>
         <p:spPr>
           <a:xfrm>
-            <a:off x="4223520" y="3114720"/>
-            <a:ext cx="4829040" cy="3286079"/>
+            <a:off x="4231541" y="3163830"/>
+            <a:ext cx="4737600" cy="3223856"/>
           </a:xfrm>
           <a:prstGeom prst="rect">
             <a:avLst/>
@@ -9842,7 +9804,7 @@
           <p:nvPr/>
         </p:nvPicPr>
         <p:blipFill>
-          <a:blip r:embed="rId7">
+          <a:blip r:embed="rId6">
             <a:lum/>
             <a:alphaModFix/>
           </a:blip>
@@ -9855,6 +9817,44 @@
           <a:xfrm>
             <a:off x="182880" y="4937760"/>
             <a:ext cx="3918600" cy="1448999"/>
+          </a:xfrm>
+          <a:prstGeom prst="rect">
+            <a:avLst/>
+          </a:prstGeom>
+          <a:noFill/>
+          <a:ln>
+            <a:noFill/>
+          </a:ln>
+        </p:spPr>
+      </p:pic>
+      <p:pic>
+        <p:nvPicPr>
+          <p:cNvPr id="6" name="">
+            <a:extLst>
+              <a:ext uri="{FF2B5EF4-FFF2-40B4-BE49-F238E27FC236}">
+                <a16:creationId xmlns:a16="http://schemas.microsoft.com/office/drawing/2014/main" id="{072DC461-C7AD-48C5-A766-9466809DB368}"/>
+              </a:ext>
+            </a:extLst>
+          </p:cNvPr>
+          <p:cNvPicPr>
+            <a:picLocks noChangeAspect="1"/>
+          </p:cNvPicPr>
+          <p:nvPr/>
+        </p:nvPicPr>
+        <p:blipFill>
+          <a:blip r:embed="rId7">
+            <a:lum/>
+            <a:alphaModFix/>
+          </a:blip>
+          <a:srcRect/>
+          <a:stretch>
+            <a:fillRect/>
+          </a:stretch>
+        </p:blipFill>
+        <p:spPr>
+          <a:xfrm>
+            <a:off x="4572000" y="1106628"/>
+            <a:ext cx="2819520" cy="1905120"/>
           </a:xfrm>
           <a:prstGeom prst="rect">
             <a:avLst/>
@@ -10020,8 +10020,21 @@
         </p:nvPicPr>
         <p:blipFill>
           <a:blip r:embed="rId3">
-            <a:lum/>
             <a:alphaModFix/>
+            <a:extLst>
+              <a:ext uri="{BEBA8EAE-BF5A-486C-A8C5-ECC9F3942E4B}">
+                <a14:imgProps xmlns:a14="http://schemas.microsoft.com/office/drawing/2010/main">
+                  <a14:imgLayer r:embed="rId4">
+                    <a14:imgEffect>
+                      <a14:sharpenSoften amount="32000"/>
+                    </a14:imgEffect>
+                    <a14:imgEffect>
+                      <a14:brightnessContrast bright="24000" contrast="33000"/>
+                    </a14:imgEffect>
+                  </a14:imgLayer>
+                </a14:imgProps>
+              </a:ext>
+            </a:extLst>
           </a:blip>
           <a:srcRect/>
           <a:stretch>
@@ -10030,7 +10043,7 @@
         </p:blipFill>
         <p:spPr>
           <a:xfrm>
-            <a:off x="731519" y="1737359"/>
+            <a:off x="640080" y="1704135"/>
             <a:ext cx="1695600" cy="1581119"/>
           </a:xfrm>
           <a:prstGeom prst="rect">
@@ -10057,7 +10070,7 @@
           <p:nvPr/>
         </p:nvPicPr>
         <p:blipFill>
-          <a:blip r:embed="rId4">
+          <a:blip r:embed="rId5">
             <a:lum/>
             <a:alphaModFix/>
           </a:blip>
@@ -10069,7 +10082,7 @@
         <p:spPr>
           <a:xfrm>
             <a:off x="640080" y="3474720"/>
-            <a:ext cx="7589519" cy="2468880"/>
+            <a:ext cx="7589519" cy="2388946"/>
           </a:xfrm>
           <a:prstGeom prst="rect">
             <a:avLst/>
@@ -12524,6 +12537,28 @@
               <a:buFont typeface="Arial" panose="020B0604020202020204" pitchFamily="34" charset="0"/>
               <a:buChar char="•"/>
             </a:pPr>
+            <a:r>
+              <a:rPr lang="de-DE" dirty="0" err="1"/>
+              <a:t>Holographic</a:t>
+            </a:r>
+            <a:endParaRPr lang="de-DE" dirty="0"/>
+          </a:p>
+          <a:p>
+            <a:pPr marL="285750" indent="-285750">
+              <a:buFont typeface="Arial" panose="020B0604020202020204" pitchFamily="34" charset="0"/>
+              <a:buChar char="•"/>
+            </a:pPr>
+            <a:r>
+              <a:rPr lang="de-DE" dirty="0" err="1"/>
+              <a:t>Enemies</a:t>
+            </a:r>
+            <a:endParaRPr lang="de-DE" dirty="0"/>
+          </a:p>
+          <a:p>
+            <a:pPr marL="285750" indent="-285750">
+              <a:buFont typeface="Arial" panose="020B0604020202020204" pitchFamily="34" charset="0"/>
+              <a:buChar char="•"/>
+            </a:pPr>
             <a:endParaRPr lang="de-DE" dirty="0"/>
           </a:p>
           <a:p>
@@ -12539,7 +12574,7 @@
             </a:pPr>
             <a:r>
               <a:rPr lang="de-DE" dirty="0"/>
-              <a:t>Hex</a:t>
+              <a:t>Hex und Spotlight</a:t>
             </a:r>
           </a:p>
           <a:p>
@@ -12562,6 +12597,16 @@
               <a:t>Dissolve</a:t>
             </a:r>
             <a:endParaRPr lang="de-DE" dirty="0"/>
+          </a:p>
+          <a:p>
+            <a:pPr marL="285750" indent="-285750">
+              <a:buFont typeface="Arial" panose="020B0604020202020204" pitchFamily="34" charset="0"/>
+              <a:buChar char="•"/>
+            </a:pPr>
+            <a:r>
+              <a:rPr lang="de-DE" dirty="0"/>
+              <a:t>Ground and Wall</a:t>
+            </a:r>
           </a:p>
           <a:p>
             <a:pPr marL="285750" indent="-285750">
@@ -12631,6 +12676,66 @@
           </a:p>
         </p:txBody>
       </p:sp>
+      <p:pic>
+        <p:nvPicPr>
+          <p:cNvPr id="4" name="Grafik 3">
+            <a:extLst>
+              <a:ext uri="{FF2B5EF4-FFF2-40B4-BE49-F238E27FC236}">
+                <a16:creationId xmlns:a16="http://schemas.microsoft.com/office/drawing/2014/main" id="{554AD653-5E51-4CF0-BB7A-AC6A3CA51004}"/>
+              </a:ext>
+            </a:extLst>
+          </p:cNvPr>
+          <p:cNvPicPr>
+            <a:picLocks noChangeAspect="1"/>
+          </p:cNvPicPr>
+          <p:nvPr/>
+        </p:nvPicPr>
+        <p:blipFill>
+          <a:blip r:embed="rId2"/>
+          <a:stretch>
+            <a:fillRect/>
+          </a:stretch>
+        </p:blipFill>
+        <p:spPr>
+          <a:xfrm>
+            <a:off x="2731170" y="1882504"/>
+            <a:ext cx="6093740" cy="3339201"/>
+          </a:xfrm>
+          <a:prstGeom prst="rect">
+            <a:avLst/>
+          </a:prstGeom>
+        </p:spPr>
+      </p:pic>
+      <p:pic>
+        <p:nvPicPr>
+          <p:cNvPr id="6" name="Grafik 5">
+            <a:extLst>
+              <a:ext uri="{FF2B5EF4-FFF2-40B4-BE49-F238E27FC236}">
+                <a16:creationId xmlns:a16="http://schemas.microsoft.com/office/drawing/2014/main" id="{293BF789-B8DC-42DC-BC6E-4C587BA4CDA3}"/>
+              </a:ext>
+            </a:extLst>
+          </p:cNvPr>
+          <p:cNvPicPr>
+            <a:picLocks noChangeAspect="1"/>
+          </p:cNvPicPr>
+          <p:nvPr/>
+        </p:nvPicPr>
+        <p:blipFill>
+          <a:blip r:embed="rId2"/>
+          <a:stretch>
+            <a:fillRect/>
+          </a:stretch>
+        </p:blipFill>
+        <p:spPr>
+          <a:xfrm>
+            <a:off x="817271" y="1636295"/>
+            <a:ext cx="7509457" cy="4114975"/>
+          </a:xfrm>
+          <a:prstGeom prst="rect">
+            <a:avLst/>
+          </a:prstGeom>
+        </p:spPr>
+      </p:pic>
     </p:spTree>
     <p:extLst>
       <p:ext uri="{BB962C8B-B14F-4D97-AF65-F5344CB8AC3E}">
@@ -12641,6 +12746,1367 @@
   <p:clrMapOvr>
     <a:masterClrMapping/>
   </p:clrMapOvr>
+  <p:timing>
+    <p:tnLst>
+      <p:par>
+        <p:cTn id="1" dur="indefinite" restart="never" nodeType="tmRoot">
+          <p:childTnLst>
+            <p:seq concurrent="1" nextAc="seek">
+              <p:cTn id="2" dur="indefinite" nodeType="mainSeq">
+                <p:childTnLst>
+                  <p:par>
+                    <p:cTn id="3" fill="hold">
+                      <p:stCondLst>
+                        <p:cond delay="indefinite"/>
+                      </p:stCondLst>
+                      <p:childTnLst>
+                        <p:par>
+                          <p:cTn id="4" fill="hold">
+                            <p:stCondLst>
+                              <p:cond delay="0"/>
+                            </p:stCondLst>
+                            <p:childTnLst>
+                              <p:par>
+                                <p:cTn id="5" presetID="10" presetClass="exit" presetSubtype="0" fill="hold" nodeType="clickEffect">
+                                  <p:stCondLst>
+                                    <p:cond delay="0"/>
+                                  </p:stCondLst>
+                                  <p:childTnLst>
+                                    <p:animEffect transition="out" filter="fade">
+                                      <p:cBhvr>
+                                        <p:cTn id="6" dur="500"/>
+                                        <p:tgtEl>
+                                          <p:spTgt spid="6"/>
+                                        </p:tgtEl>
+                                      </p:cBhvr>
+                                    </p:animEffect>
+                                    <p:set>
+                                      <p:cBhvr>
+                                        <p:cTn id="7" dur="1" fill="hold">
+                                          <p:stCondLst>
+                                            <p:cond delay="499"/>
+                                          </p:stCondLst>
+                                        </p:cTn>
+                                        <p:tgtEl>
+                                          <p:spTgt spid="6"/>
+                                        </p:tgtEl>
+                                        <p:attrNameLst>
+                                          <p:attrName>style.visibility</p:attrName>
+                                        </p:attrNameLst>
+                                      </p:cBhvr>
+                                      <p:to>
+                                        <p:strVal val="hidden"/>
+                                      </p:to>
+                                    </p:set>
+                                  </p:childTnLst>
+                                </p:cTn>
+                              </p:par>
+                              <p:par>
+                                <p:cTn id="8" presetID="10" presetClass="entr" presetSubtype="0" fill="hold" nodeType="withEffect">
+                                  <p:stCondLst>
+                                    <p:cond delay="0"/>
+                                  </p:stCondLst>
+                                  <p:childTnLst>
+                                    <p:set>
+                                      <p:cBhvr>
+                                        <p:cTn id="9" dur="1" fill="hold">
+                                          <p:stCondLst>
+                                            <p:cond delay="0"/>
+                                          </p:stCondLst>
+                                        </p:cTn>
+                                        <p:tgtEl>
+                                          <p:spTgt spid="4"/>
+                                        </p:tgtEl>
+                                        <p:attrNameLst>
+                                          <p:attrName>style.visibility</p:attrName>
+                                        </p:attrNameLst>
+                                      </p:cBhvr>
+                                      <p:to>
+                                        <p:strVal val="visible"/>
+                                      </p:to>
+                                    </p:set>
+                                    <p:animEffect transition="in" filter="fade">
+                                      <p:cBhvr>
+                                        <p:cTn id="10" dur="500"/>
+                                        <p:tgtEl>
+                                          <p:spTgt spid="4"/>
+                                        </p:tgtEl>
+                                      </p:cBhvr>
+                                    </p:animEffect>
+                                  </p:childTnLst>
+                                </p:cTn>
+                              </p:par>
+                            </p:childTnLst>
+                          </p:cTn>
+                        </p:par>
+                        <p:par>
+                          <p:cTn id="11" fill="hold">
+                            <p:stCondLst>
+                              <p:cond delay="500"/>
+                            </p:stCondLst>
+                            <p:childTnLst>
+                              <p:par>
+                                <p:cTn id="12" presetID="2" presetClass="entr" presetSubtype="4" fill="hold" grpId="0" nodeType="afterEffect">
+                                  <p:stCondLst>
+                                    <p:cond delay="0"/>
+                                  </p:stCondLst>
+                                  <p:childTnLst>
+                                    <p:set>
+                                      <p:cBhvr>
+                                        <p:cTn id="13" dur="1" fill="hold">
+                                          <p:stCondLst>
+                                            <p:cond delay="0"/>
+                                          </p:stCondLst>
+                                        </p:cTn>
+                                        <p:tgtEl>
+                                          <p:spTgt spid="2">
+                                            <p:txEl>
+                                              <p:pRg st="0" end="0"/>
+                                            </p:txEl>
+                                          </p:spTgt>
+                                        </p:tgtEl>
+                                        <p:attrNameLst>
+                                          <p:attrName>style.visibility</p:attrName>
+                                        </p:attrNameLst>
+                                      </p:cBhvr>
+                                      <p:to>
+                                        <p:strVal val="visible"/>
+                                      </p:to>
+                                    </p:set>
+                                    <p:anim calcmode="lin" valueType="num">
+                                      <p:cBhvr additive="base">
+                                        <p:cTn id="14" dur="500" fill="hold"/>
+                                        <p:tgtEl>
+                                          <p:spTgt spid="2">
+                                            <p:txEl>
+                                              <p:pRg st="0" end="0"/>
+                                            </p:txEl>
+                                          </p:spTgt>
+                                        </p:tgtEl>
+                                        <p:attrNameLst>
+                                          <p:attrName>ppt_x</p:attrName>
+                                        </p:attrNameLst>
+                                      </p:cBhvr>
+                                      <p:tavLst>
+                                        <p:tav tm="0">
+                                          <p:val>
+                                            <p:strVal val="#ppt_x"/>
+                                          </p:val>
+                                        </p:tav>
+                                        <p:tav tm="100000">
+                                          <p:val>
+                                            <p:strVal val="#ppt_x"/>
+                                          </p:val>
+                                        </p:tav>
+                                      </p:tavLst>
+                                    </p:anim>
+                                    <p:anim calcmode="lin" valueType="num">
+                                      <p:cBhvr additive="base">
+                                        <p:cTn id="15" dur="500" fill="hold"/>
+                                        <p:tgtEl>
+                                          <p:spTgt spid="2">
+                                            <p:txEl>
+                                              <p:pRg st="0" end="0"/>
+                                            </p:txEl>
+                                          </p:spTgt>
+                                        </p:tgtEl>
+                                        <p:attrNameLst>
+                                          <p:attrName>ppt_y</p:attrName>
+                                        </p:attrNameLst>
+                                      </p:cBhvr>
+                                      <p:tavLst>
+                                        <p:tav tm="0">
+                                          <p:val>
+                                            <p:strVal val="1+#ppt_h/2"/>
+                                          </p:val>
+                                        </p:tav>
+                                        <p:tav tm="100000">
+                                          <p:val>
+                                            <p:strVal val="#ppt_y"/>
+                                          </p:val>
+                                        </p:tav>
+                                      </p:tavLst>
+                                    </p:anim>
+                                  </p:childTnLst>
+                                </p:cTn>
+                              </p:par>
+                            </p:childTnLst>
+                          </p:cTn>
+                        </p:par>
+                        <p:par>
+                          <p:cTn id="16" fill="hold">
+                            <p:stCondLst>
+                              <p:cond delay="1000"/>
+                            </p:stCondLst>
+                            <p:childTnLst>
+                              <p:par>
+                                <p:cTn id="17" presetID="2" presetClass="entr" presetSubtype="4" fill="hold" grpId="0" nodeType="afterEffect">
+                                  <p:stCondLst>
+                                    <p:cond delay="0"/>
+                                  </p:stCondLst>
+                                  <p:childTnLst>
+                                    <p:set>
+                                      <p:cBhvr>
+                                        <p:cTn id="18" dur="1" fill="hold">
+                                          <p:stCondLst>
+                                            <p:cond delay="0"/>
+                                          </p:stCondLst>
+                                        </p:cTn>
+                                        <p:tgtEl>
+                                          <p:spTgt spid="2">
+                                            <p:txEl>
+                                              <p:pRg st="1" end="1"/>
+                                            </p:txEl>
+                                          </p:spTgt>
+                                        </p:tgtEl>
+                                        <p:attrNameLst>
+                                          <p:attrName>style.visibility</p:attrName>
+                                        </p:attrNameLst>
+                                      </p:cBhvr>
+                                      <p:to>
+                                        <p:strVal val="visible"/>
+                                      </p:to>
+                                    </p:set>
+                                    <p:anim calcmode="lin" valueType="num">
+                                      <p:cBhvr additive="base">
+                                        <p:cTn id="19" dur="500" fill="hold"/>
+                                        <p:tgtEl>
+                                          <p:spTgt spid="2">
+                                            <p:txEl>
+                                              <p:pRg st="1" end="1"/>
+                                            </p:txEl>
+                                          </p:spTgt>
+                                        </p:tgtEl>
+                                        <p:attrNameLst>
+                                          <p:attrName>ppt_x</p:attrName>
+                                        </p:attrNameLst>
+                                      </p:cBhvr>
+                                      <p:tavLst>
+                                        <p:tav tm="0">
+                                          <p:val>
+                                            <p:strVal val="#ppt_x"/>
+                                          </p:val>
+                                        </p:tav>
+                                        <p:tav tm="100000">
+                                          <p:val>
+                                            <p:strVal val="#ppt_x"/>
+                                          </p:val>
+                                        </p:tav>
+                                      </p:tavLst>
+                                    </p:anim>
+                                    <p:anim calcmode="lin" valueType="num">
+                                      <p:cBhvr additive="base">
+                                        <p:cTn id="20" dur="500" fill="hold"/>
+                                        <p:tgtEl>
+                                          <p:spTgt spid="2">
+                                            <p:txEl>
+                                              <p:pRg st="1" end="1"/>
+                                            </p:txEl>
+                                          </p:spTgt>
+                                        </p:tgtEl>
+                                        <p:attrNameLst>
+                                          <p:attrName>ppt_y</p:attrName>
+                                        </p:attrNameLst>
+                                      </p:cBhvr>
+                                      <p:tavLst>
+                                        <p:tav tm="0">
+                                          <p:val>
+                                            <p:strVal val="1+#ppt_h/2"/>
+                                          </p:val>
+                                        </p:tav>
+                                        <p:tav tm="100000">
+                                          <p:val>
+                                            <p:strVal val="#ppt_y"/>
+                                          </p:val>
+                                        </p:tav>
+                                      </p:tavLst>
+                                    </p:anim>
+                                  </p:childTnLst>
+                                </p:cTn>
+                              </p:par>
+                            </p:childTnLst>
+                          </p:cTn>
+                        </p:par>
+                      </p:childTnLst>
+                    </p:cTn>
+                  </p:par>
+                  <p:par>
+                    <p:cTn id="21" fill="hold">
+                      <p:stCondLst>
+                        <p:cond delay="indefinite"/>
+                      </p:stCondLst>
+                      <p:childTnLst>
+                        <p:par>
+                          <p:cTn id="22" fill="hold">
+                            <p:stCondLst>
+                              <p:cond delay="0"/>
+                            </p:stCondLst>
+                            <p:childTnLst>
+                              <p:par>
+                                <p:cTn id="23" presetID="2" presetClass="entr" presetSubtype="4" fill="hold" grpId="0" nodeType="clickEffect">
+                                  <p:stCondLst>
+                                    <p:cond delay="0"/>
+                                  </p:stCondLst>
+                                  <p:childTnLst>
+                                    <p:set>
+                                      <p:cBhvr>
+                                        <p:cTn id="24" dur="1" fill="hold">
+                                          <p:stCondLst>
+                                            <p:cond delay="0"/>
+                                          </p:stCondLst>
+                                        </p:cTn>
+                                        <p:tgtEl>
+                                          <p:spTgt spid="2">
+                                            <p:txEl>
+                                              <p:pRg st="3" end="3"/>
+                                            </p:txEl>
+                                          </p:spTgt>
+                                        </p:tgtEl>
+                                        <p:attrNameLst>
+                                          <p:attrName>style.visibility</p:attrName>
+                                        </p:attrNameLst>
+                                      </p:cBhvr>
+                                      <p:to>
+                                        <p:strVal val="visible"/>
+                                      </p:to>
+                                    </p:set>
+                                    <p:anim calcmode="lin" valueType="num">
+                                      <p:cBhvr additive="base">
+                                        <p:cTn id="25" dur="500" fill="hold"/>
+                                        <p:tgtEl>
+                                          <p:spTgt spid="2">
+                                            <p:txEl>
+                                              <p:pRg st="3" end="3"/>
+                                            </p:txEl>
+                                          </p:spTgt>
+                                        </p:tgtEl>
+                                        <p:attrNameLst>
+                                          <p:attrName>ppt_x</p:attrName>
+                                        </p:attrNameLst>
+                                      </p:cBhvr>
+                                      <p:tavLst>
+                                        <p:tav tm="0">
+                                          <p:val>
+                                            <p:strVal val="#ppt_x"/>
+                                          </p:val>
+                                        </p:tav>
+                                        <p:tav tm="100000">
+                                          <p:val>
+                                            <p:strVal val="#ppt_x"/>
+                                          </p:val>
+                                        </p:tav>
+                                      </p:tavLst>
+                                    </p:anim>
+                                    <p:anim calcmode="lin" valueType="num">
+                                      <p:cBhvr additive="base">
+                                        <p:cTn id="26" dur="500" fill="hold"/>
+                                        <p:tgtEl>
+                                          <p:spTgt spid="2">
+                                            <p:txEl>
+                                              <p:pRg st="3" end="3"/>
+                                            </p:txEl>
+                                          </p:spTgt>
+                                        </p:tgtEl>
+                                        <p:attrNameLst>
+                                          <p:attrName>ppt_y</p:attrName>
+                                        </p:attrNameLst>
+                                      </p:cBhvr>
+                                      <p:tavLst>
+                                        <p:tav tm="0">
+                                          <p:val>
+                                            <p:strVal val="1+#ppt_h/2"/>
+                                          </p:val>
+                                        </p:tav>
+                                        <p:tav tm="100000">
+                                          <p:val>
+                                            <p:strVal val="#ppt_y"/>
+                                          </p:val>
+                                        </p:tav>
+                                      </p:tavLst>
+                                    </p:anim>
+                                  </p:childTnLst>
+                                </p:cTn>
+                              </p:par>
+                            </p:childTnLst>
+                          </p:cTn>
+                        </p:par>
+                        <p:par>
+                          <p:cTn id="27" fill="hold">
+                            <p:stCondLst>
+                              <p:cond delay="500"/>
+                            </p:stCondLst>
+                            <p:childTnLst>
+                              <p:par>
+                                <p:cTn id="28" presetID="2" presetClass="entr" presetSubtype="4" fill="hold" grpId="0" nodeType="afterEffect">
+                                  <p:stCondLst>
+                                    <p:cond delay="0"/>
+                                  </p:stCondLst>
+                                  <p:childTnLst>
+                                    <p:set>
+                                      <p:cBhvr>
+                                        <p:cTn id="29" dur="1" fill="hold">
+                                          <p:stCondLst>
+                                            <p:cond delay="0"/>
+                                          </p:stCondLst>
+                                        </p:cTn>
+                                        <p:tgtEl>
+                                          <p:spTgt spid="2">
+                                            <p:txEl>
+                                              <p:pRg st="4" end="4"/>
+                                            </p:txEl>
+                                          </p:spTgt>
+                                        </p:tgtEl>
+                                        <p:attrNameLst>
+                                          <p:attrName>style.visibility</p:attrName>
+                                        </p:attrNameLst>
+                                      </p:cBhvr>
+                                      <p:to>
+                                        <p:strVal val="visible"/>
+                                      </p:to>
+                                    </p:set>
+                                    <p:anim calcmode="lin" valueType="num">
+                                      <p:cBhvr additive="base">
+                                        <p:cTn id="30" dur="500" fill="hold"/>
+                                        <p:tgtEl>
+                                          <p:spTgt spid="2">
+                                            <p:txEl>
+                                              <p:pRg st="4" end="4"/>
+                                            </p:txEl>
+                                          </p:spTgt>
+                                        </p:tgtEl>
+                                        <p:attrNameLst>
+                                          <p:attrName>ppt_x</p:attrName>
+                                        </p:attrNameLst>
+                                      </p:cBhvr>
+                                      <p:tavLst>
+                                        <p:tav tm="0">
+                                          <p:val>
+                                            <p:strVal val="#ppt_x"/>
+                                          </p:val>
+                                        </p:tav>
+                                        <p:tav tm="100000">
+                                          <p:val>
+                                            <p:strVal val="#ppt_x"/>
+                                          </p:val>
+                                        </p:tav>
+                                      </p:tavLst>
+                                    </p:anim>
+                                    <p:anim calcmode="lin" valueType="num">
+                                      <p:cBhvr additive="base">
+                                        <p:cTn id="31" dur="500" fill="hold"/>
+                                        <p:tgtEl>
+                                          <p:spTgt spid="2">
+                                            <p:txEl>
+                                              <p:pRg st="4" end="4"/>
+                                            </p:txEl>
+                                          </p:spTgt>
+                                        </p:tgtEl>
+                                        <p:attrNameLst>
+                                          <p:attrName>ppt_y</p:attrName>
+                                        </p:attrNameLst>
+                                      </p:cBhvr>
+                                      <p:tavLst>
+                                        <p:tav tm="0">
+                                          <p:val>
+                                            <p:strVal val="1+#ppt_h/2"/>
+                                          </p:val>
+                                        </p:tav>
+                                        <p:tav tm="100000">
+                                          <p:val>
+                                            <p:strVal val="#ppt_y"/>
+                                          </p:val>
+                                        </p:tav>
+                                      </p:tavLst>
+                                    </p:anim>
+                                  </p:childTnLst>
+                                </p:cTn>
+                              </p:par>
+                            </p:childTnLst>
+                          </p:cTn>
+                        </p:par>
+                        <p:par>
+                          <p:cTn id="32" fill="hold">
+                            <p:stCondLst>
+                              <p:cond delay="1000"/>
+                            </p:stCondLst>
+                            <p:childTnLst>
+                              <p:par>
+                                <p:cTn id="33" presetID="2" presetClass="entr" presetSubtype="4" fill="hold" grpId="0" nodeType="afterEffect">
+                                  <p:stCondLst>
+                                    <p:cond delay="0"/>
+                                  </p:stCondLst>
+                                  <p:childTnLst>
+                                    <p:set>
+                                      <p:cBhvr>
+                                        <p:cTn id="34" dur="1" fill="hold">
+                                          <p:stCondLst>
+                                            <p:cond delay="0"/>
+                                          </p:stCondLst>
+                                        </p:cTn>
+                                        <p:tgtEl>
+                                          <p:spTgt spid="2">
+                                            <p:txEl>
+                                              <p:pRg st="5" end="5"/>
+                                            </p:txEl>
+                                          </p:spTgt>
+                                        </p:tgtEl>
+                                        <p:attrNameLst>
+                                          <p:attrName>style.visibility</p:attrName>
+                                        </p:attrNameLst>
+                                      </p:cBhvr>
+                                      <p:to>
+                                        <p:strVal val="visible"/>
+                                      </p:to>
+                                    </p:set>
+                                    <p:anim calcmode="lin" valueType="num">
+                                      <p:cBhvr additive="base">
+                                        <p:cTn id="35" dur="500" fill="hold"/>
+                                        <p:tgtEl>
+                                          <p:spTgt spid="2">
+                                            <p:txEl>
+                                              <p:pRg st="5" end="5"/>
+                                            </p:txEl>
+                                          </p:spTgt>
+                                        </p:tgtEl>
+                                        <p:attrNameLst>
+                                          <p:attrName>ppt_x</p:attrName>
+                                        </p:attrNameLst>
+                                      </p:cBhvr>
+                                      <p:tavLst>
+                                        <p:tav tm="0">
+                                          <p:val>
+                                            <p:strVal val="#ppt_x"/>
+                                          </p:val>
+                                        </p:tav>
+                                        <p:tav tm="100000">
+                                          <p:val>
+                                            <p:strVal val="#ppt_x"/>
+                                          </p:val>
+                                        </p:tav>
+                                      </p:tavLst>
+                                    </p:anim>
+                                    <p:anim calcmode="lin" valueType="num">
+                                      <p:cBhvr additive="base">
+                                        <p:cTn id="36" dur="500" fill="hold"/>
+                                        <p:tgtEl>
+                                          <p:spTgt spid="2">
+                                            <p:txEl>
+                                              <p:pRg st="5" end="5"/>
+                                            </p:txEl>
+                                          </p:spTgt>
+                                        </p:tgtEl>
+                                        <p:attrNameLst>
+                                          <p:attrName>ppt_y</p:attrName>
+                                        </p:attrNameLst>
+                                      </p:cBhvr>
+                                      <p:tavLst>
+                                        <p:tav tm="0">
+                                          <p:val>
+                                            <p:strVal val="1+#ppt_h/2"/>
+                                          </p:val>
+                                        </p:tav>
+                                        <p:tav tm="100000">
+                                          <p:val>
+                                            <p:strVal val="#ppt_y"/>
+                                          </p:val>
+                                        </p:tav>
+                                      </p:tavLst>
+                                    </p:anim>
+                                  </p:childTnLst>
+                                </p:cTn>
+                              </p:par>
+                            </p:childTnLst>
+                          </p:cTn>
+                        </p:par>
+                        <p:par>
+                          <p:cTn id="37" fill="hold">
+                            <p:stCondLst>
+                              <p:cond delay="1500"/>
+                            </p:stCondLst>
+                            <p:childTnLst>
+                              <p:par>
+                                <p:cTn id="38" presetID="2" presetClass="entr" presetSubtype="4" fill="hold" grpId="0" nodeType="afterEffect">
+                                  <p:stCondLst>
+                                    <p:cond delay="0"/>
+                                  </p:stCondLst>
+                                  <p:childTnLst>
+                                    <p:set>
+                                      <p:cBhvr>
+                                        <p:cTn id="39" dur="1" fill="hold">
+                                          <p:stCondLst>
+                                            <p:cond delay="0"/>
+                                          </p:stCondLst>
+                                        </p:cTn>
+                                        <p:tgtEl>
+                                          <p:spTgt spid="2">
+                                            <p:txEl>
+                                              <p:pRg st="6" end="6"/>
+                                            </p:txEl>
+                                          </p:spTgt>
+                                        </p:tgtEl>
+                                        <p:attrNameLst>
+                                          <p:attrName>style.visibility</p:attrName>
+                                        </p:attrNameLst>
+                                      </p:cBhvr>
+                                      <p:to>
+                                        <p:strVal val="visible"/>
+                                      </p:to>
+                                    </p:set>
+                                    <p:anim calcmode="lin" valueType="num">
+                                      <p:cBhvr additive="base">
+                                        <p:cTn id="40" dur="500" fill="hold"/>
+                                        <p:tgtEl>
+                                          <p:spTgt spid="2">
+                                            <p:txEl>
+                                              <p:pRg st="6" end="6"/>
+                                            </p:txEl>
+                                          </p:spTgt>
+                                        </p:tgtEl>
+                                        <p:attrNameLst>
+                                          <p:attrName>ppt_x</p:attrName>
+                                        </p:attrNameLst>
+                                      </p:cBhvr>
+                                      <p:tavLst>
+                                        <p:tav tm="0">
+                                          <p:val>
+                                            <p:strVal val="#ppt_x"/>
+                                          </p:val>
+                                        </p:tav>
+                                        <p:tav tm="100000">
+                                          <p:val>
+                                            <p:strVal val="#ppt_x"/>
+                                          </p:val>
+                                        </p:tav>
+                                      </p:tavLst>
+                                    </p:anim>
+                                    <p:anim calcmode="lin" valueType="num">
+                                      <p:cBhvr additive="base">
+                                        <p:cTn id="41" dur="500" fill="hold"/>
+                                        <p:tgtEl>
+                                          <p:spTgt spid="2">
+                                            <p:txEl>
+                                              <p:pRg st="6" end="6"/>
+                                            </p:txEl>
+                                          </p:spTgt>
+                                        </p:tgtEl>
+                                        <p:attrNameLst>
+                                          <p:attrName>ppt_y</p:attrName>
+                                        </p:attrNameLst>
+                                      </p:cBhvr>
+                                      <p:tavLst>
+                                        <p:tav tm="0">
+                                          <p:val>
+                                            <p:strVal val="1+#ppt_h/2"/>
+                                          </p:val>
+                                        </p:tav>
+                                        <p:tav tm="100000">
+                                          <p:val>
+                                            <p:strVal val="#ppt_y"/>
+                                          </p:val>
+                                        </p:tav>
+                                      </p:tavLst>
+                                    </p:anim>
+                                  </p:childTnLst>
+                                </p:cTn>
+                              </p:par>
+                            </p:childTnLst>
+                          </p:cTn>
+                        </p:par>
+                        <p:par>
+                          <p:cTn id="42" fill="hold">
+                            <p:stCondLst>
+                              <p:cond delay="2000"/>
+                            </p:stCondLst>
+                            <p:childTnLst>
+                              <p:par>
+                                <p:cTn id="43" presetID="2" presetClass="entr" presetSubtype="4" fill="hold" grpId="0" nodeType="afterEffect">
+                                  <p:stCondLst>
+                                    <p:cond delay="0"/>
+                                  </p:stCondLst>
+                                  <p:childTnLst>
+                                    <p:set>
+                                      <p:cBhvr>
+                                        <p:cTn id="44" dur="1" fill="hold">
+                                          <p:stCondLst>
+                                            <p:cond delay="0"/>
+                                          </p:stCondLst>
+                                        </p:cTn>
+                                        <p:tgtEl>
+                                          <p:spTgt spid="2">
+                                            <p:txEl>
+                                              <p:pRg st="7" end="7"/>
+                                            </p:txEl>
+                                          </p:spTgt>
+                                        </p:tgtEl>
+                                        <p:attrNameLst>
+                                          <p:attrName>style.visibility</p:attrName>
+                                        </p:attrNameLst>
+                                      </p:cBhvr>
+                                      <p:to>
+                                        <p:strVal val="visible"/>
+                                      </p:to>
+                                    </p:set>
+                                    <p:anim calcmode="lin" valueType="num">
+                                      <p:cBhvr additive="base">
+                                        <p:cTn id="45" dur="500" fill="hold"/>
+                                        <p:tgtEl>
+                                          <p:spTgt spid="2">
+                                            <p:txEl>
+                                              <p:pRg st="7" end="7"/>
+                                            </p:txEl>
+                                          </p:spTgt>
+                                        </p:tgtEl>
+                                        <p:attrNameLst>
+                                          <p:attrName>ppt_x</p:attrName>
+                                        </p:attrNameLst>
+                                      </p:cBhvr>
+                                      <p:tavLst>
+                                        <p:tav tm="0">
+                                          <p:val>
+                                            <p:strVal val="#ppt_x"/>
+                                          </p:val>
+                                        </p:tav>
+                                        <p:tav tm="100000">
+                                          <p:val>
+                                            <p:strVal val="#ppt_x"/>
+                                          </p:val>
+                                        </p:tav>
+                                      </p:tavLst>
+                                    </p:anim>
+                                    <p:anim calcmode="lin" valueType="num">
+                                      <p:cBhvr additive="base">
+                                        <p:cTn id="46" dur="500" fill="hold"/>
+                                        <p:tgtEl>
+                                          <p:spTgt spid="2">
+                                            <p:txEl>
+                                              <p:pRg st="7" end="7"/>
+                                            </p:txEl>
+                                          </p:spTgt>
+                                        </p:tgtEl>
+                                        <p:attrNameLst>
+                                          <p:attrName>ppt_y</p:attrName>
+                                        </p:attrNameLst>
+                                      </p:cBhvr>
+                                      <p:tavLst>
+                                        <p:tav tm="0">
+                                          <p:val>
+                                            <p:strVal val="1+#ppt_h/2"/>
+                                          </p:val>
+                                        </p:tav>
+                                        <p:tav tm="100000">
+                                          <p:val>
+                                            <p:strVal val="#ppt_y"/>
+                                          </p:val>
+                                        </p:tav>
+                                      </p:tavLst>
+                                    </p:anim>
+                                  </p:childTnLst>
+                                </p:cTn>
+                              </p:par>
+                            </p:childTnLst>
+                          </p:cTn>
+                        </p:par>
+                        <p:par>
+                          <p:cTn id="47" fill="hold">
+                            <p:stCondLst>
+                              <p:cond delay="2500"/>
+                            </p:stCondLst>
+                            <p:childTnLst>
+                              <p:par>
+                                <p:cTn id="48" presetID="2" presetClass="entr" presetSubtype="4" fill="hold" grpId="0" nodeType="afterEffect">
+                                  <p:stCondLst>
+                                    <p:cond delay="0"/>
+                                  </p:stCondLst>
+                                  <p:childTnLst>
+                                    <p:set>
+                                      <p:cBhvr>
+                                        <p:cTn id="49" dur="1" fill="hold">
+                                          <p:stCondLst>
+                                            <p:cond delay="0"/>
+                                          </p:stCondLst>
+                                        </p:cTn>
+                                        <p:tgtEl>
+                                          <p:spTgt spid="2">
+                                            <p:txEl>
+                                              <p:pRg st="8" end="8"/>
+                                            </p:txEl>
+                                          </p:spTgt>
+                                        </p:tgtEl>
+                                        <p:attrNameLst>
+                                          <p:attrName>style.visibility</p:attrName>
+                                        </p:attrNameLst>
+                                      </p:cBhvr>
+                                      <p:to>
+                                        <p:strVal val="visible"/>
+                                      </p:to>
+                                    </p:set>
+                                    <p:anim calcmode="lin" valueType="num">
+                                      <p:cBhvr additive="base">
+                                        <p:cTn id="50" dur="500" fill="hold"/>
+                                        <p:tgtEl>
+                                          <p:spTgt spid="2">
+                                            <p:txEl>
+                                              <p:pRg st="8" end="8"/>
+                                            </p:txEl>
+                                          </p:spTgt>
+                                        </p:tgtEl>
+                                        <p:attrNameLst>
+                                          <p:attrName>ppt_x</p:attrName>
+                                        </p:attrNameLst>
+                                      </p:cBhvr>
+                                      <p:tavLst>
+                                        <p:tav tm="0">
+                                          <p:val>
+                                            <p:strVal val="#ppt_x"/>
+                                          </p:val>
+                                        </p:tav>
+                                        <p:tav tm="100000">
+                                          <p:val>
+                                            <p:strVal val="#ppt_x"/>
+                                          </p:val>
+                                        </p:tav>
+                                      </p:tavLst>
+                                    </p:anim>
+                                    <p:anim calcmode="lin" valueType="num">
+                                      <p:cBhvr additive="base">
+                                        <p:cTn id="51" dur="500" fill="hold"/>
+                                        <p:tgtEl>
+                                          <p:spTgt spid="2">
+                                            <p:txEl>
+                                              <p:pRg st="8" end="8"/>
+                                            </p:txEl>
+                                          </p:spTgt>
+                                        </p:tgtEl>
+                                        <p:attrNameLst>
+                                          <p:attrName>ppt_y</p:attrName>
+                                        </p:attrNameLst>
+                                      </p:cBhvr>
+                                      <p:tavLst>
+                                        <p:tav tm="0">
+                                          <p:val>
+                                            <p:strVal val="1+#ppt_h/2"/>
+                                          </p:val>
+                                        </p:tav>
+                                        <p:tav tm="100000">
+                                          <p:val>
+                                            <p:strVal val="#ppt_y"/>
+                                          </p:val>
+                                        </p:tav>
+                                      </p:tavLst>
+                                    </p:anim>
+                                  </p:childTnLst>
+                                </p:cTn>
+                              </p:par>
+                            </p:childTnLst>
+                          </p:cTn>
+                        </p:par>
+                      </p:childTnLst>
+                    </p:cTn>
+                  </p:par>
+                  <p:par>
+                    <p:cTn id="52" fill="hold">
+                      <p:stCondLst>
+                        <p:cond delay="indefinite"/>
+                      </p:stCondLst>
+                      <p:childTnLst>
+                        <p:par>
+                          <p:cTn id="53" fill="hold">
+                            <p:stCondLst>
+                              <p:cond delay="0"/>
+                            </p:stCondLst>
+                            <p:childTnLst>
+                              <p:par>
+                                <p:cTn id="54" presetID="2" presetClass="entr" presetSubtype="4" fill="hold" grpId="0" nodeType="clickEffect">
+                                  <p:stCondLst>
+                                    <p:cond delay="0"/>
+                                  </p:stCondLst>
+                                  <p:childTnLst>
+                                    <p:set>
+                                      <p:cBhvr>
+                                        <p:cTn id="55" dur="1" fill="hold">
+                                          <p:stCondLst>
+                                            <p:cond delay="0"/>
+                                          </p:stCondLst>
+                                        </p:cTn>
+                                        <p:tgtEl>
+                                          <p:spTgt spid="2">
+                                            <p:txEl>
+                                              <p:pRg st="10" end="10"/>
+                                            </p:txEl>
+                                          </p:spTgt>
+                                        </p:tgtEl>
+                                        <p:attrNameLst>
+                                          <p:attrName>style.visibility</p:attrName>
+                                        </p:attrNameLst>
+                                      </p:cBhvr>
+                                      <p:to>
+                                        <p:strVal val="visible"/>
+                                      </p:to>
+                                    </p:set>
+                                    <p:anim calcmode="lin" valueType="num">
+                                      <p:cBhvr additive="base">
+                                        <p:cTn id="56" dur="500" fill="hold"/>
+                                        <p:tgtEl>
+                                          <p:spTgt spid="2">
+                                            <p:txEl>
+                                              <p:pRg st="10" end="10"/>
+                                            </p:txEl>
+                                          </p:spTgt>
+                                        </p:tgtEl>
+                                        <p:attrNameLst>
+                                          <p:attrName>ppt_x</p:attrName>
+                                        </p:attrNameLst>
+                                      </p:cBhvr>
+                                      <p:tavLst>
+                                        <p:tav tm="0">
+                                          <p:val>
+                                            <p:strVal val="#ppt_x"/>
+                                          </p:val>
+                                        </p:tav>
+                                        <p:tav tm="100000">
+                                          <p:val>
+                                            <p:strVal val="#ppt_x"/>
+                                          </p:val>
+                                        </p:tav>
+                                      </p:tavLst>
+                                    </p:anim>
+                                    <p:anim calcmode="lin" valueType="num">
+                                      <p:cBhvr additive="base">
+                                        <p:cTn id="57" dur="500" fill="hold"/>
+                                        <p:tgtEl>
+                                          <p:spTgt spid="2">
+                                            <p:txEl>
+                                              <p:pRg st="10" end="10"/>
+                                            </p:txEl>
+                                          </p:spTgt>
+                                        </p:tgtEl>
+                                        <p:attrNameLst>
+                                          <p:attrName>ppt_y</p:attrName>
+                                        </p:attrNameLst>
+                                      </p:cBhvr>
+                                      <p:tavLst>
+                                        <p:tav tm="0">
+                                          <p:val>
+                                            <p:strVal val="1+#ppt_h/2"/>
+                                          </p:val>
+                                        </p:tav>
+                                        <p:tav tm="100000">
+                                          <p:val>
+                                            <p:strVal val="#ppt_y"/>
+                                          </p:val>
+                                        </p:tav>
+                                      </p:tavLst>
+                                    </p:anim>
+                                  </p:childTnLst>
+                                </p:cTn>
+                              </p:par>
+                            </p:childTnLst>
+                          </p:cTn>
+                        </p:par>
+                        <p:par>
+                          <p:cTn id="58" fill="hold">
+                            <p:stCondLst>
+                              <p:cond delay="500"/>
+                            </p:stCondLst>
+                            <p:childTnLst>
+                              <p:par>
+                                <p:cTn id="59" presetID="2" presetClass="entr" presetSubtype="4" fill="hold" grpId="0" nodeType="afterEffect">
+                                  <p:stCondLst>
+                                    <p:cond delay="0"/>
+                                  </p:stCondLst>
+                                  <p:childTnLst>
+                                    <p:set>
+                                      <p:cBhvr>
+                                        <p:cTn id="60" dur="1" fill="hold">
+                                          <p:stCondLst>
+                                            <p:cond delay="0"/>
+                                          </p:stCondLst>
+                                        </p:cTn>
+                                        <p:tgtEl>
+                                          <p:spTgt spid="2">
+                                            <p:txEl>
+                                              <p:pRg st="11" end="11"/>
+                                            </p:txEl>
+                                          </p:spTgt>
+                                        </p:tgtEl>
+                                        <p:attrNameLst>
+                                          <p:attrName>style.visibility</p:attrName>
+                                        </p:attrNameLst>
+                                      </p:cBhvr>
+                                      <p:to>
+                                        <p:strVal val="visible"/>
+                                      </p:to>
+                                    </p:set>
+                                    <p:anim calcmode="lin" valueType="num">
+                                      <p:cBhvr additive="base">
+                                        <p:cTn id="61" dur="500" fill="hold"/>
+                                        <p:tgtEl>
+                                          <p:spTgt spid="2">
+                                            <p:txEl>
+                                              <p:pRg st="11" end="11"/>
+                                            </p:txEl>
+                                          </p:spTgt>
+                                        </p:tgtEl>
+                                        <p:attrNameLst>
+                                          <p:attrName>ppt_x</p:attrName>
+                                        </p:attrNameLst>
+                                      </p:cBhvr>
+                                      <p:tavLst>
+                                        <p:tav tm="0">
+                                          <p:val>
+                                            <p:strVal val="#ppt_x"/>
+                                          </p:val>
+                                        </p:tav>
+                                        <p:tav tm="100000">
+                                          <p:val>
+                                            <p:strVal val="#ppt_x"/>
+                                          </p:val>
+                                        </p:tav>
+                                      </p:tavLst>
+                                    </p:anim>
+                                    <p:anim calcmode="lin" valueType="num">
+                                      <p:cBhvr additive="base">
+                                        <p:cTn id="62" dur="500" fill="hold"/>
+                                        <p:tgtEl>
+                                          <p:spTgt spid="2">
+                                            <p:txEl>
+                                              <p:pRg st="11" end="11"/>
+                                            </p:txEl>
+                                          </p:spTgt>
+                                        </p:tgtEl>
+                                        <p:attrNameLst>
+                                          <p:attrName>ppt_y</p:attrName>
+                                        </p:attrNameLst>
+                                      </p:cBhvr>
+                                      <p:tavLst>
+                                        <p:tav tm="0">
+                                          <p:val>
+                                            <p:strVal val="1+#ppt_h/2"/>
+                                          </p:val>
+                                        </p:tav>
+                                        <p:tav tm="100000">
+                                          <p:val>
+                                            <p:strVal val="#ppt_y"/>
+                                          </p:val>
+                                        </p:tav>
+                                      </p:tavLst>
+                                    </p:anim>
+                                  </p:childTnLst>
+                                </p:cTn>
+                              </p:par>
+                            </p:childTnLst>
+                          </p:cTn>
+                        </p:par>
+                        <p:par>
+                          <p:cTn id="63" fill="hold">
+                            <p:stCondLst>
+                              <p:cond delay="1000"/>
+                            </p:stCondLst>
+                            <p:childTnLst>
+                              <p:par>
+                                <p:cTn id="64" presetID="2" presetClass="entr" presetSubtype="4" fill="hold" grpId="0" nodeType="afterEffect">
+                                  <p:stCondLst>
+                                    <p:cond delay="0"/>
+                                  </p:stCondLst>
+                                  <p:childTnLst>
+                                    <p:set>
+                                      <p:cBhvr>
+                                        <p:cTn id="65" dur="1" fill="hold">
+                                          <p:stCondLst>
+                                            <p:cond delay="0"/>
+                                          </p:stCondLst>
+                                        </p:cTn>
+                                        <p:tgtEl>
+                                          <p:spTgt spid="2">
+                                            <p:txEl>
+                                              <p:pRg st="12" end="12"/>
+                                            </p:txEl>
+                                          </p:spTgt>
+                                        </p:tgtEl>
+                                        <p:attrNameLst>
+                                          <p:attrName>style.visibility</p:attrName>
+                                        </p:attrNameLst>
+                                      </p:cBhvr>
+                                      <p:to>
+                                        <p:strVal val="visible"/>
+                                      </p:to>
+                                    </p:set>
+                                    <p:anim calcmode="lin" valueType="num">
+                                      <p:cBhvr additive="base">
+                                        <p:cTn id="66" dur="500" fill="hold"/>
+                                        <p:tgtEl>
+                                          <p:spTgt spid="2">
+                                            <p:txEl>
+                                              <p:pRg st="12" end="12"/>
+                                            </p:txEl>
+                                          </p:spTgt>
+                                        </p:tgtEl>
+                                        <p:attrNameLst>
+                                          <p:attrName>ppt_x</p:attrName>
+                                        </p:attrNameLst>
+                                      </p:cBhvr>
+                                      <p:tavLst>
+                                        <p:tav tm="0">
+                                          <p:val>
+                                            <p:strVal val="#ppt_x"/>
+                                          </p:val>
+                                        </p:tav>
+                                        <p:tav tm="100000">
+                                          <p:val>
+                                            <p:strVal val="#ppt_x"/>
+                                          </p:val>
+                                        </p:tav>
+                                      </p:tavLst>
+                                    </p:anim>
+                                    <p:anim calcmode="lin" valueType="num">
+                                      <p:cBhvr additive="base">
+                                        <p:cTn id="67" dur="500" fill="hold"/>
+                                        <p:tgtEl>
+                                          <p:spTgt spid="2">
+                                            <p:txEl>
+                                              <p:pRg st="12" end="12"/>
+                                            </p:txEl>
+                                          </p:spTgt>
+                                        </p:tgtEl>
+                                        <p:attrNameLst>
+                                          <p:attrName>ppt_y</p:attrName>
+                                        </p:attrNameLst>
+                                      </p:cBhvr>
+                                      <p:tavLst>
+                                        <p:tav tm="0">
+                                          <p:val>
+                                            <p:strVal val="1+#ppt_h/2"/>
+                                          </p:val>
+                                        </p:tav>
+                                        <p:tav tm="100000">
+                                          <p:val>
+                                            <p:strVal val="#ppt_y"/>
+                                          </p:val>
+                                        </p:tav>
+                                      </p:tavLst>
+                                    </p:anim>
+                                  </p:childTnLst>
+                                </p:cTn>
+                              </p:par>
+                            </p:childTnLst>
+                          </p:cTn>
+                        </p:par>
+                        <p:par>
+                          <p:cTn id="68" fill="hold">
+                            <p:stCondLst>
+                              <p:cond delay="1500"/>
+                            </p:stCondLst>
+                            <p:childTnLst>
+                              <p:par>
+                                <p:cTn id="69" presetID="2" presetClass="entr" presetSubtype="4" fill="hold" grpId="0" nodeType="afterEffect">
+                                  <p:stCondLst>
+                                    <p:cond delay="0"/>
+                                  </p:stCondLst>
+                                  <p:childTnLst>
+                                    <p:set>
+                                      <p:cBhvr>
+                                        <p:cTn id="70" dur="1" fill="hold">
+                                          <p:stCondLst>
+                                            <p:cond delay="0"/>
+                                          </p:stCondLst>
+                                        </p:cTn>
+                                        <p:tgtEl>
+                                          <p:spTgt spid="2">
+                                            <p:txEl>
+                                              <p:pRg st="13" end="13"/>
+                                            </p:txEl>
+                                          </p:spTgt>
+                                        </p:tgtEl>
+                                        <p:attrNameLst>
+                                          <p:attrName>style.visibility</p:attrName>
+                                        </p:attrNameLst>
+                                      </p:cBhvr>
+                                      <p:to>
+                                        <p:strVal val="visible"/>
+                                      </p:to>
+                                    </p:set>
+                                    <p:anim calcmode="lin" valueType="num">
+                                      <p:cBhvr additive="base">
+                                        <p:cTn id="71" dur="500" fill="hold"/>
+                                        <p:tgtEl>
+                                          <p:spTgt spid="2">
+                                            <p:txEl>
+                                              <p:pRg st="13" end="13"/>
+                                            </p:txEl>
+                                          </p:spTgt>
+                                        </p:tgtEl>
+                                        <p:attrNameLst>
+                                          <p:attrName>ppt_x</p:attrName>
+                                        </p:attrNameLst>
+                                      </p:cBhvr>
+                                      <p:tavLst>
+                                        <p:tav tm="0">
+                                          <p:val>
+                                            <p:strVal val="#ppt_x"/>
+                                          </p:val>
+                                        </p:tav>
+                                        <p:tav tm="100000">
+                                          <p:val>
+                                            <p:strVal val="#ppt_x"/>
+                                          </p:val>
+                                        </p:tav>
+                                      </p:tavLst>
+                                    </p:anim>
+                                    <p:anim calcmode="lin" valueType="num">
+                                      <p:cBhvr additive="base">
+                                        <p:cTn id="72" dur="500" fill="hold"/>
+                                        <p:tgtEl>
+                                          <p:spTgt spid="2">
+                                            <p:txEl>
+                                              <p:pRg st="13" end="13"/>
+                                            </p:txEl>
+                                          </p:spTgt>
+                                        </p:tgtEl>
+                                        <p:attrNameLst>
+                                          <p:attrName>ppt_y</p:attrName>
+                                        </p:attrNameLst>
+                                      </p:cBhvr>
+                                      <p:tavLst>
+                                        <p:tav tm="0">
+                                          <p:val>
+                                            <p:strVal val="1+#ppt_h/2"/>
+                                          </p:val>
+                                        </p:tav>
+                                        <p:tav tm="100000">
+                                          <p:val>
+                                            <p:strVal val="#ppt_y"/>
+                                          </p:val>
+                                        </p:tav>
+                                      </p:tavLst>
+                                    </p:anim>
+                                  </p:childTnLst>
+                                </p:cTn>
+                              </p:par>
+                            </p:childTnLst>
+                          </p:cTn>
+                        </p:par>
+                        <p:par>
+                          <p:cTn id="73" fill="hold">
+                            <p:stCondLst>
+                              <p:cond delay="2000"/>
+                            </p:stCondLst>
+                            <p:childTnLst>
+                              <p:par>
+                                <p:cTn id="74" presetID="2" presetClass="entr" presetSubtype="4" fill="hold" grpId="0" nodeType="afterEffect">
+                                  <p:stCondLst>
+                                    <p:cond delay="0"/>
+                                  </p:stCondLst>
+                                  <p:childTnLst>
+                                    <p:set>
+                                      <p:cBhvr>
+                                        <p:cTn id="75" dur="1" fill="hold">
+                                          <p:stCondLst>
+                                            <p:cond delay="0"/>
+                                          </p:stCondLst>
+                                        </p:cTn>
+                                        <p:tgtEl>
+                                          <p:spTgt spid="2">
+                                            <p:txEl>
+                                              <p:pRg st="14" end="14"/>
+                                            </p:txEl>
+                                          </p:spTgt>
+                                        </p:tgtEl>
+                                        <p:attrNameLst>
+                                          <p:attrName>style.visibility</p:attrName>
+                                        </p:attrNameLst>
+                                      </p:cBhvr>
+                                      <p:to>
+                                        <p:strVal val="visible"/>
+                                      </p:to>
+                                    </p:set>
+                                    <p:anim calcmode="lin" valueType="num">
+                                      <p:cBhvr additive="base">
+                                        <p:cTn id="76" dur="500" fill="hold"/>
+                                        <p:tgtEl>
+                                          <p:spTgt spid="2">
+                                            <p:txEl>
+                                              <p:pRg st="14" end="14"/>
+                                            </p:txEl>
+                                          </p:spTgt>
+                                        </p:tgtEl>
+                                        <p:attrNameLst>
+                                          <p:attrName>ppt_x</p:attrName>
+                                        </p:attrNameLst>
+                                      </p:cBhvr>
+                                      <p:tavLst>
+                                        <p:tav tm="0">
+                                          <p:val>
+                                            <p:strVal val="#ppt_x"/>
+                                          </p:val>
+                                        </p:tav>
+                                        <p:tav tm="100000">
+                                          <p:val>
+                                            <p:strVal val="#ppt_x"/>
+                                          </p:val>
+                                        </p:tav>
+                                      </p:tavLst>
+                                    </p:anim>
+                                    <p:anim calcmode="lin" valueType="num">
+                                      <p:cBhvr additive="base">
+                                        <p:cTn id="77" dur="500" fill="hold"/>
+                                        <p:tgtEl>
+                                          <p:spTgt spid="2">
+                                            <p:txEl>
+                                              <p:pRg st="14" end="14"/>
+                                            </p:txEl>
+                                          </p:spTgt>
+                                        </p:tgtEl>
+                                        <p:attrNameLst>
+                                          <p:attrName>ppt_y</p:attrName>
+                                        </p:attrNameLst>
+                                      </p:cBhvr>
+                                      <p:tavLst>
+                                        <p:tav tm="0">
+                                          <p:val>
+                                            <p:strVal val="1+#ppt_h/2"/>
+                                          </p:val>
+                                        </p:tav>
+                                        <p:tav tm="100000">
+                                          <p:val>
+                                            <p:strVal val="#ppt_y"/>
+                                          </p:val>
+                                        </p:tav>
+                                      </p:tavLst>
+                                    </p:anim>
+                                  </p:childTnLst>
+                                </p:cTn>
+                              </p:par>
+                            </p:childTnLst>
+                          </p:cTn>
+                        </p:par>
+                      </p:childTnLst>
+                    </p:cTn>
+                  </p:par>
+                </p:childTnLst>
+              </p:cTn>
+              <p:prevCondLst>
+                <p:cond evt="onPrev" delay="0">
+                  <p:tgtEl>
+                    <p:sldTgt/>
+                  </p:tgtEl>
+                </p:cond>
+              </p:prevCondLst>
+              <p:nextCondLst>
+                <p:cond evt="onNext" delay="0">
+                  <p:tgtEl>
+                    <p:sldTgt/>
+                  </p:tgtEl>
+                </p:cond>
+              </p:nextCondLst>
+            </p:seq>
+          </p:childTnLst>
+        </p:cTn>
+      </p:par>
+    </p:tnLst>
+    <p:bldLst>
+      <p:bldP spid="2" grpId="0" uiExpand="1" build="p"/>
+    </p:bldLst>
+  </p:timing>
 </p:sld>
 </file>
 
@@ -12729,12 +14195,8 @@
           </a:p>
           <a:p>
             <a:r>
-              <a:rPr lang="de-DE"/>
-              <a:t>→ </a:t>
-            </a:r>
-            <a:r>
               <a:rPr lang="de-DE" dirty="0"/>
-              <a:t>Rest ähnlich zum </a:t>
+              <a:t>→ Rest ähnlich zum </a:t>
             </a:r>
             <a:r>
               <a:rPr lang="de-DE" dirty="0" err="1"/>
@@ -12807,36 +14269,6 @@
       </p:sp>
       <p:pic>
         <p:nvPicPr>
-          <p:cNvPr id="6" name="Grafik 5">
-            <a:extLst>
-              <a:ext uri="{FF2B5EF4-FFF2-40B4-BE49-F238E27FC236}">
-                <a16:creationId xmlns:a16="http://schemas.microsoft.com/office/drawing/2014/main" id="{445C3DC1-5573-4121-9769-F542539B8F7D}"/>
-              </a:ext>
-            </a:extLst>
-          </p:cNvPr>
-          <p:cNvPicPr>
-            <a:picLocks noChangeAspect="1"/>
-          </p:cNvPicPr>
-          <p:nvPr/>
-        </p:nvPicPr>
-        <p:blipFill>
-          <a:blip r:embed="rId2"/>
-          <a:stretch>
-            <a:fillRect/>
-          </a:stretch>
-        </p:blipFill>
-        <p:spPr>
-          <a:xfrm>
-            <a:off x="79379" y="2402159"/>
-            <a:ext cx="4219236" cy="2053681"/>
-          </a:xfrm>
-          <a:prstGeom prst="rect">
-            <a:avLst/>
-          </a:prstGeom>
-        </p:spPr>
-      </p:pic>
-      <p:pic>
-        <p:nvPicPr>
           <p:cNvPr id="7" name="Grafik 6">
             <a:extLst>
               <a:ext uri="{FF2B5EF4-FFF2-40B4-BE49-F238E27FC236}">
@@ -12857,7 +14289,7 @@
         </p:blipFill>
         <p:spPr>
           <a:xfrm>
-            <a:off x="135526" y="2402159"/>
+            <a:off x="102692" y="2362563"/>
             <a:ext cx="4219236" cy="2053681"/>
           </a:xfrm>
           <a:prstGeom prst="rect">
@@ -12867,10 +14299,10 @@
       </p:pic>
       <p:pic>
         <p:nvPicPr>
-          <p:cNvPr id="4" name="Grafik 3">
+          <p:cNvPr id="9" name="Grafik 8">
             <a:extLst>
               <a:ext uri="{FF2B5EF4-FFF2-40B4-BE49-F238E27FC236}">
-                <a16:creationId xmlns:a16="http://schemas.microsoft.com/office/drawing/2014/main" id="{690E1030-278C-411D-A092-B68302BF2598}"/>
+                <a16:creationId xmlns:a16="http://schemas.microsoft.com/office/drawing/2014/main" id="{38386990-1099-4727-B56C-345AE8C1E18E}"/>
               </a:ext>
             </a:extLst>
           </p:cNvPr>
@@ -12887,8 +14319,38 @@
         </p:blipFill>
         <p:spPr>
           <a:xfrm>
-            <a:off x="4298615" y="1762188"/>
-            <a:ext cx="4526295" cy="3042130"/>
+            <a:off x="4279463" y="1762188"/>
+            <a:ext cx="4545447" cy="3055002"/>
+          </a:xfrm>
+          <a:prstGeom prst="rect">
+            <a:avLst/>
+          </a:prstGeom>
+        </p:spPr>
+      </p:pic>
+      <p:pic>
+        <p:nvPicPr>
+          <p:cNvPr id="10" name="Grafik 9">
+            <a:extLst>
+              <a:ext uri="{FF2B5EF4-FFF2-40B4-BE49-F238E27FC236}">
+                <a16:creationId xmlns:a16="http://schemas.microsoft.com/office/drawing/2014/main" id="{0DBBC377-41CC-41B4-8D26-3CE7F52EEE3A}"/>
+              </a:ext>
+            </a:extLst>
+          </p:cNvPr>
+          <p:cNvPicPr>
+            <a:picLocks noChangeAspect="1"/>
+          </p:cNvPicPr>
+          <p:nvPr/>
+        </p:nvPicPr>
+        <p:blipFill>
+          <a:blip r:embed="rId3"/>
+          <a:stretch>
+            <a:fillRect/>
+          </a:stretch>
+        </p:blipFill>
+        <p:spPr>
+          <a:xfrm>
+            <a:off x="1418850" y="1762188"/>
+            <a:ext cx="6306299" cy="4238473"/>
           </a:xfrm>
           <a:prstGeom prst="rect">
             <a:avLst/>
@@ -12905,6 +14367,500 @@
   <p:clrMapOvr>
     <a:masterClrMapping/>
   </p:clrMapOvr>
+  <p:timing>
+    <p:tnLst>
+      <p:par>
+        <p:cTn id="1" dur="indefinite" restart="never" nodeType="tmRoot">
+          <p:childTnLst>
+            <p:seq concurrent="1" nextAc="seek">
+              <p:cTn id="2" dur="indefinite" nodeType="mainSeq">
+                <p:childTnLst>
+                  <p:par>
+                    <p:cTn id="3" fill="hold">
+                      <p:stCondLst>
+                        <p:cond delay="indefinite"/>
+                      </p:stCondLst>
+                      <p:childTnLst>
+                        <p:par>
+                          <p:cTn id="4" fill="hold">
+                            <p:stCondLst>
+                              <p:cond delay="0"/>
+                            </p:stCondLst>
+                            <p:childTnLst>
+                              <p:par>
+                                <p:cTn id="5" presetID="10" presetClass="exit" presetSubtype="0" fill="hold" nodeType="clickEffect">
+                                  <p:stCondLst>
+                                    <p:cond delay="0"/>
+                                  </p:stCondLst>
+                                  <p:childTnLst>
+                                    <p:animEffect transition="out" filter="fade">
+                                      <p:cBhvr>
+                                        <p:cTn id="6" dur="500"/>
+                                        <p:tgtEl>
+                                          <p:spTgt spid="10"/>
+                                        </p:tgtEl>
+                                      </p:cBhvr>
+                                    </p:animEffect>
+                                    <p:set>
+                                      <p:cBhvr>
+                                        <p:cTn id="7" dur="1" fill="hold">
+                                          <p:stCondLst>
+                                            <p:cond delay="499"/>
+                                          </p:stCondLst>
+                                        </p:cTn>
+                                        <p:tgtEl>
+                                          <p:spTgt spid="10"/>
+                                        </p:tgtEl>
+                                        <p:attrNameLst>
+                                          <p:attrName>style.visibility</p:attrName>
+                                        </p:attrNameLst>
+                                      </p:cBhvr>
+                                      <p:to>
+                                        <p:strVal val="hidden"/>
+                                      </p:to>
+                                    </p:set>
+                                  </p:childTnLst>
+                                </p:cTn>
+                              </p:par>
+                              <p:par>
+                                <p:cTn id="8" presetID="10" presetClass="entr" presetSubtype="0" fill="hold" nodeType="withEffect">
+                                  <p:stCondLst>
+                                    <p:cond delay="0"/>
+                                  </p:stCondLst>
+                                  <p:childTnLst>
+                                    <p:set>
+                                      <p:cBhvr>
+                                        <p:cTn id="9" dur="1" fill="hold">
+                                          <p:stCondLst>
+                                            <p:cond delay="0"/>
+                                          </p:stCondLst>
+                                        </p:cTn>
+                                        <p:tgtEl>
+                                          <p:spTgt spid="9"/>
+                                        </p:tgtEl>
+                                        <p:attrNameLst>
+                                          <p:attrName>style.visibility</p:attrName>
+                                        </p:attrNameLst>
+                                      </p:cBhvr>
+                                      <p:to>
+                                        <p:strVal val="visible"/>
+                                      </p:to>
+                                    </p:set>
+                                    <p:animEffect transition="in" filter="fade">
+                                      <p:cBhvr>
+                                        <p:cTn id="10" dur="500"/>
+                                        <p:tgtEl>
+                                          <p:spTgt spid="9"/>
+                                        </p:tgtEl>
+                                      </p:cBhvr>
+                                    </p:animEffect>
+                                  </p:childTnLst>
+                                </p:cTn>
+                              </p:par>
+                            </p:childTnLst>
+                          </p:cTn>
+                        </p:par>
+                        <p:par>
+                          <p:cTn id="11" fill="hold">
+                            <p:stCondLst>
+                              <p:cond delay="500"/>
+                            </p:stCondLst>
+                            <p:childTnLst>
+                              <p:par>
+                                <p:cTn id="12" presetID="2" presetClass="entr" presetSubtype="8" fill="hold" grpId="0" nodeType="afterEffect">
+                                  <p:stCondLst>
+                                    <p:cond delay="0"/>
+                                  </p:stCondLst>
+                                  <p:childTnLst>
+                                    <p:set>
+                                      <p:cBhvr>
+                                        <p:cTn id="13" dur="1" fill="hold">
+                                          <p:stCondLst>
+                                            <p:cond delay="0"/>
+                                          </p:stCondLst>
+                                        </p:cTn>
+                                        <p:tgtEl>
+                                          <p:spTgt spid="2">
+                                            <p:txEl>
+                                              <p:pRg st="0" end="0"/>
+                                            </p:txEl>
+                                          </p:spTgt>
+                                        </p:tgtEl>
+                                        <p:attrNameLst>
+                                          <p:attrName>style.visibility</p:attrName>
+                                        </p:attrNameLst>
+                                      </p:cBhvr>
+                                      <p:to>
+                                        <p:strVal val="visible"/>
+                                      </p:to>
+                                    </p:set>
+                                    <p:anim calcmode="lin" valueType="num">
+                                      <p:cBhvr additive="base">
+                                        <p:cTn id="14" dur="500" fill="hold"/>
+                                        <p:tgtEl>
+                                          <p:spTgt spid="2">
+                                            <p:txEl>
+                                              <p:pRg st="0" end="0"/>
+                                            </p:txEl>
+                                          </p:spTgt>
+                                        </p:tgtEl>
+                                        <p:attrNameLst>
+                                          <p:attrName>ppt_x</p:attrName>
+                                        </p:attrNameLst>
+                                      </p:cBhvr>
+                                      <p:tavLst>
+                                        <p:tav tm="0">
+                                          <p:val>
+                                            <p:strVal val="0-#ppt_w/2"/>
+                                          </p:val>
+                                        </p:tav>
+                                        <p:tav tm="100000">
+                                          <p:val>
+                                            <p:strVal val="#ppt_x"/>
+                                          </p:val>
+                                        </p:tav>
+                                      </p:tavLst>
+                                    </p:anim>
+                                    <p:anim calcmode="lin" valueType="num">
+                                      <p:cBhvr additive="base">
+                                        <p:cTn id="15" dur="500" fill="hold"/>
+                                        <p:tgtEl>
+                                          <p:spTgt spid="2">
+                                            <p:txEl>
+                                              <p:pRg st="0" end="0"/>
+                                            </p:txEl>
+                                          </p:spTgt>
+                                        </p:tgtEl>
+                                        <p:attrNameLst>
+                                          <p:attrName>ppt_y</p:attrName>
+                                        </p:attrNameLst>
+                                      </p:cBhvr>
+                                      <p:tavLst>
+                                        <p:tav tm="0">
+                                          <p:val>
+                                            <p:strVal val="#ppt_y"/>
+                                          </p:val>
+                                        </p:tav>
+                                        <p:tav tm="100000">
+                                          <p:val>
+                                            <p:strVal val="#ppt_y"/>
+                                          </p:val>
+                                        </p:tav>
+                                      </p:tavLst>
+                                    </p:anim>
+                                  </p:childTnLst>
+                                </p:cTn>
+                              </p:par>
+                            </p:childTnLst>
+                          </p:cTn>
+                        </p:par>
+                        <p:par>
+                          <p:cTn id="16" fill="hold">
+                            <p:stCondLst>
+                              <p:cond delay="1000"/>
+                            </p:stCondLst>
+                            <p:childTnLst>
+                              <p:par>
+                                <p:cTn id="17" presetID="2" presetClass="entr" presetSubtype="8" fill="hold" grpId="0" nodeType="afterEffect">
+                                  <p:stCondLst>
+                                    <p:cond delay="0"/>
+                                  </p:stCondLst>
+                                  <p:childTnLst>
+                                    <p:set>
+                                      <p:cBhvr>
+                                        <p:cTn id="18" dur="1" fill="hold">
+                                          <p:stCondLst>
+                                            <p:cond delay="0"/>
+                                          </p:stCondLst>
+                                        </p:cTn>
+                                        <p:tgtEl>
+                                          <p:spTgt spid="2">
+                                            <p:txEl>
+                                              <p:pRg st="1" end="1"/>
+                                            </p:txEl>
+                                          </p:spTgt>
+                                        </p:tgtEl>
+                                        <p:attrNameLst>
+                                          <p:attrName>style.visibility</p:attrName>
+                                        </p:attrNameLst>
+                                      </p:cBhvr>
+                                      <p:to>
+                                        <p:strVal val="visible"/>
+                                      </p:to>
+                                    </p:set>
+                                    <p:anim calcmode="lin" valueType="num">
+                                      <p:cBhvr additive="base">
+                                        <p:cTn id="19" dur="500" fill="hold"/>
+                                        <p:tgtEl>
+                                          <p:spTgt spid="2">
+                                            <p:txEl>
+                                              <p:pRg st="1" end="1"/>
+                                            </p:txEl>
+                                          </p:spTgt>
+                                        </p:tgtEl>
+                                        <p:attrNameLst>
+                                          <p:attrName>ppt_x</p:attrName>
+                                        </p:attrNameLst>
+                                      </p:cBhvr>
+                                      <p:tavLst>
+                                        <p:tav tm="0">
+                                          <p:val>
+                                            <p:strVal val="0-#ppt_w/2"/>
+                                          </p:val>
+                                        </p:tav>
+                                        <p:tav tm="100000">
+                                          <p:val>
+                                            <p:strVal val="#ppt_x"/>
+                                          </p:val>
+                                        </p:tav>
+                                      </p:tavLst>
+                                    </p:anim>
+                                    <p:anim calcmode="lin" valueType="num">
+                                      <p:cBhvr additive="base">
+                                        <p:cTn id="20" dur="500" fill="hold"/>
+                                        <p:tgtEl>
+                                          <p:spTgt spid="2">
+                                            <p:txEl>
+                                              <p:pRg st="1" end="1"/>
+                                            </p:txEl>
+                                          </p:spTgt>
+                                        </p:tgtEl>
+                                        <p:attrNameLst>
+                                          <p:attrName>ppt_y</p:attrName>
+                                        </p:attrNameLst>
+                                      </p:cBhvr>
+                                      <p:tavLst>
+                                        <p:tav tm="0">
+                                          <p:val>
+                                            <p:strVal val="#ppt_y"/>
+                                          </p:val>
+                                        </p:tav>
+                                        <p:tav tm="100000">
+                                          <p:val>
+                                            <p:strVal val="#ppt_y"/>
+                                          </p:val>
+                                        </p:tav>
+                                      </p:tavLst>
+                                    </p:anim>
+                                  </p:childTnLst>
+                                </p:cTn>
+                              </p:par>
+                            </p:childTnLst>
+                          </p:cTn>
+                        </p:par>
+                        <p:par>
+                          <p:cTn id="21" fill="hold">
+                            <p:stCondLst>
+                              <p:cond delay="1500"/>
+                            </p:stCondLst>
+                            <p:childTnLst>
+                              <p:par>
+                                <p:cTn id="22" presetID="2" presetClass="entr" presetSubtype="8" fill="hold" nodeType="afterEffect">
+                                  <p:stCondLst>
+                                    <p:cond delay="0"/>
+                                  </p:stCondLst>
+                                  <p:childTnLst>
+                                    <p:set>
+                                      <p:cBhvr>
+                                        <p:cTn id="23" dur="1" fill="hold">
+                                          <p:stCondLst>
+                                            <p:cond delay="0"/>
+                                          </p:stCondLst>
+                                        </p:cTn>
+                                        <p:tgtEl>
+                                          <p:spTgt spid="7"/>
+                                        </p:tgtEl>
+                                        <p:attrNameLst>
+                                          <p:attrName>style.visibility</p:attrName>
+                                        </p:attrNameLst>
+                                      </p:cBhvr>
+                                      <p:to>
+                                        <p:strVal val="visible"/>
+                                      </p:to>
+                                    </p:set>
+                                    <p:anim calcmode="lin" valueType="num">
+                                      <p:cBhvr additive="base">
+                                        <p:cTn id="24" dur="500" fill="hold"/>
+                                        <p:tgtEl>
+                                          <p:spTgt spid="7"/>
+                                        </p:tgtEl>
+                                        <p:attrNameLst>
+                                          <p:attrName>ppt_x</p:attrName>
+                                        </p:attrNameLst>
+                                      </p:cBhvr>
+                                      <p:tavLst>
+                                        <p:tav tm="0">
+                                          <p:val>
+                                            <p:strVal val="0-#ppt_w/2"/>
+                                          </p:val>
+                                        </p:tav>
+                                        <p:tav tm="100000">
+                                          <p:val>
+                                            <p:strVal val="#ppt_x"/>
+                                          </p:val>
+                                        </p:tav>
+                                      </p:tavLst>
+                                    </p:anim>
+                                    <p:anim calcmode="lin" valueType="num">
+                                      <p:cBhvr additive="base">
+                                        <p:cTn id="25" dur="500" fill="hold"/>
+                                        <p:tgtEl>
+                                          <p:spTgt spid="7"/>
+                                        </p:tgtEl>
+                                        <p:attrNameLst>
+                                          <p:attrName>ppt_y</p:attrName>
+                                        </p:attrNameLst>
+                                      </p:cBhvr>
+                                      <p:tavLst>
+                                        <p:tav tm="0">
+                                          <p:val>
+                                            <p:strVal val="#ppt_y"/>
+                                          </p:val>
+                                        </p:tav>
+                                        <p:tav tm="100000">
+                                          <p:val>
+                                            <p:strVal val="#ppt_y"/>
+                                          </p:val>
+                                        </p:tav>
+                                      </p:tavLst>
+                                    </p:anim>
+                                  </p:childTnLst>
+                                </p:cTn>
+                              </p:par>
+                            </p:childTnLst>
+                          </p:cTn>
+                        </p:par>
+                      </p:childTnLst>
+                    </p:cTn>
+                  </p:par>
+                  <p:par>
+                    <p:cTn id="26" fill="hold">
+                      <p:stCondLst>
+                        <p:cond delay="indefinite"/>
+                      </p:stCondLst>
+                      <p:childTnLst>
+                        <p:par>
+                          <p:cTn id="27" fill="hold">
+                            <p:stCondLst>
+                              <p:cond delay="0"/>
+                            </p:stCondLst>
+                            <p:childTnLst>
+                              <p:par>
+                                <p:cTn id="28" presetID="2" presetClass="entr" presetSubtype="8" fill="hold" grpId="0" nodeType="clickEffect">
+                                  <p:stCondLst>
+                                    <p:cond delay="0"/>
+                                  </p:stCondLst>
+                                  <p:childTnLst>
+                                    <p:set>
+                                      <p:cBhvr>
+                                        <p:cTn id="29" dur="1" fill="hold">
+                                          <p:stCondLst>
+                                            <p:cond delay="0"/>
+                                          </p:stCondLst>
+                                        </p:cTn>
+                                        <p:tgtEl>
+                                          <p:spTgt spid="2">
+                                            <p:txEl>
+                                              <p:pRg st="10" end="10"/>
+                                            </p:txEl>
+                                          </p:spTgt>
+                                        </p:tgtEl>
+                                        <p:attrNameLst>
+                                          <p:attrName>style.visibility</p:attrName>
+                                        </p:attrNameLst>
+                                      </p:cBhvr>
+                                      <p:to>
+                                        <p:strVal val="visible"/>
+                                      </p:to>
+                                    </p:set>
+                                    <p:anim calcmode="lin" valueType="num">
+                                      <p:cBhvr additive="base">
+                                        <p:cTn id="30" dur="500" fill="hold"/>
+                                        <p:tgtEl>
+                                          <p:spTgt spid="2">
+                                            <p:txEl>
+                                              <p:pRg st="10" end="10"/>
+                                            </p:txEl>
+                                          </p:spTgt>
+                                        </p:tgtEl>
+                                        <p:attrNameLst>
+                                          <p:attrName>ppt_x</p:attrName>
+                                        </p:attrNameLst>
+                                      </p:cBhvr>
+                                      <p:tavLst>
+                                        <p:tav tm="0">
+                                          <p:val>
+                                            <p:strVal val="0-#ppt_w/2"/>
+                                          </p:val>
+                                        </p:tav>
+                                        <p:tav tm="100000">
+                                          <p:val>
+                                            <p:strVal val="#ppt_x"/>
+                                          </p:val>
+                                        </p:tav>
+                                      </p:tavLst>
+                                    </p:anim>
+                                    <p:anim calcmode="lin" valueType="num">
+                                      <p:cBhvr additive="base">
+                                        <p:cTn id="31" dur="500" fill="hold"/>
+                                        <p:tgtEl>
+                                          <p:spTgt spid="2">
+                                            <p:txEl>
+                                              <p:pRg st="10" end="10"/>
+                                            </p:txEl>
+                                          </p:spTgt>
+                                        </p:tgtEl>
+                                        <p:attrNameLst>
+                                          <p:attrName>ppt_y</p:attrName>
+                                        </p:attrNameLst>
+                                      </p:cBhvr>
+                                      <p:tavLst>
+                                        <p:tav tm="0">
+                                          <p:val>
+                                            <p:strVal val="#ppt_y"/>
+                                          </p:val>
+                                        </p:tav>
+                                        <p:tav tm="100000">
+                                          <p:val>
+                                            <p:strVal val="#ppt_y"/>
+                                          </p:val>
+                                        </p:tav>
+                                      </p:tavLst>
+                                    </p:anim>
+                                  </p:childTnLst>
+                                </p:cTn>
+                              </p:par>
+                            </p:childTnLst>
+                          </p:cTn>
+                        </p:par>
+                      </p:childTnLst>
+                    </p:cTn>
+                  </p:par>
+                </p:childTnLst>
+              </p:cTn>
+              <p:prevCondLst>
+                <p:cond evt="onPrev" delay="0">
+                  <p:tgtEl>
+                    <p:sldTgt/>
+                  </p:tgtEl>
+                </p:cond>
+              </p:prevCondLst>
+              <p:nextCondLst>
+                <p:cond evt="onNext" delay="0">
+                  <p:tgtEl>
+                    <p:sldTgt/>
+                  </p:tgtEl>
+                </p:cond>
+              </p:nextCondLst>
+            </p:seq>
+          </p:childTnLst>
+        </p:cTn>
+      </p:par>
+    </p:tnLst>
+    <p:bldLst>
+      <p:bldP spid="2" grpId="0" uiExpand="1" build="p"/>
+    </p:bldLst>
+  </p:timing>
 </p:sld>
 </file>
 
@@ -13092,7 +15048,7 @@
             </a:pPr>
             <a:r>
               <a:rPr lang="de-DE" dirty="0"/>
-              <a:t>V1 wird passend zu </a:t>
+              <a:t>v1 wird passend zu </a:t>
             </a:r>
             <a:r>
               <a:rPr lang="de-DE" dirty="0" err="1"/>
@@ -13100,7 +15056,7 @@
             </a:r>
             <a:r>
               <a:rPr lang="de-DE" dirty="0"/>
-              <a:t> berechnet</a:t>
+              <a:t> gezogen</a:t>
             </a:r>
           </a:p>
         </p:txBody>
@@ -13253,6 +15209,36 @@
           </a:prstGeom>
         </p:spPr>
       </p:pic>
+      <p:pic>
+        <p:nvPicPr>
+          <p:cNvPr id="10" name="Grafik 9">
+            <a:extLst>
+              <a:ext uri="{FF2B5EF4-FFF2-40B4-BE49-F238E27FC236}">
+                <a16:creationId xmlns:a16="http://schemas.microsoft.com/office/drawing/2014/main" id="{8749A437-4162-4F2D-90F9-229A8790F39E}"/>
+              </a:ext>
+            </a:extLst>
+          </p:cNvPr>
+          <p:cNvPicPr>
+            <a:picLocks noChangeAspect="1"/>
+          </p:cNvPicPr>
+          <p:nvPr/>
+        </p:nvPicPr>
+        <p:blipFill>
+          <a:blip r:embed="rId2"/>
+          <a:stretch>
+            <a:fillRect/>
+          </a:stretch>
+        </p:blipFill>
+        <p:spPr>
+          <a:xfrm>
+            <a:off x="1403745" y="1782790"/>
+            <a:ext cx="6336509" cy="4205256"/>
+          </a:xfrm>
+          <a:prstGeom prst="rect">
+            <a:avLst/>
+          </a:prstGeom>
+        </p:spPr>
+      </p:pic>
     </p:spTree>
     <p:extLst>
       <p:ext uri="{BB962C8B-B14F-4D97-AF65-F5344CB8AC3E}">
@@ -13263,6 +15249,949 @@
   <p:clrMapOvr>
     <a:masterClrMapping/>
   </p:clrMapOvr>
+  <p:timing>
+    <p:tnLst>
+      <p:par>
+        <p:cTn id="1" dur="indefinite" restart="never" nodeType="tmRoot">
+          <p:childTnLst>
+            <p:seq concurrent="1" nextAc="seek">
+              <p:cTn id="2" dur="indefinite" nodeType="mainSeq">
+                <p:childTnLst>
+                  <p:par>
+                    <p:cTn id="3" fill="hold">
+                      <p:stCondLst>
+                        <p:cond delay="indefinite"/>
+                      </p:stCondLst>
+                      <p:childTnLst>
+                        <p:par>
+                          <p:cTn id="4" fill="hold">
+                            <p:stCondLst>
+                              <p:cond delay="0"/>
+                            </p:stCondLst>
+                            <p:childTnLst>
+                              <p:par>
+                                <p:cTn id="5" presetID="10" presetClass="exit" presetSubtype="0" fill="hold" nodeType="clickEffect">
+                                  <p:stCondLst>
+                                    <p:cond delay="0"/>
+                                  </p:stCondLst>
+                                  <p:childTnLst>
+                                    <p:animEffect transition="out" filter="fade">
+                                      <p:cBhvr>
+                                        <p:cTn id="6" dur="500"/>
+                                        <p:tgtEl>
+                                          <p:spTgt spid="10"/>
+                                        </p:tgtEl>
+                                      </p:cBhvr>
+                                    </p:animEffect>
+                                    <p:set>
+                                      <p:cBhvr>
+                                        <p:cTn id="7" dur="1" fill="hold">
+                                          <p:stCondLst>
+                                            <p:cond delay="499"/>
+                                          </p:stCondLst>
+                                        </p:cTn>
+                                        <p:tgtEl>
+                                          <p:spTgt spid="10"/>
+                                        </p:tgtEl>
+                                        <p:attrNameLst>
+                                          <p:attrName>style.visibility</p:attrName>
+                                        </p:attrNameLst>
+                                      </p:cBhvr>
+                                      <p:to>
+                                        <p:strVal val="hidden"/>
+                                      </p:to>
+                                    </p:set>
+                                  </p:childTnLst>
+                                </p:cTn>
+                              </p:par>
+                              <p:par>
+                                <p:cTn id="8" presetID="10" presetClass="entr" presetSubtype="0" fill="hold" nodeType="withEffect">
+                                  <p:stCondLst>
+                                    <p:cond delay="0"/>
+                                  </p:stCondLst>
+                                  <p:childTnLst>
+                                    <p:set>
+                                      <p:cBhvr>
+                                        <p:cTn id="9" dur="1" fill="hold">
+                                          <p:stCondLst>
+                                            <p:cond delay="0"/>
+                                          </p:stCondLst>
+                                        </p:cTn>
+                                        <p:tgtEl>
+                                          <p:spTgt spid="4"/>
+                                        </p:tgtEl>
+                                        <p:attrNameLst>
+                                          <p:attrName>style.visibility</p:attrName>
+                                        </p:attrNameLst>
+                                      </p:cBhvr>
+                                      <p:to>
+                                        <p:strVal val="visible"/>
+                                      </p:to>
+                                    </p:set>
+                                    <p:animEffect transition="in" filter="fade">
+                                      <p:cBhvr>
+                                        <p:cTn id="10" dur="500"/>
+                                        <p:tgtEl>
+                                          <p:spTgt spid="4"/>
+                                        </p:tgtEl>
+                                      </p:cBhvr>
+                                    </p:animEffect>
+                                  </p:childTnLst>
+                                </p:cTn>
+                              </p:par>
+                            </p:childTnLst>
+                          </p:cTn>
+                        </p:par>
+                        <p:par>
+                          <p:cTn id="11" fill="hold">
+                            <p:stCondLst>
+                              <p:cond delay="500"/>
+                            </p:stCondLst>
+                            <p:childTnLst>
+                              <p:par>
+                                <p:cTn id="12" presetID="2" presetClass="entr" presetSubtype="4" fill="hold" grpId="0" nodeType="afterEffect">
+                                  <p:stCondLst>
+                                    <p:cond delay="0"/>
+                                  </p:stCondLst>
+                                  <p:childTnLst>
+                                    <p:set>
+                                      <p:cBhvr>
+                                        <p:cTn id="13" dur="1" fill="hold">
+                                          <p:stCondLst>
+                                            <p:cond delay="0"/>
+                                          </p:stCondLst>
+                                        </p:cTn>
+                                        <p:tgtEl>
+                                          <p:spTgt spid="2">
+                                            <p:txEl>
+                                              <p:pRg st="0" end="0"/>
+                                            </p:txEl>
+                                          </p:spTgt>
+                                        </p:tgtEl>
+                                        <p:attrNameLst>
+                                          <p:attrName>style.visibility</p:attrName>
+                                        </p:attrNameLst>
+                                      </p:cBhvr>
+                                      <p:to>
+                                        <p:strVal val="visible"/>
+                                      </p:to>
+                                    </p:set>
+                                    <p:anim calcmode="lin" valueType="num">
+                                      <p:cBhvr additive="base">
+                                        <p:cTn id="14" dur="500" fill="hold"/>
+                                        <p:tgtEl>
+                                          <p:spTgt spid="2">
+                                            <p:txEl>
+                                              <p:pRg st="0" end="0"/>
+                                            </p:txEl>
+                                          </p:spTgt>
+                                        </p:tgtEl>
+                                        <p:attrNameLst>
+                                          <p:attrName>ppt_x</p:attrName>
+                                        </p:attrNameLst>
+                                      </p:cBhvr>
+                                      <p:tavLst>
+                                        <p:tav tm="0">
+                                          <p:val>
+                                            <p:strVal val="#ppt_x"/>
+                                          </p:val>
+                                        </p:tav>
+                                        <p:tav tm="100000">
+                                          <p:val>
+                                            <p:strVal val="#ppt_x"/>
+                                          </p:val>
+                                        </p:tav>
+                                      </p:tavLst>
+                                    </p:anim>
+                                    <p:anim calcmode="lin" valueType="num">
+                                      <p:cBhvr additive="base">
+                                        <p:cTn id="15" dur="500" fill="hold"/>
+                                        <p:tgtEl>
+                                          <p:spTgt spid="2">
+                                            <p:txEl>
+                                              <p:pRg st="0" end="0"/>
+                                            </p:txEl>
+                                          </p:spTgt>
+                                        </p:tgtEl>
+                                        <p:attrNameLst>
+                                          <p:attrName>ppt_y</p:attrName>
+                                        </p:attrNameLst>
+                                      </p:cBhvr>
+                                      <p:tavLst>
+                                        <p:tav tm="0">
+                                          <p:val>
+                                            <p:strVal val="1+#ppt_h/2"/>
+                                          </p:val>
+                                        </p:tav>
+                                        <p:tav tm="100000">
+                                          <p:val>
+                                            <p:strVal val="#ppt_y"/>
+                                          </p:val>
+                                        </p:tav>
+                                      </p:tavLst>
+                                    </p:anim>
+                                  </p:childTnLst>
+                                </p:cTn>
+                              </p:par>
+                            </p:childTnLst>
+                          </p:cTn>
+                        </p:par>
+                        <p:par>
+                          <p:cTn id="16" fill="hold">
+                            <p:stCondLst>
+                              <p:cond delay="1000"/>
+                            </p:stCondLst>
+                            <p:childTnLst>
+                              <p:par>
+                                <p:cTn id="17" presetID="2" presetClass="entr" presetSubtype="4" fill="hold" grpId="0" nodeType="afterEffect">
+                                  <p:stCondLst>
+                                    <p:cond delay="0"/>
+                                  </p:stCondLst>
+                                  <p:childTnLst>
+                                    <p:set>
+                                      <p:cBhvr>
+                                        <p:cTn id="18" dur="1" fill="hold">
+                                          <p:stCondLst>
+                                            <p:cond delay="0"/>
+                                          </p:stCondLst>
+                                        </p:cTn>
+                                        <p:tgtEl>
+                                          <p:spTgt spid="2">
+                                            <p:txEl>
+                                              <p:pRg st="1" end="1"/>
+                                            </p:txEl>
+                                          </p:spTgt>
+                                        </p:tgtEl>
+                                        <p:attrNameLst>
+                                          <p:attrName>style.visibility</p:attrName>
+                                        </p:attrNameLst>
+                                      </p:cBhvr>
+                                      <p:to>
+                                        <p:strVal val="visible"/>
+                                      </p:to>
+                                    </p:set>
+                                    <p:anim calcmode="lin" valueType="num">
+                                      <p:cBhvr additive="base">
+                                        <p:cTn id="19" dur="500" fill="hold"/>
+                                        <p:tgtEl>
+                                          <p:spTgt spid="2">
+                                            <p:txEl>
+                                              <p:pRg st="1" end="1"/>
+                                            </p:txEl>
+                                          </p:spTgt>
+                                        </p:tgtEl>
+                                        <p:attrNameLst>
+                                          <p:attrName>ppt_x</p:attrName>
+                                        </p:attrNameLst>
+                                      </p:cBhvr>
+                                      <p:tavLst>
+                                        <p:tav tm="0">
+                                          <p:val>
+                                            <p:strVal val="#ppt_x"/>
+                                          </p:val>
+                                        </p:tav>
+                                        <p:tav tm="100000">
+                                          <p:val>
+                                            <p:strVal val="#ppt_x"/>
+                                          </p:val>
+                                        </p:tav>
+                                      </p:tavLst>
+                                    </p:anim>
+                                    <p:anim calcmode="lin" valueType="num">
+                                      <p:cBhvr additive="base">
+                                        <p:cTn id="20" dur="500" fill="hold"/>
+                                        <p:tgtEl>
+                                          <p:spTgt spid="2">
+                                            <p:txEl>
+                                              <p:pRg st="1" end="1"/>
+                                            </p:txEl>
+                                          </p:spTgt>
+                                        </p:tgtEl>
+                                        <p:attrNameLst>
+                                          <p:attrName>ppt_y</p:attrName>
+                                        </p:attrNameLst>
+                                      </p:cBhvr>
+                                      <p:tavLst>
+                                        <p:tav tm="0">
+                                          <p:val>
+                                            <p:strVal val="1+#ppt_h/2"/>
+                                          </p:val>
+                                        </p:tav>
+                                        <p:tav tm="100000">
+                                          <p:val>
+                                            <p:strVal val="#ppt_y"/>
+                                          </p:val>
+                                        </p:tav>
+                                      </p:tavLst>
+                                    </p:anim>
+                                  </p:childTnLst>
+                                </p:cTn>
+                              </p:par>
+                            </p:childTnLst>
+                          </p:cTn>
+                        </p:par>
+                        <p:par>
+                          <p:cTn id="21" fill="hold">
+                            <p:stCondLst>
+                              <p:cond delay="1500"/>
+                            </p:stCondLst>
+                            <p:childTnLst>
+                              <p:par>
+                                <p:cTn id="22" presetID="2" presetClass="entr" presetSubtype="4" fill="hold" grpId="0" nodeType="afterEffect">
+                                  <p:stCondLst>
+                                    <p:cond delay="0"/>
+                                  </p:stCondLst>
+                                  <p:childTnLst>
+                                    <p:set>
+                                      <p:cBhvr>
+                                        <p:cTn id="23" dur="1" fill="hold">
+                                          <p:stCondLst>
+                                            <p:cond delay="0"/>
+                                          </p:stCondLst>
+                                        </p:cTn>
+                                        <p:tgtEl>
+                                          <p:spTgt spid="2">
+                                            <p:txEl>
+                                              <p:pRg st="2" end="2"/>
+                                            </p:txEl>
+                                          </p:spTgt>
+                                        </p:tgtEl>
+                                        <p:attrNameLst>
+                                          <p:attrName>style.visibility</p:attrName>
+                                        </p:attrNameLst>
+                                      </p:cBhvr>
+                                      <p:to>
+                                        <p:strVal val="visible"/>
+                                      </p:to>
+                                    </p:set>
+                                    <p:anim calcmode="lin" valueType="num">
+                                      <p:cBhvr additive="base">
+                                        <p:cTn id="24" dur="500" fill="hold"/>
+                                        <p:tgtEl>
+                                          <p:spTgt spid="2">
+                                            <p:txEl>
+                                              <p:pRg st="2" end="2"/>
+                                            </p:txEl>
+                                          </p:spTgt>
+                                        </p:tgtEl>
+                                        <p:attrNameLst>
+                                          <p:attrName>ppt_x</p:attrName>
+                                        </p:attrNameLst>
+                                      </p:cBhvr>
+                                      <p:tavLst>
+                                        <p:tav tm="0">
+                                          <p:val>
+                                            <p:strVal val="#ppt_x"/>
+                                          </p:val>
+                                        </p:tav>
+                                        <p:tav tm="100000">
+                                          <p:val>
+                                            <p:strVal val="#ppt_x"/>
+                                          </p:val>
+                                        </p:tav>
+                                      </p:tavLst>
+                                    </p:anim>
+                                    <p:anim calcmode="lin" valueType="num">
+                                      <p:cBhvr additive="base">
+                                        <p:cTn id="25" dur="500" fill="hold"/>
+                                        <p:tgtEl>
+                                          <p:spTgt spid="2">
+                                            <p:txEl>
+                                              <p:pRg st="2" end="2"/>
+                                            </p:txEl>
+                                          </p:spTgt>
+                                        </p:tgtEl>
+                                        <p:attrNameLst>
+                                          <p:attrName>ppt_y</p:attrName>
+                                        </p:attrNameLst>
+                                      </p:cBhvr>
+                                      <p:tavLst>
+                                        <p:tav tm="0">
+                                          <p:val>
+                                            <p:strVal val="1+#ppt_h/2"/>
+                                          </p:val>
+                                        </p:tav>
+                                        <p:tav tm="100000">
+                                          <p:val>
+                                            <p:strVal val="#ppt_y"/>
+                                          </p:val>
+                                        </p:tav>
+                                      </p:tavLst>
+                                    </p:anim>
+                                  </p:childTnLst>
+                                </p:cTn>
+                              </p:par>
+                            </p:childTnLst>
+                          </p:cTn>
+                        </p:par>
+                        <p:par>
+                          <p:cTn id="26" fill="hold">
+                            <p:stCondLst>
+                              <p:cond delay="2000"/>
+                            </p:stCondLst>
+                            <p:childTnLst>
+                              <p:par>
+                                <p:cTn id="27" presetID="2" presetClass="entr" presetSubtype="4" fill="hold" grpId="0" nodeType="afterEffect">
+                                  <p:stCondLst>
+                                    <p:cond delay="0"/>
+                                  </p:stCondLst>
+                                  <p:childTnLst>
+                                    <p:set>
+                                      <p:cBhvr>
+                                        <p:cTn id="28" dur="1" fill="hold">
+                                          <p:stCondLst>
+                                            <p:cond delay="0"/>
+                                          </p:stCondLst>
+                                        </p:cTn>
+                                        <p:tgtEl>
+                                          <p:spTgt spid="2">
+                                            <p:txEl>
+                                              <p:pRg st="3" end="3"/>
+                                            </p:txEl>
+                                          </p:spTgt>
+                                        </p:tgtEl>
+                                        <p:attrNameLst>
+                                          <p:attrName>style.visibility</p:attrName>
+                                        </p:attrNameLst>
+                                      </p:cBhvr>
+                                      <p:to>
+                                        <p:strVal val="visible"/>
+                                      </p:to>
+                                    </p:set>
+                                    <p:anim calcmode="lin" valueType="num">
+                                      <p:cBhvr additive="base">
+                                        <p:cTn id="29" dur="500" fill="hold"/>
+                                        <p:tgtEl>
+                                          <p:spTgt spid="2">
+                                            <p:txEl>
+                                              <p:pRg st="3" end="3"/>
+                                            </p:txEl>
+                                          </p:spTgt>
+                                        </p:tgtEl>
+                                        <p:attrNameLst>
+                                          <p:attrName>ppt_x</p:attrName>
+                                        </p:attrNameLst>
+                                      </p:cBhvr>
+                                      <p:tavLst>
+                                        <p:tav tm="0">
+                                          <p:val>
+                                            <p:strVal val="#ppt_x"/>
+                                          </p:val>
+                                        </p:tav>
+                                        <p:tav tm="100000">
+                                          <p:val>
+                                            <p:strVal val="#ppt_x"/>
+                                          </p:val>
+                                        </p:tav>
+                                      </p:tavLst>
+                                    </p:anim>
+                                    <p:anim calcmode="lin" valueType="num">
+                                      <p:cBhvr additive="base">
+                                        <p:cTn id="30" dur="500" fill="hold"/>
+                                        <p:tgtEl>
+                                          <p:spTgt spid="2">
+                                            <p:txEl>
+                                              <p:pRg st="3" end="3"/>
+                                            </p:txEl>
+                                          </p:spTgt>
+                                        </p:tgtEl>
+                                        <p:attrNameLst>
+                                          <p:attrName>ppt_y</p:attrName>
+                                        </p:attrNameLst>
+                                      </p:cBhvr>
+                                      <p:tavLst>
+                                        <p:tav tm="0">
+                                          <p:val>
+                                            <p:strVal val="1+#ppt_h/2"/>
+                                          </p:val>
+                                        </p:tav>
+                                        <p:tav tm="100000">
+                                          <p:val>
+                                            <p:strVal val="#ppt_y"/>
+                                          </p:val>
+                                        </p:tav>
+                                      </p:tavLst>
+                                    </p:anim>
+                                  </p:childTnLst>
+                                </p:cTn>
+                              </p:par>
+                            </p:childTnLst>
+                          </p:cTn>
+                        </p:par>
+                        <p:par>
+                          <p:cTn id="31" fill="hold">
+                            <p:stCondLst>
+                              <p:cond delay="2500"/>
+                            </p:stCondLst>
+                            <p:childTnLst>
+                              <p:par>
+                                <p:cTn id="32" presetID="2" presetClass="entr" presetSubtype="4" fill="hold" grpId="0" nodeType="afterEffect">
+                                  <p:stCondLst>
+                                    <p:cond delay="0"/>
+                                  </p:stCondLst>
+                                  <p:childTnLst>
+                                    <p:set>
+                                      <p:cBhvr>
+                                        <p:cTn id="33" dur="1" fill="hold">
+                                          <p:stCondLst>
+                                            <p:cond delay="0"/>
+                                          </p:stCondLst>
+                                        </p:cTn>
+                                        <p:tgtEl>
+                                          <p:spTgt spid="2">
+                                            <p:txEl>
+                                              <p:pRg st="4" end="4"/>
+                                            </p:txEl>
+                                          </p:spTgt>
+                                        </p:tgtEl>
+                                        <p:attrNameLst>
+                                          <p:attrName>style.visibility</p:attrName>
+                                        </p:attrNameLst>
+                                      </p:cBhvr>
+                                      <p:to>
+                                        <p:strVal val="visible"/>
+                                      </p:to>
+                                    </p:set>
+                                    <p:anim calcmode="lin" valueType="num">
+                                      <p:cBhvr additive="base">
+                                        <p:cTn id="34" dur="500" fill="hold"/>
+                                        <p:tgtEl>
+                                          <p:spTgt spid="2">
+                                            <p:txEl>
+                                              <p:pRg st="4" end="4"/>
+                                            </p:txEl>
+                                          </p:spTgt>
+                                        </p:tgtEl>
+                                        <p:attrNameLst>
+                                          <p:attrName>ppt_x</p:attrName>
+                                        </p:attrNameLst>
+                                      </p:cBhvr>
+                                      <p:tavLst>
+                                        <p:tav tm="0">
+                                          <p:val>
+                                            <p:strVal val="#ppt_x"/>
+                                          </p:val>
+                                        </p:tav>
+                                        <p:tav tm="100000">
+                                          <p:val>
+                                            <p:strVal val="#ppt_x"/>
+                                          </p:val>
+                                        </p:tav>
+                                      </p:tavLst>
+                                    </p:anim>
+                                    <p:anim calcmode="lin" valueType="num">
+                                      <p:cBhvr additive="base">
+                                        <p:cTn id="35" dur="500" fill="hold"/>
+                                        <p:tgtEl>
+                                          <p:spTgt spid="2">
+                                            <p:txEl>
+                                              <p:pRg st="4" end="4"/>
+                                            </p:txEl>
+                                          </p:spTgt>
+                                        </p:tgtEl>
+                                        <p:attrNameLst>
+                                          <p:attrName>ppt_y</p:attrName>
+                                        </p:attrNameLst>
+                                      </p:cBhvr>
+                                      <p:tavLst>
+                                        <p:tav tm="0">
+                                          <p:val>
+                                            <p:strVal val="1+#ppt_h/2"/>
+                                          </p:val>
+                                        </p:tav>
+                                        <p:tav tm="100000">
+                                          <p:val>
+                                            <p:strVal val="#ppt_y"/>
+                                          </p:val>
+                                        </p:tav>
+                                      </p:tavLst>
+                                    </p:anim>
+                                  </p:childTnLst>
+                                </p:cTn>
+                              </p:par>
+                            </p:childTnLst>
+                          </p:cTn>
+                        </p:par>
+                      </p:childTnLst>
+                    </p:cTn>
+                  </p:par>
+                  <p:par>
+                    <p:cTn id="36" fill="hold">
+                      <p:stCondLst>
+                        <p:cond delay="indefinite"/>
+                      </p:stCondLst>
+                      <p:childTnLst>
+                        <p:par>
+                          <p:cTn id="37" fill="hold">
+                            <p:stCondLst>
+                              <p:cond delay="0"/>
+                            </p:stCondLst>
+                            <p:childTnLst>
+                              <p:par>
+                                <p:cTn id="38" presetID="2" presetClass="entr" presetSubtype="4" fill="hold" grpId="0" nodeType="clickEffect">
+                                  <p:stCondLst>
+                                    <p:cond delay="0"/>
+                                  </p:stCondLst>
+                                  <p:childTnLst>
+                                    <p:set>
+                                      <p:cBhvr>
+                                        <p:cTn id="39" dur="1" fill="hold">
+                                          <p:stCondLst>
+                                            <p:cond delay="0"/>
+                                          </p:stCondLst>
+                                        </p:cTn>
+                                        <p:tgtEl>
+                                          <p:spTgt spid="2">
+                                            <p:txEl>
+                                              <p:pRg st="8" end="8"/>
+                                            </p:txEl>
+                                          </p:spTgt>
+                                        </p:tgtEl>
+                                        <p:attrNameLst>
+                                          <p:attrName>style.visibility</p:attrName>
+                                        </p:attrNameLst>
+                                      </p:cBhvr>
+                                      <p:to>
+                                        <p:strVal val="visible"/>
+                                      </p:to>
+                                    </p:set>
+                                    <p:anim calcmode="lin" valueType="num">
+                                      <p:cBhvr additive="base">
+                                        <p:cTn id="40" dur="500" fill="hold"/>
+                                        <p:tgtEl>
+                                          <p:spTgt spid="2">
+                                            <p:txEl>
+                                              <p:pRg st="8" end="8"/>
+                                            </p:txEl>
+                                          </p:spTgt>
+                                        </p:tgtEl>
+                                        <p:attrNameLst>
+                                          <p:attrName>ppt_x</p:attrName>
+                                        </p:attrNameLst>
+                                      </p:cBhvr>
+                                      <p:tavLst>
+                                        <p:tav tm="0">
+                                          <p:val>
+                                            <p:strVal val="#ppt_x"/>
+                                          </p:val>
+                                        </p:tav>
+                                        <p:tav tm="100000">
+                                          <p:val>
+                                            <p:strVal val="#ppt_x"/>
+                                          </p:val>
+                                        </p:tav>
+                                      </p:tavLst>
+                                    </p:anim>
+                                    <p:anim calcmode="lin" valueType="num">
+                                      <p:cBhvr additive="base">
+                                        <p:cTn id="41" dur="500" fill="hold"/>
+                                        <p:tgtEl>
+                                          <p:spTgt spid="2">
+                                            <p:txEl>
+                                              <p:pRg st="8" end="8"/>
+                                            </p:txEl>
+                                          </p:spTgt>
+                                        </p:tgtEl>
+                                        <p:attrNameLst>
+                                          <p:attrName>ppt_y</p:attrName>
+                                        </p:attrNameLst>
+                                      </p:cBhvr>
+                                      <p:tavLst>
+                                        <p:tav tm="0">
+                                          <p:val>
+                                            <p:strVal val="1+#ppt_h/2"/>
+                                          </p:val>
+                                        </p:tav>
+                                        <p:tav tm="100000">
+                                          <p:val>
+                                            <p:strVal val="#ppt_y"/>
+                                          </p:val>
+                                        </p:tav>
+                                      </p:tavLst>
+                                    </p:anim>
+                                  </p:childTnLst>
+                                </p:cTn>
+                              </p:par>
+                            </p:childTnLst>
+                          </p:cTn>
+                        </p:par>
+                        <p:par>
+                          <p:cTn id="42" fill="hold">
+                            <p:stCondLst>
+                              <p:cond delay="500"/>
+                            </p:stCondLst>
+                            <p:childTnLst>
+                              <p:par>
+                                <p:cTn id="43" presetID="2" presetClass="entr" presetSubtype="4" fill="hold" grpId="0" nodeType="afterEffect">
+                                  <p:stCondLst>
+                                    <p:cond delay="0"/>
+                                  </p:stCondLst>
+                                  <p:childTnLst>
+                                    <p:set>
+                                      <p:cBhvr>
+                                        <p:cTn id="44" dur="1" fill="hold">
+                                          <p:stCondLst>
+                                            <p:cond delay="0"/>
+                                          </p:stCondLst>
+                                        </p:cTn>
+                                        <p:tgtEl>
+                                          <p:spTgt spid="2">
+                                            <p:txEl>
+                                              <p:pRg st="9" end="9"/>
+                                            </p:txEl>
+                                          </p:spTgt>
+                                        </p:tgtEl>
+                                        <p:attrNameLst>
+                                          <p:attrName>style.visibility</p:attrName>
+                                        </p:attrNameLst>
+                                      </p:cBhvr>
+                                      <p:to>
+                                        <p:strVal val="visible"/>
+                                      </p:to>
+                                    </p:set>
+                                    <p:anim calcmode="lin" valueType="num">
+                                      <p:cBhvr additive="base">
+                                        <p:cTn id="45" dur="500" fill="hold"/>
+                                        <p:tgtEl>
+                                          <p:spTgt spid="2">
+                                            <p:txEl>
+                                              <p:pRg st="9" end="9"/>
+                                            </p:txEl>
+                                          </p:spTgt>
+                                        </p:tgtEl>
+                                        <p:attrNameLst>
+                                          <p:attrName>ppt_x</p:attrName>
+                                        </p:attrNameLst>
+                                      </p:cBhvr>
+                                      <p:tavLst>
+                                        <p:tav tm="0">
+                                          <p:val>
+                                            <p:strVal val="#ppt_x"/>
+                                          </p:val>
+                                        </p:tav>
+                                        <p:tav tm="100000">
+                                          <p:val>
+                                            <p:strVal val="#ppt_x"/>
+                                          </p:val>
+                                        </p:tav>
+                                      </p:tavLst>
+                                    </p:anim>
+                                    <p:anim calcmode="lin" valueType="num">
+                                      <p:cBhvr additive="base">
+                                        <p:cTn id="46" dur="500" fill="hold"/>
+                                        <p:tgtEl>
+                                          <p:spTgt spid="2">
+                                            <p:txEl>
+                                              <p:pRg st="9" end="9"/>
+                                            </p:txEl>
+                                          </p:spTgt>
+                                        </p:tgtEl>
+                                        <p:attrNameLst>
+                                          <p:attrName>ppt_y</p:attrName>
+                                        </p:attrNameLst>
+                                      </p:cBhvr>
+                                      <p:tavLst>
+                                        <p:tav tm="0">
+                                          <p:val>
+                                            <p:strVal val="1+#ppt_h/2"/>
+                                          </p:val>
+                                        </p:tav>
+                                        <p:tav tm="100000">
+                                          <p:val>
+                                            <p:strVal val="#ppt_y"/>
+                                          </p:val>
+                                        </p:tav>
+                                      </p:tavLst>
+                                    </p:anim>
+                                  </p:childTnLst>
+                                </p:cTn>
+                              </p:par>
+                            </p:childTnLst>
+                          </p:cTn>
+                        </p:par>
+                        <p:par>
+                          <p:cTn id="47" fill="hold">
+                            <p:stCondLst>
+                              <p:cond delay="1000"/>
+                            </p:stCondLst>
+                            <p:childTnLst>
+                              <p:par>
+                                <p:cTn id="48" presetID="2" presetClass="entr" presetSubtype="4" fill="hold" nodeType="afterEffect">
+                                  <p:stCondLst>
+                                    <p:cond delay="0"/>
+                                  </p:stCondLst>
+                                  <p:childTnLst>
+                                    <p:set>
+                                      <p:cBhvr>
+                                        <p:cTn id="49" dur="1" fill="hold">
+                                          <p:stCondLst>
+                                            <p:cond delay="0"/>
+                                          </p:stCondLst>
+                                        </p:cTn>
+                                        <p:tgtEl>
+                                          <p:spTgt spid="7"/>
+                                        </p:tgtEl>
+                                        <p:attrNameLst>
+                                          <p:attrName>style.visibility</p:attrName>
+                                        </p:attrNameLst>
+                                      </p:cBhvr>
+                                      <p:to>
+                                        <p:strVal val="visible"/>
+                                      </p:to>
+                                    </p:set>
+                                    <p:anim calcmode="lin" valueType="num">
+                                      <p:cBhvr additive="base">
+                                        <p:cTn id="50" dur="500" fill="hold"/>
+                                        <p:tgtEl>
+                                          <p:spTgt spid="7"/>
+                                        </p:tgtEl>
+                                        <p:attrNameLst>
+                                          <p:attrName>ppt_x</p:attrName>
+                                        </p:attrNameLst>
+                                      </p:cBhvr>
+                                      <p:tavLst>
+                                        <p:tav tm="0">
+                                          <p:val>
+                                            <p:strVal val="#ppt_x"/>
+                                          </p:val>
+                                        </p:tav>
+                                        <p:tav tm="100000">
+                                          <p:val>
+                                            <p:strVal val="#ppt_x"/>
+                                          </p:val>
+                                        </p:tav>
+                                      </p:tavLst>
+                                    </p:anim>
+                                    <p:anim calcmode="lin" valueType="num">
+                                      <p:cBhvr additive="base">
+                                        <p:cTn id="51" dur="500" fill="hold"/>
+                                        <p:tgtEl>
+                                          <p:spTgt spid="7"/>
+                                        </p:tgtEl>
+                                        <p:attrNameLst>
+                                          <p:attrName>ppt_y</p:attrName>
+                                        </p:attrNameLst>
+                                      </p:cBhvr>
+                                      <p:tavLst>
+                                        <p:tav tm="0">
+                                          <p:val>
+                                            <p:strVal val="1+#ppt_h/2"/>
+                                          </p:val>
+                                        </p:tav>
+                                        <p:tav tm="100000">
+                                          <p:val>
+                                            <p:strVal val="#ppt_y"/>
+                                          </p:val>
+                                        </p:tav>
+                                      </p:tavLst>
+                                    </p:anim>
+                                  </p:childTnLst>
+                                </p:cTn>
+                              </p:par>
+                              <p:par>
+                                <p:cTn id="52" presetID="2" presetClass="entr" presetSubtype="4" fill="hold" nodeType="withEffect">
+                                  <p:stCondLst>
+                                    <p:cond delay="0"/>
+                                  </p:stCondLst>
+                                  <p:childTnLst>
+                                    <p:set>
+                                      <p:cBhvr>
+                                        <p:cTn id="53" dur="1" fill="hold">
+                                          <p:stCondLst>
+                                            <p:cond delay="0"/>
+                                          </p:stCondLst>
+                                        </p:cTn>
+                                        <p:tgtEl>
+                                          <p:spTgt spid="9"/>
+                                        </p:tgtEl>
+                                        <p:attrNameLst>
+                                          <p:attrName>style.visibility</p:attrName>
+                                        </p:attrNameLst>
+                                      </p:cBhvr>
+                                      <p:to>
+                                        <p:strVal val="visible"/>
+                                      </p:to>
+                                    </p:set>
+                                    <p:anim calcmode="lin" valueType="num">
+                                      <p:cBhvr additive="base">
+                                        <p:cTn id="54" dur="500" fill="hold"/>
+                                        <p:tgtEl>
+                                          <p:spTgt spid="9"/>
+                                        </p:tgtEl>
+                                        <p:attrNameLst>
+                                          <p:attrName>ppt_x</p:attrName>
+                                        </p:attrNameLst>
+                                      </p:cBhvr>
+                                      <p:tavLst>
+                                        <p:tav tm="0">
+                                          <p:val>
+                                            <p:strVal val="#ppt_x"/>
+                                          </p:val>
+                                        </p:tav>
+                                        <p:tav tm="100000">
+                                          <p:val>
+                                            <p:strVal val="#ppt_x"/>
+                                          </p:val>
+                                        </p:tav>
+                                      </p:tavLst>
+                                    </p:anim>
+                                    <p:anim calcmode="lin" valueType="num">
+                                      <p:cBhvr additive="base">
+                                        <p:cTn id="55" dur="500" fill="hold"/>
+                                        <p:tgtEl>
+                                          <p:spTgt spid="9"/>
+                                        </p:tgtEl>
+                                        <p:attrNameLst>
+                                          <p:attrName>ppt_y</p:attrName>
+                                        </p:attrNameLst>
+                                      </p:cBhvr>
+                                      <p:tavLst>
+                                        <p:tav tm="0">
+                                          <p:val>
+                                            <p:strVal val="1+#ppt_h/2"/>
+                                          </p:val>
+                                        </p:tav>
+                                        <p:tav tm="100000">
+                                          <p:val>
+                                            <p:strVal val="#ppt_y"/>
+                                          </p:val>
+                                        </p:tav>
+                                      </p:tavLst>
+                                    </p:anim>
+                                  </p:childTnLst>
+                                </p:cTn>
+                              </p:par>
+                            </p:childTnLst>
+                          </p:cTn>
+                        </p:par>
+                      </p:childTnLst>
+                    </p:cTn>
+                  </p:par>
+                </p:childTnLst>
+              </p:cTn>
+              <p:prevCondLst>
+                <p:cond evt="onPrev" delay="0">
+                  <p:tgtEl>
+                    <p:sldTgt/>
+                  </p:tgtEl>
+                </p:cond>
+              </p:prevCondLst>
+              <p:nextCondLst>
+                <p:cond evt="onNext" delay="0">
+                  <p:tgtEl>
+                    <p:sldTgt/>
+                  </p:tgtEl>
+                </p:cond>
+              </p:nextCondLst>
+            </p:seq>
+          </p:childTnLst>
+        </p:cTn>
+      </p:par>
+    </p:tnLst>
+    <p:bldLst>
+      <p:bldP spid="2" grpId="0" uiExpand="1" build="p"/>
+    </p:bldLst>
+  </p:timing>
 </p:sld>
 </file>
 
@@ -13547,120 +16476,141 @@
           </a:p>
         </p:txBody>
       </p:sp>
-      <p:pic>
-        <p:nvPicPr>
-          <p:cNvPr id="5" name="">
+      <p:grpSp>
+        <p:nvGrpSpPr>
+          <p:cNvPr id="8" name="Gruppieren 7">
             <a:extLst>
               <a:ext uri="{FF2B5EF4-FFF2-40B4-BE49-F238E27FC236}">
-                <a16:creationId xmlns:a16="http://schemas.microsoft.com/office/drawing/2014/main" id="{B2232699-8043-4E08-9173-88D5F1886D30}"/>
+                <a16:creationId xmlns:a16="http://schemas.microsoft.com/office/drawing/2014/main" id="{7E883A0F-952D-4E0A-86E2-8FDF3C9F40A7}"/>
               </a:ext>
             </a:extLst>
           </p:cNvPr>
-          <p:cNvPicPr>
-            <a:picLocks noChangeAspect="1"/>
-          </p:cNvPicPr>
+          <p:cNvGrpSpPr/>
           <p:nvPr/>
-        </p:nvPicPr>
-        <p:blipFill>
-          <a:blip r:embed="rId3">
-            <a:lum/>
-            <a:alphaModFix/>
-          </a:blip>
-          <a:srcRect/>
-          <a:stretch>
-            <a:fillRect/>
-          </a:stretch>
-        </p:blipFill>
-        <p:spPr>
+        </p:nvGrpSpPr>
+        <p:grpSpPr>
           <a:xfrm>
-            <a:off x="457200" y="1746719"/>
-            <a:ext cx="2286000" cy="2276639"/>
+            <a:off x="405224" y="1746720"/>
+            <a:ext cx="8353766" cy="2255786"/>
+            <a:chOff x="405223" y="1746719"/>
+            <a:chExt cx="8526047" cy="2276639"/>
           </a:xfrm>
-          <a:prstGeom prst="rect">
-            <a:avLst/>
-          </a:prstGeom>
-          <a:noFill/>
-          <a:ln>
+        </p:grpSpPr>
+        <p:pic>
+          <p:nvPicPr>
+            <p:cNvPr id="5" name="">
+              <a:extLst>
+                <a:ext uri="{FF2B5EF4-FFF2-40B4-BE49-F238E27FC236}">
+                  <a16:creationId xmlns:a16="http://schemas.microsoft.com/office/drawing/2014/main" id="{B2232699-8043-4E08-9173-88D5F1886D30}"/>
+                </a:ext>
+              </a:extLst>
+            </p:cNvPr>
+            <p:cNvPicPr>
+              <a:picLocks noChangeAspect="1"/>
+            </p:cNvPicPr>
+            <p:nvPr/>
+          </p:nvPicPr>
+          <p:blipFill>
+            <a:blip r:embed="rId3">
+              <a:lum/>
+              <a:alphaModFix/>
+            </a:blip>
+            <a:srcRect/>
+            <a:stretch>
+              <a:fillRect/>
+            </a:stretch>
+          </p:blipFill>
+          <p:spPr>
+            <a:xfrm>
+              <a:off x="405223" y="1746719"/>
+              <a:ext cx="2286000" cy="2276639"/>
+            </a:xfrm>
+            <a:prstGeom prst="rect">
+              <a:avLst/>
+            </a:prstGeom>
             <a:noFill/>
-          </a:ln>
-        </p:spPr>
-      </p:pic>
-      <p:pic>
-        <p:nvPicPr>
-          <p:cNvPr id="6" name="">
-            <a:extLst>
-              <a:ext uri="{FF2B5EF4-FFF2-40B4-BE49-F238E27FC236}">
-                <a16:creationId xmlns:a16="http://schemas.microsoft.com/office/drawing/2014/main" id="{EF3B85CA-167A-48C5-B47F-9559DDA66A28}"/>
-              </a:ext>
-            </a:extLst>
-          </p:cNvPr>
-          <p:cNvPicPr>
-            <a:picLocks noChangeAspect="1"/>
-          </p:cNvPicPr>
-          <p:nvPr/>
-        </p:nvPicPr>
-        <p:blipFill>
-          <a:blip r:embed="rId4">
-            <a:lum/>
-            <a:alphaModFix/>
-          </a:blip>
-          <a:srcRect/>
-          <a:stretch>
-            <a:fillRect/>
-          </a:stretch>
-        </p:blipFill>
-        <p:spPr>
-          <a:xfrm>
-            <a:off x="2926079" y="1828800"/>
-            <a:ext cx="6157080" cy="822960"/>
-          </a:xfrm>
-          <a:prstGeom prst="rect">
-            <a:avLst/>
-          </a:prstGeom>
-          <a:noFill/>
-          <a:ln>
+            <a:ln>
+              <a:noFill/>
+            </a:ln>
+          </p:spPr>
+        </p:pic>
+        <p:pic>
+          <p:nvPicPr>
+            <p:cNvPr id="6" name="">
+              <a:extLst>
+                <a:ext uri="{FF2B5EF4-FFF2-40B4-BE49-F238E27FC236}">
+                  <a16:creationId xmlns:a16="http://schemas.microsoft.com/office/drawing/2014/main" id="{EF3B85CA-167A-48C5-B47F-9559DDA66A28}"/>
+                </a:ext>
+              </a:extLst>
+            </p:cNvPr>
+            <p:cNvPicPr>
+              <a:picLocks noChangeAspect="1"/>
+            </p:cNvPicPr>
+            <p:nvPr/>
+          </p:nvPicPr>
+          <p:blipFill>
+            <a:blip r:embed="rId4">
+              <a:lum/>
+              <a:alphaModFix/>
+            </a:blip>
+            <a:srcRect/>
+            <a:stretch>
+              <a:fillRect/>
+            </a:stretch>
+          </p:blipFill>
+          <p:spPr>
+            <a:xfrm>
+              <a:off x="3014310" y="1746719"/>
+              <a:ext cx="5900929" cy="579386"/>
+            </a:xfrm>
+            <a:prstGeom prst="rect">
+              <a:avLst/>
+            </a:prstGeom>
             <a:noFill/>
-          </a:ln>
-        </p:spPr>
-      </p:pic>
-      <p:pic>
-        <p:nvPicPr>
-          <p:cNvPr id="7" name="">
-            <a:extLst>
-              <a:ext uri="{FF2B5EF4-FFF2-40B4-BE49-F238E27FC236}">
-                <a16:creationId xmlns:a16="http://schemas.microsoft.com/office/drawing/2014/main" id="{1EF0078F-3D7C-4368-8010-3C6C8DBE6A86}"/>
-              </a:ext>
-            </a:extLst>
-          </p:cNvPr>
-          <p:cNvPicPr>
-            <a:picLocks noChangeAspect="1"/>
-          </p:cNvPicPr>
-          <p:nvPr/>
-        </p:nvPicPr>
-        <p:blipFill>
-          <a:blip r:embed="rId5">
-            <a:lum/>
-            <a:alphaModFix/>
-          </a:blip>
-          <a:srcRect/>
-          <a:stretch>
-            <a:fillRect/>
-          </a:stretch>
-        </p:blipFill>
-        <p:spPr>
-          <a:xfrm>
-            <a:off x="2926079" y="2908800"/>
-            <a:ext cx="5916960" cy="1937519"/>
-          </a:xfrm>
-          <a:prstGeom prst="rect">
-            <a:avLst/>
-          </a:prstGeom>
-          <a:noFill/>
-          <a:ln>
+            <a:ln>
+              <a:noFill/>
+            </a:ln>
+          </p:spPr>
+        </p:pic>
+        <p:pic>
+          <p:nvPicPr>
+            <p:cNvPr id="7" name="">
+              <a:extLst>
+                <a:ext uri="{FF2B5EF4-FFF2-40B4-BE49-F238E27FC236}">
+                  <a16:creationId xmlns:a16="http://schemas.microsoft.com/office/drawing/2014/main" id="{1EF0078F-3D7C-4368-8010-3C6C8DBE6A86}"/>
+                </a:ext>
+              </a:extLst>
+            </p:cNvPr>
+            <p:cNvPicPr>
+              <a:picLocks noChangeAspect="1"/>
+            </p:cNvPicPr>
+            <p:nvPr/>
+          </p:nvPicPr>
+          <p:blipFill>
+            <a:blip r:embed="rId5">
+              <a:lum/>
+              <a:alphaModFix/>
+            </a:blip>
+            <a:srcRect/>
+            <a:stretch>
+              <a:fillRect/>
+            </a:stretch>
+          </p:blipFill>
+          <p:spPr>
+            <a:xfrm>
+              <a:off x="3014310" y="2646947"/>
+              <a:ext cx="5916960" cy="1376411"/>
+            </a:xfrm>
+            <a:prstGeom prst="rect">
+              <a:avLst/>
+            </a:prstGeom>
             <a:noFill/>
-          </a:ln>
-        </p:spPr>
-      </p:pic>
+            <a:ln>
+              <a:noFill/>
+            </a:ln>
+          </p:spPr>
+        </p:pic>
+      </p:grpSp>
     </p:spTree>
   </p:cSld>
   <p:clrMapOvr>

--- a/Documentation/Presentation.pptx
+++ b/Documentation/Presentation.pptx
@@ -10,10 +10,10 @@
     <p:sldMasterId id="2147483697" r:id="rId6"/>
   </p:sldMasterIdLst>
   <p:notesMasterIdLst>
-    <p:notesMasterId r:id="rId18"/>
+    <p:notesMasterId r:id="rId19"/>
   </p:notesMasterIdLst>
   <p:handoutMasterIdLst>
-    <p:handoutMasterId r:id="rId19"/>
+    <p:handoutMasterId r:id="rId20"/>
   </p:handoutMasterIdLst>
   <p:sldIdLst>
     <p:sldId id="355" r:id="rId7"/>
@@ -27,6 +27,7 @@
     <p:sldId id="262" r:id="rId15"/>
     <p:sldId id="263" r:id="rId16"/>
     <p:sldId id="264" r:id="rId17"/>
+    <p:sldId id="402" r:id="rId18"/>
   </p:sldIdLst>
   <p:sldSz cx="9144000" cy="6858000" type="screen4x3"/>
   <p:notesSz cx="9925050" cy="6665913"/>
@@ -10094,6 +10095,83 @@
         </p:spPr>
       </p:pic>
     </p:spTree>
+  </p:cSld>
+  <p:clrMapOvr>
+    <a:masterClrMapping/>
+  </p:clrMapOvr>
+</p:sld>
+</file>
+
+<file path=ppt/slides/slide12.xml><?xml version="1.0" encoding="utf-8"?>
+<p:sld xmlns:a="http://schemas.openxmlformats.org/drawingml/2006/main" xmlns:r="http://schemas.openxmlformats.org/officeDocument/2006/relationships" xmlns:p="http://schemas.openxmlformats.org/presentationml/2006/main">
+  <p:cSld>
+    <p:spTree>
+      <p:nvGrpSpPr>
+        <p:cNvPr id="1" name=""/>
+        <p:cNvGrpSpPr/>
+        <p:nvPr/>
+      </p:nvGrpSpPr>
+      <p:grpSpPr>
+        <a:xfrm>
+          <a:off x="0" y="0"/>
+          <a:ext cx="0" cy="0"/>
+          <a:chOff x="0" y="0"/>
+          <a:chExt cx="0" cy="0"/>
+        </a:xfrm>
+      </p:grpSpPr>
+      <p:pic>
+        <p:nvPicPr>
+          <p:cNvPr id="1026" name="Picture 2" descr="Bildergebnis fÃ¼r meme fragen">
+            <a:extLst>
+              <a:ext uri="{FF2B5EF4-FFF2-40B4-BE49-F238E27FC236}">
+                <a16:creationId xmlns:a16="http://schemas.microsoft.com/office/drawing/2014/main" id="{76328E6E-B3C8-491D-A557-4F22C2448224}"/>
+              </a:ext>
+            </a:extLst>
+          </p:cNvPr>
+          <p:cNvPicPr>
+            <a:picLocks noChangeAspect="1" noChangeArrowheads="1"/>
+          </p:cNvPicPr>
+          <p:nvPr/>
+        </p:nvPicPr>
+        <p:blipFill>
+          <a:blip r:embed="rId2">
+            <a:extLst>
+              <a:ext uri="{28A0092B-C50C-407E-A947-70E740481C1C}">
+                <a14:useLocalDpi xmlns:a14="http://schemas.microsoft.com/office/drawing/2010/main" val="0"/>
+              </a:ext>
+            </a:extLst>
+          </a:blip>
+          <a:srcRect/>
+          <a:stretch>
+            <a:fillRect/>
+          </a:stretch>
+        </p:blipFill>
+        <p:spPr bwMode="auto">
+          <a:xfrm>
+            <a:off x="1476375" y="1500187"/>
+            <a:ext cx="6191250" cy="3857625"/>
+          </a:xfrm>
+          <a:prstGeom prst="rect">
+            <a:avLst/>
+          </a:prstGeom>
+          <a:noFill/>
+          <a:extLst>
+            <a:ext uri="{909E8E84-426E-40DD-AFC4-6F175D3DCCD1}">
+              <a14:hiddenFill xmlns:a14="http://schemas.microsoft.com/office/drawing/2010/main">
+                <a:solidFill>
+                  <a:srgbClr val="FFFFFF"/>
+                </a:solidFill>
+              </a14:hiddenFill>
+            </a:ext>
+          </a:extLst>
+        </p:spPr>
+      </p:pic>
+    </p:spTree>
+    <p:extLst>
+      <p:ext uri="{BB962C8B-B14F-4D97-AF65-F5344CB8AC3E}">
+        <p14:creationId xmlns:p14="http://schemas.microsoft.com/office/powerpoint/2010/main" val="3768627977"/>
+      </p:ext>
+    </p:extLst>
   </p:cSld>
   <p:clrMapOvr>
     <a:masterClrMapping/>
